--- a/析客_發表簡報.pptx
+++ b/析客_發表簡報.pptx
@@ -1,11 +1,11 @@
 
 <file path=ppt/presentation.xml><?xml version="1.0" encoding="utf-8"?>
-<p:presentation xmlns:a="http://schemas.openxmlformats.org/drawingml/2006/main" xmlns:r="http://schemas.openxmlformats.org/officeDocument/2006/relationships" xmlns:p="http://schemas.openxmlformats.org/presentationml/2006/main" compatMode="1" saveSubsetFonts="1" autoCompressPictures="0">
+<p:presentation xmlns:a="http://schemas.openxmlformats.org/drawingml/2006/main" xmlns:r="http://schemas.openxmlformats.org/officeDocument/2006/relationships" xmlns:p="http://schemas.openxmlformats.org/presentationml/2006/main" saveSubsetFonts="1" autoCompressPictures="0">
   <p:sldMasterIdLst>
     <p:sldMasterId id="2147483706" r:id="rId1"/>
   </p:sldMasterIdLst>
   <p:notesMasterIdLst>
-    <p:notesMasterId r:id="rId12"/>
+    <p:notesMasterId r:id="rId14"/>
   </p:notesMasterIdLst>
   <p:sldIdLst>
     <p:sldId id="257" r:id="rId2"/>
@@ -16,8 +16,10 @@
     <p:sldId id="299" r:id="rId7"/>
     <p:sldId id="301" r:id="rId8"/>
     <p:sldId id="302" r:id="rId9"/>
-    <p:sldId id="271" r:id="rId10"/>
-    <p:sldId id="287" r:id="rId11"/>
+    <p:sldId id="303" r:id="rId10"/>
+    <p:sldId id="271" r:id="rId11"/>
+    <p:sldId id="304" r:id="rId12"/>
+    <p:sldId id="287" r:id="rId13"/>
   </p:sldIdLst>
   <p:sldSz cx="9144000" cy="6858000" type="screen4x3"/>
   <p:notesSz cx="6858000" cy="9144000"/>
@@ -5569,2337 +5571,6 @@
           <a:chExt cx="0" cy="0"/>
         </a:xfrm>
       </p:grpSpPr>
-      <p:sp>
-        <p:nvSpPr>
-          <p:cNvPr id="4" name="文字方塊 3">
-            <a:extLst>
-              <a:ext uri="{FF2B5EF4-FFF2-40B4-BE49-F238E27FC236}"/>
-            </a:extLst>
-          </p:cNvPr>
-          <p:cNvSpPr txBox="1"/>
-          <p:nvPr/>
-        </p:nvSpPr>
-        <p:spPr>
-          <a:xfrm>
-            <a:off x="2019300" y="2644775"/>
-            <a:ext cx="5867400" cy="1570038"/>
-          </a:xfrm>
-          <a:prstGeom prst="rect">
-            <a:avLst/>
-          </a:prstGeom>
-          <a:noFill/>
-        </p:spPr>
-        <p:txBody>
-          <a:bodyPr>
-            <a:spAutoFit/>
-          </a:bodyPr>
-          <a:lstStyle/>
-          <a:p>
-            <a:pPr>
-              <a:defRPr/>
-            </a:pPr>
-            <a:r>
-              <a:rPr lang="zh-TW" altLang="en-US" sz="9600" dirty="0">
-                <a:solidFill>
-                  <a:schemeClr val="tx2">
-                    <a:lumMod val="50000"/>
-                  </a:schemeClr>
-                </a:solidFill>
-                <a:latin typeface="Yu Mincho Demibold" panose="02020600000000000000" pitchFamily="18" charset="-128"/>
-                <a:ea typeface="Yu Mincho Demibold" panose="02020600000000000000" pitchFamily="18" charset="-128"/>
-              </a:rPr>
-              <a:t>感謝聆聽</a:t>
-            </a:r>
-            <a:endParaRPr lang="zh-TW" altLang="en-US" sz="9600" dirty="0">
-              <a:solidFill>
-                <a:schemeClr val="tx2">
-                  <a:lumMod val="50000"/>
-                </a:schemeClr>
-              </a:solidFill>
-              <a:latin typeface="Yu Mincho Demibold" panose="02020600000000000000" pitchFamily="18" charset="-128"/>
-              <a:ea typeface="Yu Mincho Demibold" panose="02020600000000000000" pitchFamily="18" charset="-128"/>
-            </a:endParaRPr>
-          </a:p>
-        </p:txBody>
-      </p:sp>
-    </p:spTree>
-  </p:cSld>
-  <p:clrMapOvr>
-    <a:masterClrMapping/>
-  </p:clrMapOvr>
-  <p:timing>
-    <p:tnLst>
-      <p:par>
-        <p:cTn id="1" dur="indefinite" restart="never" nodeType="tmRoot"/>
-      </p:par>
-    </p:tnLst>
-  </p:timing>
-</p:sld>
-</file>
-
-<file path=ppt/slides/slide2.xml><?xml version="1.0" encoding="utf-8"?>
-<p:sld xmlns:a="http://schemas.openxmlformats.org/drawingml/2006/main" xmlns:r="http://schemas.openxmlformats.org/officeDocument/2006/relationships" xmlns:p="http://schemas.openxmlformats.org/presentationml/2006/main">
-  <p:cSld>
-    <p:spTree>
-      <p:nvGrpSpPr>
-        <p:cNvPr id="1" name=""/>
-        <p:cNvGrpSpPr/>
-        <p:nvPr/>
-      </p:nvGrpSpPr>
-      <p:grpSpPr>
-        <a:xfrm>
-          <a:off x="0" y="0"/>
-          <a:ext cx="0" cy="0"/>
-          <a:chOff x="0" y="0"/>
-          <a:chExt cx="0" cy="0"/>
-        </a:xfrm>
-      </p:grpSpPr>
-      <p:pic>
-        <p:nvPicPr>
-          <p:cNvPr id="15361" name="內容版面配置區 3"/>
-          <p:cNvPicPr>
-            <a:picLocks noGrp="1" noChangeAspect="1" noChangeArrowheads="1"/>
-          </p:cNvPicPr>
-          <p:nvPr>
-            <p:ph idx="1"/>
-          </p:nvPr>
-        </p:nvPicPr>
-        <p:blipFill>
-          <a:blip r:embed="rId3">
-            <a:extLst>
-              <a:ext uri="{28A0092B-C50C-407E-A947-70E740481C1C}">
-                <a14:useLocalDpi xmlns:a14="http://schemas.microsoft.com/office/drawing/2010/main" val="0"/>
-              </a:ext>
-            </a:extLst>
-          </a:blip>
-          <a:srcRect/>
-          <a:stretch>
-            <a:fillRect/>
-          </a:stretch>
-        </p:blipFill>
-        <p:spPr>
-          <a:xfrm>
-            <a:off x="1319213" y="260350"/>
-            <a:ext cx="6745287" cy="5827713"/>
-          </a:xfrm>
-        </p:spPr>
-      </p:pic>
-      <p:sp>
-        <p:nvSpPr>
-          <p:cNvPr id="15362" name="文字方塊 1"/>
-          <p:cNvSpPr txBox="1">
-            <a:spLocks noChangeArrowheads="1"/>
-          </p:cNvSpPr>
-          <p:nvPr/>
-        </p:nvSpPr>
-        <p:spPr bwMode="auto">
-          <a:xfrm>
-            <a:off x="5308600" y="6457950"/>
-            <a:ext cx="3705225" cy="369888"/>
-          </a:xfrm>
-          <a:prstGeom prst="rect">
-            <a:avLst/>
-          </a:prstGeom>
-          <a:noFill/>
-          <a:ln>
-            <a:noFill/>
-          </a:ln>
-          <a:extLst>
-            <a:ext uri="{909E8E84-426E-40DD-AFC4-6F175D3DCCD1}">
-              <a14:hiddenFill xmlns:a14="http://schemas.microsoft.com/office/drawing/2010/main">
-                <a:solidFill>
-                  <a:srgbClr val="FFFFFF"/>
-                </a:solidFill>
-              </a14:hiddenFill>
-            </a:ext>
-            <a:ext uri="{91240B29-F687-4F45-9708-019B960494DF}">
-              <a14:hiddenLine xmlns:a14="http://schemas.microsoft.com/office/drawing/2010/main" w="9525">
-                <a:solidFill>
-                  <a:srgbClr val="000000"/>
-                </a:solidFill>
-                <a:miter lim="800000"/>
-                <a:headEnd/>
-                <a:tailEnd/>
-              </a14:hiddenLine>
-            </a:ext>
-          </a:extLst>
-        </p:spPr>
-        <p:txBody>
-          <a:bodyPr>
-            <a:spAutoFit/>
-          </a:bodyPr>
-          <a:lstStyle>
-            <a:lvl1pPr>
-              <a:lnSpc>
-                <a:spcPct val="90000"/>
-              </a:lnSpc>
-              <a:spcBef>
-                <a:spcPts val="1000"/>
-              </a:spcBef>
-              <a:buFont typeface="Arial" charset="0"/>
-              <a:buChar char="•"/>
-              <a:defRPr sz="2800">
-                <a:solidFill>
-                  <a:schemeClr val="tx1"/>
-                </a:solidFill>
-                <a:latin typeface="Calibri" charset="0"/>
-                <a:ea typeface="新細明體" charset="-120"/>
-              </a:defRPr>
-            </a:lvl1pPr>
-            <a:lvl2pPr marL="742950" indent="-285750">
-              <a:lnSpc>
-                <a:spcPct val="90000"/>
-              </a:lnSpc>
-              <a:spcBef>
-                <a:spcPts val="500"/>
-              </a:spcBef>
-              <a:buFont typeface="Arial" charset="0"/>
-              <a:buChar char="•"/>
-              <a:defRPr sz="2400">
-                <a:solidFill>
-                  <a:schemeClr val="tx1"/>
-                </a:solidFill>
-                <a:latin typeface="Calibri" charset="0"/>
-                <a:ea typeface="新細明體" charset="-120"/>
-              </a:defRPr>
-            </a:lvl2pPr>
-            <a:lvl3pPr marL="1143000" indent="-228600">
-              <a:lnSpc>
-                <a:spcPct val="90000"/>
-              </a:lnSpc>
-              <a:spcBef>
-                <a:spcPts val="500"/>
-              </a:spcBef>
-              <a:buFont typeface="Arial" charset="0"/>
-              <a:buChar char="•"/>
-              <a:defRPr sz="2000">
-                <a:solidFill>
-                  <a:schemeClr val="tx1"/>
-                </a:solidFill>
-                <a:latin typeface="Calibri" charset="0"/>
-                <a:ea typeface="新細明體" charset="-120"/>
-              </a:defRPr>
-            </a:lvl3pPr>
-            <a:lvl4pPr marL="1600200" indent="-228600">
-              <a:lnSpc>
-                <a:spcPct val="90000"/>
-              </a:lnSpc>
-              <a:spcBef>
-                <a:spcPts val="500"/>
-              </a:spcBef>
-              <a:buFont typeface="Arial" charset="0"/>
-              <a:buChar char="•"/>
-              <a:defRPr>
-                <a:solidFill>
-                  <a:schemeClr val="tx1"/>
-                </a:solidFill>
-                <a:latin typeface="Calibri" charset="0"/>
-                <a:ea typeface="新細明體" charset="-120"/>
-              </a:defRPr>
-            </a:lvl4pPr>
-            <a:lvl5pPr marL="2057400" indent="-228600">
-              <a:lnSpc>
-                <a:spcPct val="90000"/>
-              </a:lnSpc>
-              <a:spcBef>
-                <a:spcPts val="500"/>
-              </a:spcBef>
-              <a:buFont typeface="Arial" charset="0"/>
-              <a:buChar char="•"/>
-              <a:defRPr>
-                <a:solidFill>
-                  <a:schemeClr val="tx1"/>
-                </a:solidFill>
-                <a:latin typeface="Calibri" charset="0"/>
-                <a:ea typeface="新細明體" charset="-120"/>
-              </a:defRPr>
-            </a:lvl5pPr>
-            <a:lvl6pPr marL="2514600" indent="-228600" eaLnBrk="0" fontAlgn="base" hangingPunct="0">
-              <a:lnSpc>
-                <a:spcPct val="90000"/>
-              </a:lnSpc>
-              <a:spcBef>
-                <a:spcPts val="500"/>
-              </a:spcBef>
-              <a:spcAft>
-                <a:spcPct val="0"/>
-              </a:spcAft>
-              <a:buFont typeface="Arial" charset="0"/>
-              <a:buChar char="•"/>
-              <a:defRPr>
-                <a:solidFill>
-                  <a:schemeClr val="tx1"/>
-                </a:solidFill>
-                <a:latin typeface="Calibri" charset="0"/>
-                <a:ea typeface="新細明體" charset="-120"/>
-              </a:defRPr>
-            </a:lvl6pPr>
-            <a:lvl7pPr marL="2971800" indent="-228600" eaLnBrk="0" fontAlgn="base" hangingPunct="0">
-              <a:lnSpc>
-                <a:spcPct val="90000"/>
-              </a:lnSpc>
-              <a:spcBef>
-                <a:spcPts val="500"/>
-              </a:spcBef>
-              <a:spcAft>
-                <a:spcPct val="0"/>
-              </a:spcAft>
-              <a:buFont typeface="Arial" charset="0"/>
-              <a:buChar char="•"/>
-              <a:defRPr>
-                <a:solidFill>
-                  <a:schemeClr val="tx1"/>
-                </a:solidFill>
-                <a:latin typeface="Calibri" charset="0"/>
-                <a:ea typeface="新細明體" charset="-120"/>
-              </a:defRPr>
-            </a:lvl7pPr>
-            <a:lvl8pPr marL="3429000" indent="-228600" eaLnBrk="0" fontAlgn="base" hangingPunct="0">
-              <a:lnSpc>
-                <a:spcPct val="90000"/>
-              </a:lnSpc>
-              <a:spcBef>
-                <a:spcPts val="500"/>
-              </a:spcBef>
-              <a:spcAft>
-                <a:spcPct val="0"/>
-              </a:spcAft>
-              <a:buFont typeface="Arial" charset="0"/>
-              <a:buChar char="•"/>
-              <a:defRPr>
-                <a:solidFill>
-                  <a:schemeClr val="tx1"/>
-                </a:solidFill>
-                <a:latin typeface="Calibri" charset="0"/>
-                <a:ea typeface="新細明體" charset="-120"/>
-              </a:defRPr>
-            </a:lvl8pPr>
-            <a:lvl9pPr marL="3886200" indent="-228600" eaLnBrk="0" fontAlgn="base" hangingPunct="0">
-              <a:lnSpc>
-                <a:spcPct val="90000"/>
-              </a:lnSpc>
-              <a:spcBef>
-                <a:spcPts val="500"/>
-              </a:spcBef>
-              <a:spcAft>
-                <a:spcPct val="0"/>
-              </a:spcAft>
-              <a:buFont typeface="Arial" charset="0"/>
-              <a:buChar char="•"/>
-              <a:defRPr>
-                <a:solidFill>
-                  <a:schemeClr val="tx1"/>
-                </a:solidFill>
-                <a:latin typeface="Calibri" charset="0"/>
-                <a:ea typeface="新細明體" charset="-120"/>
-              </a:defRPr>
-            </a:lvl9pPr>
-          </a:lstStyle>
-          <a:p>
-            <a:pPr>
-              <a:lnSpc>
-                <a:spcPct val="100000"/>
-              </a:lnSpc>
-              <a:spcBef>
-                <a:spcPct val="0"/>
-              </a:spcBef>
-              <a:buFontTx/>
-              <a:buNone/>
-            </a:pPr>
-            <a:r>
-              <a:rPr lang="zh-TW" altLang="en-US" sz="1800"/>
-              <a:t>新聞來源</a:t>
-            </a:r>
-            <a:r>
-              <a:rPr lang="en-US" altLang="zh-TW" sz="1800"/>
-              <a:t>:</a:t>
-            </a:r>
-            <a:r>
-              <a:rPr lang="zh-TW" altLang="en-US" sz="1800"/>
-              <a:t>中時電子報 </a:t>
-            </a:r>
-            <a:r>
-              <a:rPr lang="en-US" altLang="zh-TW" sz="1800"/>
-              <a:t>2017/03/10</a:t>
-            </a:r>
-            <a:endParaRPr lang="zh-TW" altLang="en-US" sz="1800"/>
-          </a:p>
-        </p:txBody>
-      </p:sp>
-      <p:sp>
-        <p:nvSpPr>
-          <p:cNvPr id="15363" name="矩形 2"/>
-          <p:cNvSpPr>
-            <a:spLocks noChangeArrowheads="1"/>
-          </p:cNvSpPr>
-          <p:nvPr/>
-        </p:nvSpPr>
-        <p:spPr bwMode="auto">
-          <a:xfrm>
-            <a:off x="1458913" y="6088063"/>
-            <a:ext cx="7373937" cy="369887"/>
-          </a:xfrm>
-          <a:prstGeom prst="rect">
-            <a:avLst/>
-          </a:prstGeom>
-          <a:noFill/>
-          <a:ln>
-            <a:noFill/>
-          </a:ln>
-          <a:extLst>
-            <a:ext uri="{909E8E84-426E-40DD-AFC4-6F175D3DCCD1}">
-              <a14:hiddenFill xmlns:a14="http://schemas.microsoft.com/office/drawing/2010/main">
-                <a:solidFill>
-                  <a:srgbClr val="FFFFFF"/>
-                </a:solidFill>
-              </a14:hiddenFill>
-            </a:ext>
-            <a:ext uri="{91240B29-F687-4F45-9708-019B960494DF}">
-              <a14:hiddenLine xmlns:a14="http://schemas.microsoft.com/office/drawing/2010/main" w="9525">
-                <a:solidFill>
-                  <a:srgbClr val="000000"/>
-                </a:solidFill>
-                <a:miter lim="800000"/>
-                <a:headEnd/>
-                <a:tailEnd/>
-              </a14:hiddenLine>
-            </a:ext>
-          </a:extLst>
-        </p:spPr>
-        <p:txBody>
-          <a:bodyPr>
-            <a:spAutoFit/>
-          </a:bodyPr>
-          <a:lstStyle>
-            <a:lvl1pPr>
-              <a:lnSpc>
-                <a:spcPct val="90000"/>
-              </a:lnSpc>
-              <a:spcBef>
-                <a:spcPts val="1000"/>
-              </a:spcBef>
-              <a:buFont typeface="Arial" charset="0"/>
-              <a:buChar char="•"/>
-              <a:defRPr sz="2800">
-                <a:solidFill>
-                  <a:schemeClr val="tx1"/>
-                </a:solidFill>
-                <a:latin typeface="Calibri" charset="0"/>
-                <a:ea typeface="新細明體" charset="-120"/>
-              </a:defRPr>
-            </a:lvl1pPr>
-            <a:lvl2pPr marL="742950" indent="-285750">
-              <a:lnSpc>
-                <a:spcPct val="90000"/>
-              </a:lnSpc>
-              <a:spcBef>
-                <a:spcPts val="500"/>
-              </a:spcBef>
-              <a:buFont typeface="Arial" charset="0"/>
-              <a:buChar char="•"/>
-              <a:defRPr sz="2400">
-                <a:solidFill>
-                  <a:schemeClr val="tx1"/>
-                </a:solidFill>
-                <a:latin typeface="Calibri" charset="0"/>
-                <a:ea typeface="新細明體" charset="-120"/>
-              </a:defRPr>
-            </a:lvl2pPr>
-            <a:lvl3pPr marL="1143000" indent="-228600">
-              <a:lnSpc>
-                <a:spcPct val="90000"/>
-              </a:lnSpc>
-              <a:spcBef>
-                <a:spcPts val="500"/>
-              </a:spcBef>
-              <a:buFont typeface="Arial" charset="0"/>
-              <a:buChar char="•"/>
-              <a:defRPr sz="2000">
-                <a:solidFill>
-                  <a:schemeClr val="tx1"/>
-                </a:solidFill>
-                <a:latin typeface="Calibri" charset="0"/>
-                <a:ea typeface="新細明體" charset="-120"/>
-              </a:defRPr>
-            </a:lvl3pPr>
-            <a:lvl4pPr marL="1600200" indent="-228600">
-              <a:lnSpc>
-                <a:spcPct val="90000"/>
-              </a:lnSpc>
-              <a:spcBef>
-                <a:spcPts val="500"/>
-              </a:spcBef>
-              <a:buFont typeface="Arial" charset="0"/>
-              <a:buChar char="•"/>
-              <a:defRPr>
-                <a:solidFill>
-                  <a:schemeClr val="tx1"/>
-                </a:solidFill>
-                <a:latin typeface="Calibri" charset="0"/>
-                <a:ea typeface="新細明體" charset="-120"/>
-              </a:defRPr>
-            </a:lvl4pPr>
-            <a:lvl5pPr marL="2057400" indent="-228600">
-              <a:lnSpc>
-                <a:spcPct val="90000"/>
-              </a:lnSpc>
-              <a:spcBef>
-                <a:spcPts val="500"/>
-              </a:spcBef>
-              <a:buFont typeface="Arial" charset="0"/>
-              <a:buChar char="•"/>
-              <a:defRPr>
-                <a:solidFill>
-                  <a:schemeClr val="tx1"/>
-                </a:solidFill>
-                <a:latin typeface="Calibri" charset="0"/>
-                <a:ea typeface="新細明體" charset="-120"/>
-              </a:defRPr>
-            </a:lvl5pPr>
-            <a:lvl6pPr marL="2514600" indent="-228600" eaLnBrk="0" fontAlgn="base" hangingPunct="0">
-              <a:lnSpc>
-                <a:spcPct val="90000"/>
-              </a:lnSpc>
-              <a:spcBef>
-                <a:spcPts val="500"/>
-              </a:spcBef>
-              <a:spcAft>
-                <a:spcPct val="0"/>
-              </a:spcAft>
-              <a:buFont typeface="Arial" charset="0"/>
-              <a:buChar char="•"/>
-              <a:defRPr>
-                <a:solidFill>
-                  <a:schemeClr val="tx1"/>
-                </a:solidFill>
-                <a:latin typeface="Calibri" charset="0"/>
-                <a:ea typeface="新細明體" charset="-120"/>
-              </a:defRPr>
-            </a:lvl6pPr>
-            <a:lvl7pPr marL="2971800" indent="-228600" eaLnBrk="0" fontAlgn="base" hangingPunct="0">
-              <a:lnSpc>
-                <a:spcPct val="90000"/>
-              </a:lnSpc>
-              <a:spcBef>
-                <a:spcPts val="500"/>
-              </a:spcBef>
-              <a:spcAft>
-                <a:spcPct val="0"/>
-              </a:spcAft>
-              <a:buFont typeface="Arial" charset="0"/>
-              <a:buChar char="•"/>
-              <a:defRPr>
-                <a:solidFill>
-                  <a:schemeClr val="tx1"/>
-                </a:solidFill>
-                <a:latin typeface="Calibri" charset="0"/>
-                <a:ea typeface="新細明體" charset="-120"/>
-              </a:defRPr>
-            </a:lvl7pPr>
-            <a:lvl8pPr marL="3429000" indent="-228600" eaLnBrk="0" fontAlgn="base" hangingPunct="0">
-              <a:lnSpc>
-                <a:spcPct val="90000"/>
-              </a:lnSpc>
-              <a:spcBef>
-                <a:spcPts val="500"/>
-              </a:spcBef>
-              <a:spcAft>
-                <a:spcPct val="0"/>
-              </a:spcAft>
-              <a:buFont typeface="Arial" charset="0"/>
-              <a:buChar char="•"/>
-              <a:defRPr>
-                <a:solidFill>
-                  <a:schemeClr val="tx1"/>
-                </a:solidFill>
-                <a:latin typeface="Calibri" charset="0"/>
-                <a:ea typeface="新細明體" charset="-120"/>
-              </a:defRPr>
-            </a:lvl8pPr>
-            <a:lvl9pPr marL="3886200" indent="-228600" eaLnBrk="0" fontAlgn="base" hangingPunct="0">
-              <a:lnSpc>
-                <a:spcPct val="90000"/>
-              </a:lnSpc>
-              <a:spcBef>
-                <a:spcPts val="500"/>
-              </a:spcBef>
-              <a:spcAft>
-                <a:spcPct val="0"/>
-              </a:spcAft>
-              <a:buFont typeface="Arial" charset="0"/>
-              <a:buChar char="•"/>
-              <a:defRPr>
-                <a:solidFill>
-                  <a:schemeClr val="tx1"/>
-                </a:solidFill>
-                <a:latin typeface="Calibri" charset="0"/>
-                <a:ea typeface="新細明體" charset="-120"/>
-              </a:defRPr>
-            </a:lvl9pPr>
-          </a:lstStyle>
-          <a:p>
-            <a:pPr>
-              <a:lnSpc>
-                <a:spcPct val="100000"/>
-              </a:lnSpc>
-              <a:spcBef>
-                <a:spcPct val="0"/>
-              </a:spcBef>
-              <a:buFontTx/>
-              <a:buNone/>
-            </a:pPr>
-            <a:r>
-              <a:rPr lang="zh-TW" altLang="en-US" sz="1800"/>
-              <a:t>老化指數 </a:t>
-            </a:r>
-            <a:r>
-              <a:rPr lang="en-US" altLang="zh-TW" sz="1800"/>
-              <a:t>(65 </a:t>
-            </a:r>
-            <a:r>
-              <a:rPr lang="zh-TW" altLang="en-US" sz="1800"/>
-              <a:t>歲以上者占 歲以上者占 </a:t>
-            </a:r>
-            <a:r>
-              <a:rPr lang="en-US" altLang="zh-TW" sz="1800"/>
-              <a:t>0</a:t>
-            </a:r>
-            <a:r>
-              <a:rPr lang="zh-TW" altLang="en-US" sz="1800"/>
-              <a:t>至 </a:t>
-            </a:r>
-            <a:r>
-              <a:rPr lang="en-US" altLang="zh-TW" sz="1800"/>
-              <a:t>14 </a:t>
-            </a:r>
-            <a:r>
-              <a:rPr lang="zh-TW" altLang="en-US" sz="1800"/>
-              <a:t>歲者比例 歲者比例 </a:t>
-            </a:r>
-            <a:r>
-              <a:rPr lang="en-US" altLang="zh-TW" sz="1800"/>
-              <a:t>)</a:t>
-            </a:r>
-            <a:endParaRPr lang="zh-TW" altLang="en-US" sz="1800"/>
-          </a:p>
-        </p:txBody>
-      </p:sp>
-    </p:spTree>
-  </p:cSld>
-  <p:clrMapOvr>
-    <a:masterClrMapping/>
-  </p:clrMapOvr>
-  <p:timing>
-    <p:tnLst>
-      <p:par>
-        <p:cTn id="1" dur="indefinite" restart="never" nodeType="tmRoot"/>
-      </p:par>
-    </p:tnLst>
-  </p:timing>
-</p:sld>
-</file>
-
-<file path=ppt/slides/slide3.xml><?xml version="1.0" encoding="utf-8"?>
-<p:sld xmlns:a="http://schemas.openxmlformats.org/drawingml/2006/main" xmlns:r="http://schemas.openxmlformats.org/officeDocument/2006/relationships" xmlns:p="http://schemas.openxmlformats.org/presentationml/2006/main">
-  <p:cSld>
-    <p:spTree>
-      <p:nvGrpSpPr>
-        <p:cNvPr id="1" name=""/>
-        <p:cNvGrpSpPr/>
-        <p:nvPr/>
-      </p:nvGrpSpPr>
-      <p:grpSpPr>
-        <a:xfrm>
-          <a:off x="0" y="0"/>
-          <a:ext cx="0" cy="0"/>
-          <a:chOff x="0" y="0"/>
-          <a:chExt cx="0" cy="0"/>
-        </a:xfrm>
-      </p:grpSpPr>
-      <p:sp>
-        <p:nvSpPr>
-          <p:cNvPr id="17409" name="標題 1"/>
-          <p:cNvSpPr>
-            <a:spLocks noGrp="1"/>
-          </p:cNvSpPr>
-          <p:nvPr>
-            <p:ph type="title"/>
-          </p:nvPr>
-        </p:nvSpPr>
-        <p:spPr/>
-        <p:txBody>
-          <a:bodyPr/>
-          <a:lstStyle/>
-          <a:p>
-            <a:r>
-              <a:rPr kumimoji="1" lang="zh-TW" altLang="en-US"/>
-              <a:t>嘉義市開放資料人口老化趨勢</a:t>
-            </a:r>
-          </a:p>
-        </p:txBody>
-      </p:sp>
-      <p:pic>
-        <p:nvPicPr>
-          <p:cNvPr id="17410" name="內容版面配置區 3"/>
-          <p:cNvPicPr>
-            <a:picLocks noGrp="1" noChangeAspect="1"/>
-          </p:cNvPicPr>
-          <p:nvPr>
-            <p:ph idx="1"/>
-          </p:nvPr>
-        </p:nvPicPr>
-        <p:blipFill>
-          <a:blip r:embed="rId2">
-            <a:extLst>
-              <a:ext uri="{28A0092B-C50C-407E-A947-70E740481C1C}">
-                <a14:useLocalDpi xmlns:a14="http://schemas.microsoft.com/office/drawing/2010/main" val="0"/>
-              </a:ext>
-            </a:extLst>
-          </a:blip>
-          <a:srcRect/>
-          <a:stretch>
-            <a:fillRect/>
-          </a:stretch>
-        </p:blipFill>
-        <p:spPr>
-          <a:xfrm>
-            <a:off x="660400" y="1825625"/>
-            <a:ext cx="7823200" cy="4351338"/>
-          </a:xfrm>
-        </p:spPr>
-      </p:pic>
-      <p:sp>
-        <p:nvSpPr>
-          <p:cNvPr id="17411" name="矩形 2"/>
-          <p:cNvSpPr>
-            <a:spLocks noChangeArrowheads="1"/>
-          </p:cNvSpPr>
-          <p:nvPr/>
-        </p:nvSpPr>
-        <p:spPr bwMode="auto">
-          <a:xfrm>
-            <a:off x="1458913" y="6088063"/>
-            <a:ext cx="7373937" cy="369887"/>
-          </a:xfrm>
-          <a:prstGeom prst="rect">
-            <a:avLst/>
-          </a:prstGeom>
-          <a:noFill/>
-          <a:ln>
-            <a:noFill/>
-          </a:ln>
-          <a:extLst>
-            <a:ext uri="{909E8E84-426E-40DD-AFC4-6F175D3DCCD1}">
-              <a14:hiddenFill xmlns:a14="http://schemas.microsoft.com/office/drawing/2010/main">
-                <a:solidFill>
-                  <a:srgbClr val="FFFFFF"/>
-                </a:solidFill>
-              </a14:hiddenFill>
-            </a:ext>
-            <a:ext uri="{91240B29-F687-4F45-9708-019B960494DF}">
-              <a14:hiddenLine xmlns:a14="http://schemas.microsoft.com/office/drawing/2010/main" w="9525">
-                <a:solidFill>
-                  <a:srgbClr val="000000"/>
-                </a:solidFill>
-                <a:miter lim="800000"/>
-                <a:headEnd/>
-                <a:tailEnd/>
-              </a14:hiddenLine>
-            </a:ext>
-          </a:extLst>
-        </p:spPr>
-        <p:txBody>
-          <a:bodyPr>
-            <a:spAutoFit/>
-          </a:bodyPr>
-          <a:lstStyle>
-            <a:lvl1pPr>
-              <a:lnSpc>
-                <a:spcPct val="90000"/>
-              </a:lnSpc>
-              <a:spcBef>
-                <a:spcPts val="1000"/>
-              </a:spcBef>
-              <a:buFont typeface="Arial" charset="0"/>
-              <a:buChar char="•"/>
-              <a:defRPr sz="2800">
-                <a:solidFill>
-                  <a:schemeClr val="tx1"/>
-                </a:solidFill>
-                <a:latin typeface="Calibri" charset="0"/>
-                <a:ea typeface="新細明體" charset="-120"/>
-              </a:defRPr>
-            </a:lvl1pPr>
-            <a:lvl2pPr marL="742950" indent="-285750">
-              <a:lnSpc>
-                <a:spcPct val="90000"/>
-              </a:lnSpc>
-              <a:spcBef>
-                <a:spcPts val="500"/>
-              </a:spcBef>
-              <a:buFont typeface="Arial" charset="0"/>
-              <a:buChar char="•"/>
-              <a:defRPr sz="2400">
-                <a:solidFill>
-                  <a:schemeClr val="tx1"/>
-                </a:solidFill>
-                <a:latin typeface="Calibri" charset="0"/>
-                <a:ea typeface="新細明體" charset="-120"/>
-              </a:defRPr>
-            </a:lvl2pPr>
-            <a:lvl3pPr marL="1143000" indent="-228600">
-              <a:lnSpc>
-                <a:spcPct val="90000"/>
-              </a:lnSpc>
-              <a:spcBef>
-                <a:spcPts val="500"/>
-              </a:spcBef>
-              <a:buFont typeface="Arial" charset="0"/>
-              <a:buChar char="•"/>
-              <a:defRPr sz="2000">
-                <a:solidFill>
-                  <a:schemeClr val="tx1"/>
-                </a:solidFill>
-                <a:latin typeface="Calibri" charset="0"/>
-                <a:ea typeface="新細明體" charset="-120"/>
-              </a:defRPr>
-            </a:lvl3pPr>
-            <a:lvl4pPr marL="1600200" indent="-228600">
-              <a:lnSpc>
-                <a:spcPct val="90000"/>
-              </a:lnSpc>
-              <a:spcBef>
-                <a:spcPts val="500"/>
-              </a:spcBef>
-              <a:buFont typeface="Arial" charset="0"/>
-              <a:buChar char="•"/>
-              <a:defRPr>
-                <a:solidFill>
-                  <a:schemeClr val="tx1"/>
-                </a:solidFill>
-                <a:latin typeface="Calibri" charset="0"/>
-                <a:ea typeface="新細明體" charset="-120"/>
-              </a:defRPr>
-            </a:lvl4pPr>
-            <a:lvl5pPr marL="2057400" indent="-228600">
-              <a:lnSpc>
-                <a:spcPct val="90000"/>
-              </a:lnSpc>
-              <a:spcBef>
-                <a:spcPts val="500"/>
-              </a:spcBef>
-              <a:buFont typeface="Arial" charset="0"/>
-              <a:buChar char="•"/>
-              <a:defRPr>
-                <a:solidFill>
-                  <a:schemeClr val="tx1"/>
-                </a:solidFill>
-                <a:latin typeface="Calibri" charset="0"/>
-                <a:ea typeface="新細明體" charset="-120"/>
-              </a:defRPr>
-            </a:lvl5pPr>
-            <a:lvl6pPr marL="2514600" indent="-228600" eaLnBrk="0" fontAlgn="base" hangingPunct="0">
-              <a:lnSpc>
-                <a:spcPct val="90000"/>
-              </a:lnSpc>
-              <a:spcBef>
-                <a:spcPts val="500"/>
-              </a:spcBef>
-              <a:spcAft>
-                <a:spcPct val="0"/>
-              </a:spcAft>
-              <a:buFont typeface="Arial" charset="0"/>
-              <a:buChar char="•"/>
-              <a:defRPr>
-                <a:solidFill>
-                  <a:schemeClr val="tx1"/>
-                </a:solidFill>
-                <a:latin typeface="Calibri" charset="0"/>
-                <a:ea typeface="新細明體" charset="-120"/>
-              </a:defRPr>
-            </a:lvl6pPr>
-            <a:lvl7pPr marL="2971800" indent="-228600" eaLnBrk="0" fontAlgn="base" hangingPunct="0">
-              <a:lnSpc>
-                <a:spcPct val="90000"/>
-              </a:lnSpc>
-              <a:spcBef>
-                <a:spcPts val="500"/>
-              </a:spcBef>
-              <a:spcAft>
-                <a:spcPct val="0"/>
-              </a:spcAft>
-              <a:buFont typeface="Arial" charset="0"/>
-              <a:buChar char="•"/>
-              <a:defRPr>
-                <a:solidFill>
-                  <a:schemeClr val="tx1"/>
-                </a:solidFill>
-                <a:latin typeface="Calibri" charset="0"/>
-                <a:ea typeface="新細明體" charset="-120"/>
-              </a:defRPr>
-            </a:lvl7pPr>
-            <a:lvl8pPr marL="3429000" indent="-228600" eaLnBrk="0" fontAlgn="base" hangingPunct="0">
-              <a:lnSpc>
-                <a:spcPct val="90000"/>
-              </a:lnSpc>
-              <a:spcBef>
-                <a:spcPts val="500"/>
-              </a:spcBef>
-              <a:spcAft>
-                <a:spcPct val="0"/>
-              </a:spcAft>
-              <a:buFont typeface="Arial" charset="0"/>
-              <a:buChar char="•"/>
-              <a:defRPr>
-                <a:solidFill>
-                  <a:schemeClr val="tx1"/>
-                </a:solidFill>
-                <a:latin typeface="Calibri" charset="0"/>
-                <a:ea typeface="新細明體" charset="-120"/>
-              </a:defRPr>
-            </a:lvl8pPr>
-            <a:lvl9pPr marL="3886200" indent="-228600" eaLnBrk="0" fontAlgn="base" hangingPunct="0">
-              <a:lnSpc>
-                <a:spcPct val="90000"/>
-              </a:lnSpc>
-              <a:spcBef>
-                <a:spcPts val="500"/>
-              </a:spcBef>
-              <a:spcAft>
-                <a:spcPct val="0"/>
-              </a:spcAft>
-              <a:buFont typeface="Arial" charset="0"/>
-              <a:buChar char="•"/>
-              <a:defRPr>
-                <a:solidFill>
-                  <a:schemeClr val="tx1"/>
-                </a:solidFill>
-                <a:latin typeface="Calibri" charset="0"/>
-                <a:ea typeface="新細明體" charset="-120"/>
-              </a:defRPr>
-            </a:lvl9pPr>
-          </a:lstStyle>
-          <a:p>
-            <a:pPr>
-              <a:lnSpc>
-                <a:spcPct val="100000"/>
-              </a:lnSpc>
-              <a:spcBef>
-                <a:spcPct val="0"/>
-              </a:spcBef>
-              <a:buFontTx/>
-              <a:buNone/>
-            </a:pPr>
-            <a:r>
-              <a:rPr lang="zh-TW" altLang="en-US" sz="1800"/>
-              <a:t>老化指數 </a:t>
-            </a:r>
-            <a:r>
-              <a:rPr lang="en-US" altLang="zh-TW" sz="1800"/>
-              <a:t>(65 </a:t>
-            </a:r>
-            <a:r>
-              <a:rPr lang="zh-TW" altLang="en-US" sz="1800"/>
-              <a:t>歲以上者占 歲以上者占 </a:t>
-            </a:r>
-            <a:r>
-              <a:rPr lang="en-US" altLang="zh-TW" sz="1800"/>
-              <a:t>0</a:t>
-            </a:r>
-            <a:r>
-              <a:rPr lang="zh-TW" altLang="en-US" sz="1800"/>
-              <a:t>至 </a:t>
-            </a:r>
-            <a:r>
-              <a:rPr lang="en-US" altLang="zh-TW" sz="1800"/>
-              <a:t>14 </a:t>
-            </a:r>
-            <a:r>
-              <a:rPr lang="zh-TW" altLang="en-US" sz="1800"/>
-              <a:t>歲者比例 歲者比例 </a:t>
-            </a:r>
-            <a:r>
-              <a:rPr lang="en-US" altLang="zh-TW" sz="1800"/>
-              <a:t>)</a:t>
-            </a:r>
-            <a:endParaRPr lang="zh-TW" altLang="en-US" sz="1800"/>
-          </a:p>
-        </p:txBody>
-      </p:sp>
-    </p:spTree>
-  </p:cSld>
-  <p:clrMapOvr>
-    <a:masterClrMapping/>
-  </p:clrMapOvr>
-</p:sld>
-</file>
-
-<file path=ppt/slides/slide4.xml><?xml version="1.0" encoding="utf-8"?>
-<p:sld xmlns:a="http://schemas.openxmlformats.org/drawingml/2006/main" xmlns:r="http://schemas.openxmlformats.org/officeDocument/2006/relationships" xmlns:p="http://schemas.openxmlformats.org/presentationml/2006/main">
-  <p:cSld>
-    <p:spTree>
-      <p:nvGrpSpPr>
-        <p:cNvPr id="1" name=""/>
-        <p:cNvGrpSpPr/>
-        <p:nvPr/>
-      </p:nvGrpSpPr>
-      <p:grpSpPr>
-        <a:xfrm>
-          <a:off x="0" y="0"/>
-          <a:ext cx="0" cy="0"/>
-          <a:chOff x="0" y="0"/>
-          <a:chExt cx="0" cy="0"/>
-        </a:xfrm>
-      </p:grpSpPr>
-      <p:sp>
-        <p:nvSpPr>
-          <p:cNvPr id="24577" name="標題 1"/>
-          <p:cNvSpPr>
-            <a:spLocks noGrp="1"/>
-          </p:cNvSpPr>
-          <p:nvPr>
-            <p:ph type="title"/>
-          </p:nvPr>
-        </p:nvSpPr>
-        <p:spPr/>
-        <p:txBody>
-          <a:bodyPr/>
-          <a:lstStyle/>
-          <a:p>
-            <a:r>
-              <a:rPr kumimoji="1" lang="zh-TW" altLang="en-US"/>
-              <a:t>老齡化將帶來的衝擊之一</a:t>
-            </a:r>
-          </a:p>
-        </p:txBody>
-      </p:sp>
-      <p:sp>
-        <p:nvSpPr>
-          <p:cNvPr id="24578" name="內容版面配置區 2"/>
-          <p:cNvSpPr>
-            <a:spLocks noGrp="1"/>
-          </p:cNvSpPr>
-          <p:nvPr>
-            <p:ph idx="1"/>
-          </p:nvPr>
-        </p:nvSpPr>
-        <p:spPr/>
-        <p:txBody>
-          <a:bodyPr/>
-          <a:lstStyle/>
-          <a:p>
-            <a:endParaRPr kumimoji="1" lang="en-US" altLang="zh-TW"/>
-          </a:p>
-          <a:p>
-            <a:endParaRPr kumimoji="1" lang="en-US" altLang="zh-TW"/>
-          </a:p>
-          <a:p>
-            <a:r>
-              <a:rPr kumimoji="1" lang="zh-TW" altLang="en-US"/>
-              <a:t>年輕人難以在外工作並同時照顧家中老年人</a:t>
-            </a:r>
-            <a:endParaRPr kumimoji="1" lang="en-US" altLang="zh-TW"/>
-          </a:p>
-          <a:p>
-            <a:r>
-              <a:rPr kumimoji="1" lang="zh-TW" altLang="en-US"/>
-              <a:t>若老年人已有殘疾狀況，僱請看護約</a:t>
-            </a:r>
-            <a:r>
-              <a:rPr kumimoji="1" lang="en-US" altLang="zh-TW"/>
-              <a:t>23K/</a:t>
-            </a:r>
-            <a:r>
-              <a:rPr kumimoji="1" lang="zh-TW" altLang="en-US"/>
-              <a:t>月</a:t>
-            </a:r>
-            <a:endParaRPr kumimoji="1" lang="en-US" altLang="zh-TW"/>
-          </a:p>
-          <a:p>
-            <a:endParaRPr kumimoji="1" lang="en-US" altLang="zh-TW"/>
-          </a:p>
-          <a:p>
-            <a:r>
-              <a:rPr kumimoji="1" lang="zh-TW" altLang="en-US"/>
-              <a:t>年紀老邁但不需看護的長輩，單獨在家還是令人擔憂，孤單寂寞甚至不小心跌倒</a:t>
-            </a:r>
-          </a:p>
-        </p:txBody>
-      </p:sp>
-      <p:sp>
-        <p:nvSpPr>
-          <p:cNvPr id="4" name="文字方塊 3"/>
-          <p:cNvSpPr txBox="1"/>
-          <p:nvPr/>
-        </p:nvSpPr>
-        <p:spPr>
-          <a:xfrm>
-            <a:off x="1398588" y="1647825"/>
-            <a:ext cx="6346825" cy="646113"/>
-          </a:xfrm>
-          <a:prstGeom prst="rect">
-            <a:avLst/>
-          </a:prstGeom>
-        </p:spPr>
-        <p:style>
-          <a:lnRef idx="2">
-            <a:schemeClr val="accent2">
-              <a:shade val="50000"/>
-            </a:schemeClr>
-          </a:lnRef>
-          <a:fillRef idx="1">
-            <a:schemeClr val="accent2"/>
-          </a:fillRef>
-          <a:effectRef idx="0">
-            <a:schemeClr val="accent2"/>
-          </a:effectRef>
-          <a:fontRef idx="minor">
-            <a:schemeClr val="lt1"/>
-          </a:fontRef>
-        </p:style>
-        <p:txBody>
-          <a:bodyPr>
-            <a:spAutoFit/>
-          </a:bodyPr>
-          <a:lstStyle/>
-          <a:p>
-            <a:pPr algn="ctr">
-              <a:defRPr/>
-            </a:pPr>
-            <a:r>
-              <a:rPr kumimoji="1" lang="zh-TW" altLang="en-US" sz="3600" dirty="0"/>
-              <a:t>既然我們不能讓扶老比降低</a:t>
-            </a:r>
-          </a:p>
-        </p:txBody>
-      </p:sp>
-      <p:sp>
-        <p:nvSpPr>
-          <p:cNvPr id="5" name="文字方塊 4"/>
-          <p:cNvSpPr txBox="1"/>
-          <p:nvPr/>
-        </p:nvSpPr>
-        <p:spPr>
-          <a:xfrm>
-            <a:off x="1039813" y="5414963"/>
-            <a:ext cx="7332662" cy="646112"/>
-          </a:xfrm>
-          <a:prstGeom prst="rect">
-            <a:avLst/>
-          </a:prstGeom>
-        </p:spPr>
-        <p:style>
-          <a:lnRef idx="2">
-            <a:schemeClr val="accent2">
-              <a:shade val="50000"/>
-            </a:schemeClr>
-          </a:lnRef>
-          <a:fillRef idx="1">
-            <a:schemeClr val="accent2"/>
-          </a:fillRef>
-          <a:effectRef idx="0">
-            <a:schemeClr val="accent2"/>
-          </a:effectRef>
-          <a:fontRef idx="minor">
-            <a:schemeClr val="lt1"/>
-          </a:fontRef>
-        </p:style>
-        <p:txBody>
-          <a:bodyPr>
-            <a:spAutoFit/>
-          </a:bodyPr>
-          <a:lstStyle/>
-          <a:p>
-            <a:pPr algn="ctr">
-              <a:defRPr/>
-            </a:pPr>
-            <a:r>
-              <a:rPr kumimoji="1" lang="zh-TW" altLang="en-US" sz="3600" dirty="0"/>
-              <a:t>那我們試</a:t>
-            </a:r>
-            <a:r>
-              <a:rPr kumimoji="1" lang="zh-TW" altLang="en-US" sz="3600"/>
-              <a:t>著降低老齡化帶來的衝擊</a:t>
-            </a:r>
-            <a:endParaRPr kumimoji="1" lang="zh-TW" altLang="en-US" sz="3600" dirty="0"/>
-          </a:p>
-        </p:txBody>
-      </p:sp>
-    </p:spTree>
-  </p:cSld>
-  <p:clrMapOvr>
-    <a:masterClrMapping/>
-  </p:clrMapOvr>
-  <p:timing>
-    <p:tnLst>
-      <p:par>
-        <p:cTn id="1" dur="indefinite" restart="never" nodeType="tmRoot"/>
-      </p:par>
-    </p:tnLst>
-  </p:timing>
-</p:sld>
-</file>
-
-<file path=ppt/slides/slide5.xml><?xml version="1.0" encoding="utf-8"?>
-<p:sld xmlns:a="http://schemas.openxmlformats.org/drawingml/2006/main" xmlns:r="http://schemas.openxmlformats.org/officeDocument/2006/relationships" xmlns:p="http://schemas.openxmlformats.org/presentationml/2006/main">
-  <p:cSld>
-    <p:spTree>
-      <p:nvGrpSpPr>
-        <p:cNvPr id="1" name=""/>
-        <p:cNvGrpSpPr/>
-        <p:nvPr/>
-      </p:nvGrpSpPr>
-      <p:grpSpPr>
-        <a:xfrm>
-          <a:off x="0" y="0"/>
-          <a:ext cx="0" cy="0"/>
-          <a:chOff x="0" y="0"/>
-          <a:chExt cx="0" cy="0"/>
-        </a:xfrm>
-      </p:grpSpPr>
-      <p:sp>
-        <p:nvSpPr>
-          <p:cNvPr id="18433" name="標題 3"/>
-          <p:cNvSpPr>
-            <a:spLocks noGrp="1"/>
-          </p:cNvSpPr>
-          <p:nvPr>
-            <p:ph type="title"/>
-          </p:nvPr>
-        </p:nvSpPr>
-        <p:spPr/>
-        <p:txBody>
-          <a:bodyPr/>
-          <a:lstStyle/>
-          <a:p>
-            <a:r>
-              <a:rPr kumimoji="1" lang="zh-TW" altLang="en-US"/>
-              <a:t>寂寞嗎？嘉義盒陪你聊</a:t>
-            </a:r>
-          </a:p>
-        </p:txBody>
-      </p:sp>
-      <p:pic>
-        <p:nvPicPr>
-          <p:cNvPr id="18434" name="內容版面配置區 1"/>
-          <p:cNvPicPr>
-            <a:picLocks noGrp="1" noChangeAspect="1"/>
-          </p:cNvPicPr>
-          <p:nvPr>
-            <p:ph idx="1"/>
-          </p:nvPr>
-        </p:nvPicPr>
-        <p:blipFill>
-          <a:blip r:embed="rId2">
-            <a:extLst>
-              <a:ext uri="{28A0092B-C50C-407E-A947-70E740481C1C}">
-                <a14:useLocalDpi xmlns:a14="http://schemas.microsoft.com/office/drawing/2010/main" val="0"/>
-              </a:ext>
-            </a:extLst>
-          </a:blip>
-          <a:srcRect/>
-          <a:stretch>
-            <a:fillRect/>
-          </a:stretch>
-        </p:blipFill>
-        <p:spPr>
-          <a:xfrm>
-            <a:off x="1196975" y="2252663"/>
-            <a:ext cx="5805488" cy="4351337"/>
-          </a:xfrm>
-        </p:spPr>
-      </p:pic>
-      <p:pic>
-        <p:nvPicPr>
-          <p:cNvPr id="18435" name="圖片 6"/>
-          <p:cNvPicPr>
-            <a:picLocks noChangeAspect="1"/>
-          </p:cNvPicPr>
-          <p:nvPr/>
-        </p:nvPicPr>
-        <p:blipFill>
-          <a:blip r:embed="rId3">
-            <a:extLst>
-              <a:ext uri="{28A0092B-C50C-407E-A947-70E740481C1C}">
-                <a14:useLocalDpi xmlns:a14="http://schemas.microsoft.com/office/drawing/2010/main" val="0"/>
-              </a:ext>
-            </a:extLst>
-          </a:blip>
-          <a:srcRect/>
-          <a:stretch>
-            <a:fillRect/>
-          </a:stretch>
-        </p:blipFill>
-        <p:spPr bwMode="auto">
-          <a:xfrm>
-            <a:off x="6072188" y="3036888"/>
-            <a:ext cx="1860550" cy="2876550"/>
-          </a:xfrm>
-          <a:prstGeom prst="rect">
-            <a:avLst/>
-          </a:prstGeom>
-          <a:noFill/>
-          <a:ln>
-            <a:noFill/>
-          </a:ln>
-          <a:extLst>
-            <a:ext uri="{909E8E84-426E-40DD-AFC4-6F175D3DCCD1}">
-              <a14:hiddenFill xmlns:a14="http://schemas.microsoft.com/office/drawing/2010/main">
-                <a:solidFill>
-                  <a:srgbClr val="FFFFFF"/>
-                </a:solidFill>
-              </a14:hiddenFill>
-            </a:ext>
-            <a:ext uri="{91240B29-F687-4F45-9708-019B960494DF}">
-              <a14:hiddenLine xmlns:a14="http://schemas.microsoft.com/office/drawing/2010/main" w="9525">
-                <a:solidFill>
-                  <a:srgbClr val="000000"/>
-                </a:solidFill>
-                <a:miter lim="800000"/>
-                <a:headEnd/>
-                <a:tailEnd/>
-              </a14:hiddenLine>
-            </a:ext>
-          </a:extLst>
-        </p:spPr>
-      </p:pic>
-      <p:sp>
-        <p:nvSpPr>
-          <p:cNvPr id="8" name="橢圓圖說文字 7"/>
-          <p:cNvSpPr/>
-          <p:nvPr/>
-        </p:nvSpPr>
-        <p:spPr>
-          <a:xfrm>
-            <a:off x="5683250" y="1690688"/>
-            <a:ext cx="3286125" cy="1122362"/>
-          </a:xfrm>
-          <a:prstGeom prst="wedgeEllipseCallout">
-            <a:avLst/>
-          </a:prstGeom>
-        </p:spPr>
-        <p:style>
-          <a:lnRef idx="2">
-            <a:schemeClr val="accent1">
-              <a:shade val="50000"/>
-            </a:schemeClr>
-          </a:lnRef>
-          <a:fillRef idx="1">
-            <a:schemeClr val="accent1"/>
-          </a:fillRef>
-          <a:effectRef idx="0">
-            <a:schemeClr val="accent1"/>
-          </a:effectRef>
-          <a:fontRef idx="minor">
-            <a:schemeClr val="lt1"/>
-          </a:fontRef>
-        </p:style>
-        <p:txBody>
-          <a:bodyPr anchor="ctr"/>
-          <a:lstStyle/>
-          <a:p>
-            <a:pPr algn="ctr">
-              <a:defRPr/>
-            </a:pPr>
-            <a:r>
-              <a:rPr kumimoji="1" lang="zh-TW" altLang="en-US" dirty="0"/>
-              <a:t>小嘉，今天中餐該吃啥呢？</a:t>
-            </a:r>
-            <a:endParaRPr kumimoji="1" lang="zh-TW" altLang="en-US" dirty="0"/>
-          </a:p>
-        </p:txBody>
-      </p:sp>
-      <p:sp>
-        <p:nvSpPr>
-          <p:cNvPr id="9" name="橢圓圖說文字 8"/>
-          <p:cNvSpPr/>
-          <p:nvPr/>
-        </p:nvSpPr>
-        <p:spPr>
-          <a:xfrm>
-            <a:off x="0" y="1690688"/>
-            <a:ext cx="4170363" cy="1536700"/>
-          </a:xfrm>
-          <a:prstGeom prst="wedgeEllipseCallout">
-            <a:avLst>
-              <a:gd name="adj1" fmla="val 37845"/>
-              <a:gd name="adj2" fmla="val 64834"/>
-            </a:avLst>
-          </a:prstGeom>
-        </p:spPr>
-        <p:style>
-          <a:lnRef idx="2">
-            <a:schemeClr val="accent1">
-              <a:shade val="50000"/>
-            </a:schemeClr>
-          </a:lnRef>
-          <a:fillRef idx="1">
-            <a:schemeClr val="accent1"/>
-          </a:fillRef>
-          <a:effectRef idx="0">
-            <a:schemeClr val="accent1"/>
-          </a:effectRef>
-          <a:fontRef idx="minor">
-            <a:schemeClr val="lt1"/>
-          </a:fontRef>
-        </p:style>
-        <p:txBody>
-          <a:bodyPr anchor="ctr"/>
-          <a:lstStyle/>
-          <a:p>
-            <a:pPr algn="ctr">
-              <a:defRPr/>
-            </a:pPr>
-            <a:r>
-              <a:rPr kumimoji="1" lang="zh-TW" altLang="en-US" dirty="0">
-                <a:solidFill>
-                  <a:prstClr val="white"/>
-                </a:solidFill>
-              </a:rPr>
-              <a:t>老伴，昨天吃過人蔘雞了，今天吃絲瓜</a:t>
-            </a:r>
-            <a:r>
-              <a:rPr lang="zh-TW" altLang="en-US" dirty="0">
-                <a:solidFill>
-                  <a:prstClr val="white"/>
-                </a:solidFill>
-              </a:rPr>
-              <a:t>蛤蜊怎麼樣？</a:t>
-            </a:r>
-            <a:endParaRPr kumimoji="1" lang="zh-TW" altLang="en-US" dirty="0">
-              <a:solidFill>
-                <a:prstClr val="white"/>
-              </a:solidFill>
-            </a:endParaRPr>
-          </a:p>
-        </p:txBody>
-      </p:sp>
-    </p:spTree>
-  </p:cSld>
-  <p:clrMapOvr>
-    <a:masterClrMapping/>
-  </p:clrMapOvr>
-  <p:timing>
-    <p:tnLst>
-      <p:par>
-        <p:cTn id="1" dur="indefinite" restart="never" nodeType="tmRoot"/>
-      </p:par>
-    </p:tnLst>
-  </p:timing>
-</p:sld>
-</file>
-
-<file path=ppt/slides/slide6.xml><?xml version="1.0" encoding="utf-8"?>
-<p:sld xmlns:a="http://schemas.openxmlformats.org/drawingml/2006/main" xmlns:r="http://schemas.openxmlformats.org/officeDocument/2006/relationships" xmlns:p="http://schemas.openxmlformats.org/presentationml/2006/main">
-  <p:cSld>
-    <p:spTree>
-      <p:nvGrpSpPr>
-        <p:cNvPr id="1" name=""/>
-        <p:cNvGrpSpPr/>
-        <p:nvPr/>
-      </p:nvGrpSpPr>
-      <p:grpSpPr>
-        <a:xfrm>
-          <a:off x="0" y="0"/>
-          <a:ext cx="0" cy="0"/>
-          <a:chOff x="0" y="0"/>
-          <a:chExt cx="0" cy="0"/>
-        </a:xfrm>
-      </p:grpSpPr>
-      <p:sp>
-        <p:nvSpPr>
-          <p:cNvPr id="19457" name="標題 1"/>
-          <p:cNvSpPr>
-            <a:spLocks noGrp="1"/>
-          </p:cNvSpPr>
-          <p:nvPr>
-            <p:ph type="title"/>
-          </p:nvPr>
-        </p:nvSpPr>
-        <p:spPr/>
-        <p:txBody>
-          <a:bodyPr/>
-          <a:lstStyle/>
-          <a:p>
-            <a:r>
-              <a:rPr kumimoji="1" lang="zh-TW" altLang="en-US"/>
-              <a:t>跟盒子講話，好像耍自閉？</a:t>
-            </a:r>
-          </a:p>
-        </p:txBody>
-      </p:sp>
-      <p:pic>
-        <p:nvPicPr>
-          <p:cNvPr id="19458" name="內容版面配置區 1"/>
-          <p:cNvPicPr>
-            <a:picLocks noChangeAspect="1"/>
-          </p:cNvPicPr>
-          <p:nvPr/>
-        </p:nvPicPr>
-        <p:blipFill>
-          <a:blip r:embed="rId2">
-            <a:extLst>
-              <a:ext uri="{28A0092B-C50C-407E-A947-70E740481C1C}">
-                <a14:useLocalDpi xmlns:a14="http://schemas.microsoft.com/office/drawing/2010/main" val="0"/>
-              </a:ext>
-            </a:extLst>
-          </a:blip>
-          <a:srcRect/>
-          <a:stretch>
-            <a:fillRect/>
-          </a:stretch>
-        </p:blipFill>
-        <p:spPr bwMode="auto">
-          <a:xfrm>
-            <a:off x="1196975" y="2252663"/>
-            <a:ext cx="5805488" cy="4351337"/>
-          </a:xfrm>
-          <a:prstGeom prst="rect">
-            <a:avLst/>
-          </a:prstGeom>
-          <a:noFill/>
-          <a:ln>
-            <a:noFill/>
-          </a:ln>
-          <a:extLst>
-            <a:ext uri="{909E8E84-426E-40DD-AFC4-6F175D3DCCD1}">
-              <a14:hiddenFill xmlns:a14="http://schemas.microsoft.com/office/drawing/2010/main">
-                <a:solidFill>
-                  <a:srgbClr val="FFFFFF"/>
-                </a:solidFill>
-              </a14:hiddenFill>
-            </a:ext>
-            <a:ext uri="{91240B29-F687-4F45-9708-019B960494DF}">
-              <a14:hiddenLine xmlns:a14="http://schemas.microsoft.com/office/drawing/2010/main" w="9525">
-                <a:solidFill>
-                  <a:srgbClr val="000000"/>
-                </a:solidFill>
-                <a:miter lim="800000"/>
-                <a:headEnd/>
-                <a:tailEnd/>
-              </a14:hiddenLine>
-            </a:ext>
-            <a:ext uri="{FAA26D3D-D897-4be2-8F04-BA451C77F1D7}">
-              <ma14:placeholderFlag xmlns:ma14="http://schemas.microsoft.com/office/mac/drawingml/2011/main" val="1"/>
-            </a:ext>
-          </a:extLst>
-        </p:spPr>
-      </p:pic>
-      <p:pic>
-        <p:nvPicPr>
-          <p:cNvPr id="19459" name="圖片 8"/>
-          <p:cNvPicPr>
-            <a:picLocks noChangeAspect="1"/>
-          </p:cNvPicPr>
-          <p:nvPr/>
-        </p:nvPicPr>
-        <p:blipFill>
-          <a:blip r:embed="rId3">
-            <a:extLst>
-              <a:ext uri="{28A0092B-C50C-407E-A947-70E740481C1C}">
-                <a14:useLocalDpi xmlns:a14="http://schemas.microsoft.com/office/drawing/2010/main" val="0"/>
-              </a:ext>
-            </a:extLst>
-          </a:blip>
-          <a:srcRect/>
-          <a:stretch>
-            <a:fillRect/>
-          </a:stretch>
-        </p:blipFill>
-        <p:spPr bwMode="auto">
-          <a:xfrm>
-            <a:off x="6072188" y="3036888"/>
-            <a:ext cx="1860550" cy="2876550"/>
-          </a:xfrm>
-          <a:prstGeom prst="rect">
-            <a:avLst/>
-          </a:prstGeom>
-          <a:noFill/>
-          <a:ln>
-            <a:noFill/>
-          </a:ln>
-          <a:extLst>
-            <a:ext uri="{909E8E84-426E-40DD-AFC4-6F175D3DCCD1}">
-              <a14:hiddenFill xmlns:a14="http://schemas.microsoft.com/office/drawing/2010/main">
-                <a:solidFill>
-                  <a:srgbClr val="FFFFFF"/>
-                </a:solidFill>
-              </a14:hiddenFill>
-            </a:ext>
-            <a:ext uri="{91240B29-F687-4F45-9708-019B960494DF}">
-              <a14:hiddenLine xmlns:a14="http://schemas.microsoft.com/office/drawing/2010/main" w="9525">
-                <a:solidFill>
-                  <a:srgbClr val="000000"/>
-                </a:solidFill>
-                <a:miter lim="800000"/>
-                <a:headEnd/>
-                <a:tailEnd/>
-              </a14:hiddenLine>
-            </a:ext>
-          </a:extLst>
-        </p:spPr>
-      </p:pic>
-      <p:sp>
-        <p:nvSpPr>
-          <p:cNvPr id="10" name="橢圓圖說文字 9"/>
-          <p:cNvSpPr/>
-          <p:nvPr/>
-        </p:nvSpPr>
-        <p:spPr>
-          <a:xfrm>
-            <a:off x="5683250" y="1690688"/>
-            <a:ext cx="3286125" cy="1122362"/>
-          </a:xfrm>
-          <a:prstGeom prst="wedgeEllipseCallout">
-            <a:avLst/>
-          </a:prstGeom>
-        </p:spPr>
-        <p:style>
-          <a:lnRef idx="2">
-            <a:schemeClr val="accent1">
-              <a:shade val="50000"/>
-            </a:schemeClr>
-          </a:lnRef>
-          <a:fillRef idx="1">
-            <a:schemeClr val="accent1"/>
-          </a:fillRef>
-          <a:effectRef idx="0">
-            <a:schemeClr val="accent1"/>
-          </a:effectRef>
-          <a:fontRef idx="minor">
-            <a:schemeClr val="lt1"/>
-          </a:fontRef>
-        </p:style>
-        <p:txBody>
-          <a:bodyPr anchor="ctr"/>
-          <a:lstStyle/>
-          <a:p>
-            <a:pPr algn="ctr">
-              <a:defRPr/>
-            </a:pPr>
-            <a:r>
-              <a:rPr kumimoji="1" lang="mr-IN" altLang="zh-TW" sz="3600" dirty="0"/>
-              <a:t>…</a:t>
-            </a:r>
-            <a:r>
-              <a:rPr kumimoji="1" lang="en-US" altLang="zh-TW" sz="3600" dirty="0"/>
-              <a:t>.</a:t>
-            </a:r>
-            <a:endParaRPr kumimoji="1" lang="zh-TW" altLang="en-US" sz="3600" dirty="0"/>
-          </a:p>
-        </p:txBody>
-      </p:sp>
-      <p:sp>
-        <p:nvSpPr>
-          <p:cNvPr id="11" name="橢圓圖說文字 10"/>
-          <p:cNvSpPr/>
-          <p:nvPr/>
-        </p:nvSpPr>
-        <p:spPr>
-          <a:xfrm>
-            <a:off x="0" y="1690688"/>
-            <a:ext cx="4170363" cy="1536700"/>
-          </a:xfrm>
-          <a:prstGeom prst="wedgeEllipseCallout">
-            <a:avLst>
-              <a:gd name="adj1" fmla="val 37845"/>
-              <a:gd name="adj2" fmla="val 64834"/>
-            </a:avLst>
-          </a:prstGeom>
-        </p:spPr>
-        <p:style>
-          <a:lnRef idx="2">
-            <a:schemeClr val="accent1">
-              <a:shade val="50000"/>
-            </a:schemeClr>
-          </a:lnRef>
-          <a:fillRef idx="1">
-            <a:schemeClr val="accent1"/>
-          </a:fillRef>
-          <a:effectRef idx="0">
-            <a:schemeClr val="accent1"/>
-          </a:effectRef>
-          <a:fontRef idx="minor">
-            <a:schemeClr val="lt1"/>
-          </a:fontRef>
-        </p:style>
-        <p:txBody>
-          <a:bodyPr anchor="ctr"/>
-          <a:lstStyle/>
-          <a:p>
-            <a:pPr algn="ctr">
-              <a:defRPr/>
-            </a:pPr>
-            <a:r>
-              <a:rPr kumimoji="1" lang="mr-IN" altLang="zh-TW" sz="4800" dirty="0"/>
-              <a:t>…</a:t>
-            </a:r>
-            <a:endParaRPr kumimoji="1" lang="zh-TW" altLang="en-US" sz="4800" dirty="0"/>
-          </a:p>
-        </p:txBody>
-      </p:sp>
-    </p:spTree>
-  </p:cSld>
-  <p:clrMapOvr>
-    <a:masterClrMapping/>
-  </p:clrMapOvr>
-  <p:timing>
-    <p:tnLst>
-      <p:par>
-        <p:cTn id="1" dur="indefinite" restart="never" nodeType="tmRoot"/>
-      </p:par>
-    </p:tnLst>
-  </p:timing>
-</p:sld>
-</file>
-
-<file path=ppt/slides/slide7.xml><?xml version="1.0" encoding="utf-8"?>
-<p:sld xmlns:a="http://schemas.openxmlformats.org/drawingml/2006/main" xmlns:r="http://schemas.openxmlformats.org/officeDocument/2006/relationships" xmlns:p="http://schemas.openxmlformats.org/presentationml/2006/main">
-  <p:cSld>
-    <p:spTree>
-      <p:nvGrpSpPr>
-        <p:cNvPr id="1" name=""/>
-        <p:cNvGrpSpPr/>
-        <p:nvPr/>
-      </p:nvGrpSpPr>
-      <p:grpSpPr>
-        <a:xfrm>
-          <a:off x="0" y="0"/>
-          <a:ext cx="0" cy="0"/>
-          <a:chOff x="0" y="0"/>
-          <a:chExt cx="0" cy="0"/>
-        </a:xfrm>
-      </p:grpSpPr>
-      <p:sp>
-        <p:nvSpPr>
-          <p:cNvPr id="20481" name="標題 1"/>
-          <p:cNvSpPr>
-            <a:spLocks noGrp="1"/>
-          </p:cNvSpPr>
-          <p:nvPr>
-            <p:ph type="title"/>
-          </p:nvPr>
-        </p:nvSpPr>
-        <p:spPr/>
-        <p:txBody>
-          <a:bodyPr/>
-          <a:lstStyle/>
-          <a:p>
-            <a:r>
-              <a:rPr kumimoji="1" lang="zh-TW" altLang="en-US"/>
-              <a:t>緊急時刻很關鍵</a:t>
-            </a:r>
-          </a:p>
-        </p:txBody>
-      </p:sp>
-      <p:pic>
-        <p:nvPicPr>
-          <p:cNvPr id="20482" name="內容版面配置區 1"/>
-          <p:cNvPicPr>
-            <a:picLocks noChangeAspect="1"/>
-          </p:cNvPicPr>
-          <p:nvPr/>
-        </p:nvPicPr>
-        <p:blipFill>
-          <a:blip r:embed="rId2">
-            <a:extLst>
-              <a:ext uri="{28A0092B-C50C-407E-A947-70E740481C1C}">
-                <a14:useLocalDpi xmlns:a14="http://schemas.microsoft.com/office/drawing/2010/main" val="0"/>
-              </a:ext>
-            </a:extLst>
-          </a:blip>
-          <a:srcRect/>
-          <a:stretch>
-            <a:fillRect/>
-          </a:stretch>
-        </p:blipFill>
-        <p:spPr bwMode="auto">
-          <a:xfrm>
-            <a:off x="1196975" y="2252663"/>
-            <a:ext cx="5805488" cy="4351337"/>
-          </a:xfrm>
-          <a:prstGeom prst="rect">
-            <a:avLst/>
-          </a:prstGeom>
-          <a:noFill/>
-          <a:ln>
-            <a:noFill/>
-          </a:ln>
-          <a:extLst>
-            <a:ext uri="{909E8E84-426E-40DD-AFC4-6F175D3DCCD1}">
-              <a14:hiddenFill xmlns:a14="http://schemas.microsoft.com/office/drawing/2010/main">
-                <a:solidFill>
-                  <a:srgbClr val="FFFFFF"/>
-                </a:solidFill>
-              </a14:hiddenFill>
-            </a:ext>
-            <a:ext uri="{91240B29-F687-4F45-9708-019B960494DF}">
-              <a14:hiddenLine xmlns:a14="http://schemas.microsoft.com/office/drawing/2010/main" w="9525">
-                <a:solidFill>
-                  <a:srgbClr val="000000"/>
-                </a:solidFill>
-                <a:miter lim="800000"/>
-                <a:headEnd/>
-                <a:tailEnd/>
-              </a14:hiddenLine>
-            </a:ext>
-            <a:ext uri="{FAA26D3D-D897-4be2-8F04-BA451C77F1D7}">
-              <ma14:placeholderFlag xmlns:ma14="http://schemas.microsoft.com/office/mac/drawingml/2011/main" val="1"/>
-            </a:ext>
-          </a:extLst>
-        </p:spPr>
-      </p:pic>
-      <p:pic>
-        <p:nvPicPr>
-          <p:cNvPr id="20483" name="圖片 8"/>
-          <p:cNvPicPr>
-            <a:picLocks noChangeAspect="1"/>
-          </p:cNvPicPr>
-          <p:nvPr/>
-        </p:nvPicPr>
-        <p:blipFill>
-          <a:blip r:embed="rId3">
-            <a:extLst>
-              <a:ext uri="{28A0092B-C50C-407E-A947-70E740481C1C}">
-                <a14:useLocalDpi xmlns:a14="http://schemas.microsoft.com/office/drawing/2010/main" val="0"/>
-              </a:ext>
-            </a:extLst>
-          </a:blip>
-          <a:srcRect/>
-          <a:stretch>
-            <a:fillRect/>
-          </a:stretch>
-        </p:blipFill>
-        <p:spPr bwMode="auto">
-          <a:xfrm rot="-5961430">
-            <a:off x="6324601" y="3556000"/>
-            <a:ext cx="1858962" cy="2878137"/>
-          </a:xfrm>
-          <a:prstGeom prst="rect">
-            <a:avLst/>
-          </a:prstGeom>
-          <a:noFill/>
-          <a:ln>
-            <a:noFill/>
-          </a:ln>
-          <a:extLst>
-            <a:ext uri="{909E8E84-426E-40DD-AFC4-6F175D3DCCD1}">
-              <a14:hiddenFill xmlns:a14="http://schemas.microsoft.com/office/drawing/2010/main">
-                <a:solidFill>
-                  <a:srgbClr val="FFFFFF"/>
-                </a:solidFill>
-              </a14:hiddenFill>
-            </a:ext>
-            <a:ext uri="{91240B29-F687-4F45-9708-019B960494DF}">
-              <a14:hiddenLine xmlns:a14="http://schemas.microsoft.com/office/drawing/2010/main" w="9525">
-                <a:solidFill>
-                  <a:srgbClr val="000000"/>
-                </a:solidFill>
-                <a:miter lim="800000"/>
-                <a:headEnd/>
-                <a:tailEnd/>
-              </a14:hiddenLine>
-            </a:ext>
-          </a:extLst>
-        </p:spPr>
-      </p:pic>
-      <p:sp>
-        <p:nvSpPr>
-          <p:cNvPr id="10" name="橢圓圖說文字 9"/>
-          <p:cNvSpPr/>
-          <p:nvPr/>
-        </p:nvSpPr>
-        <p:spPr>
-          <a:xfrm>
-            <a:off x="5859463" y="2665413"/>
-            <a:ext cx="3284537" cy="1123950"/>
-          </a:xfrm>
-          <a:prstGeom prst="wedgeEllipseCallout">
-            <a:avLst/>
-          </a:prstGeom>
-        </p:spPr>
-        <p:style>
-          <a:lnRef idx="2">
-            <a:schemeClr val="accent1">
-              <a:shade val="50000"/>
-            </a:schemeClr>
-          </a:lnRef>
-          <a:fillRef idx="1">
-            <a:schemeClr val="accent1"/>
-          </a:fillRef>
-          <a:effectRef idx="0">
-            <a:schemeClr val="accent1"/>
-          </a:effectRef>
-          <a:fontRef idx="minor">
-            <a:schemeClr val="lt1"/>
-          </a:fontRef>
-        </p:style>
-        <p:txBody>
-          <a:bodyPr anchor="ctr"/>
-          <a:lstStyle/>
-          <a:p>
-            <a:pPr algn="ctr">
-              <a:defRPr/>
-            </a:pPr>
-            <a:r>
-              <a:rPr kumimoji="1" lang="zh-TW" altLang="en-US" sz="2800" dirty="0"/>
-              <a:t>來人啊救救我</a:t>
-            </a:r>
-          </a:p>
-        </p:txBody>
-      </p:sp>
-      <p:sp>
-        <p:nvSpPr>
-          <p:cNvPr id="11" name="橢圓圖說文字 10"/>
-          <p:cNvSpPr/>
-          <p:nvPr/>
-        </p:nvSpPr>
-        <p:spPr>
-          <a:xfrm>
-            <a:off x="0" y="1690688"/>
-            <a:ext cx="4170363" cy="1536700"/>
-          </a:xfrm>
-          <a:prstGeom prst="wedgeEllipseCallout">
-            <a:avLst>
-              <a:gd name="adj1" fmla="val 37845"/>
-              <a:gd name="adj2" fmla="val 64834"/>
-            </a:avLst>
-          </a:prstGeom>
-        </p:spPr>
-        <p:style>
-          <a:lnRef idx="2">
-            <a:schemeClr val="accent1">
-              <a:shade val="50000"/>
-            </a:schemeClr>
-          </a:lnRef>
-          <a:fillRef idx="1">
-            <a:schemeClr val="accent1"/>
-          </a:fillRef>
-          <a:effectRef idx="0">
-            <a:schemeClr val="accent1"/>
-          </a:effectRef>
-          <a:fontRef idx="minor">
-            <a:schemeClr val="lt1"/>
-          </a:fontRef>
-        </p:style>
-        <p:txBody>
-          <a:bodyPr anchor="ctr"/>
-          <a:lstStyle/>
-          <a:p>
-            <a:pPr algn="ctr">
-              <a:defRPr/>
-            </a:pPr>
-            <a:r>
-              <a:rPr kumimoji="1" lang="zh-TW" altLang="en-US" sz="2000" dirty="0"/>
-              <a:t>好的，請再撐會兒！</a:t>
-            </a:r>
-            <a:endParaRPr kumimoji="1" lang="en-US" altLang="zh-TW" sz="2000" dirty="0"/>
-          </a:p>
-          <a:p>
-            <a:pPr algn="ctr">
-              <a:defRPr/>
-            </a:pPr>
-            <a:r>
-              <a:rPr kumimoji="1" lang="zh-TW" altLang="en-US" sz="2000" dirty="0"/>
-              <a:t>我已經通知您家人與警消醫院。</a:t>
-            </a:r>
-          </a:p>
-        </p:txBody>
-      </p:sp>
-      <p:sp>
-        <p:nvSpPr>
-          <p:cNvPr id="7" name="橢圓圖說文字 6"/>
-          <p:cNvSpPr/>
-          <p:nvPr/>
-        </p:nvSpPr>
-        <p:spPr>
-          <a:xfrm>
-            <a:off x="144463" y="4779963"/>
-            <a:ext cx="2106612" cy="1366837"/>
-          </a:xfrm>
-          <a:prstGeom prst="wedgeEllipseCallout">
-            <a:avLst>
-              <a:gd name="adj1" fmla="val 73590"/>
-              <a:gd name="adj2" fmla="val 535"/>
-            </a:avLst>
-          </a:prstGeom>
-        </p:spPr>
-        <p:style>
-          <a:lnRef idx="2">
-            <a:schemeClr val="accent1">
-              <a:shade val="50000"/>
-            </a:schemeClr>
-          </a:lnRef>
-          <a:fillRef idx="1">
-            <a:schemeClr val="accent1"/>
-          </a:fillRef>
-          <a:effectRef idx="0">
-            <a:schemeClr val="accent1"/>
-          </a:effectRef>
-          <a:fontRef idx="minor">
-            <a:schemeClr val="lt1"/>
-          </a:fontRef>
-        </p:style>
-        <p:txBody>
-          <a:bodyPr anchor="ctr"/>
-          <a:lstStyle/>
-          <a:p>
-            <a:pPr algn="ctr">
-              <a:defRPr/>
-            </a:pPr>
-            <a:r>
-              <a:rPr kumimoji="1" lang="zh-TW" altLang="en-US"/>
-              <a:t>老伴，現在哪裡痛呢？別睡著哦～</a:t>
-            </a:r>
-            <a:endParaRPr kumimoji="1" lang="zh-TW" altLang="en-US" dirty="0"/>
-          </a:p>
-        </p:txBody>
-      </p:sp>
-    </p:spTree>
-  </p:cSld>
-  <p:clrMapOvr>
-    <a:masterClrMapping/>
-  </p:clrMapOvr>
-  <p:timing>
-    <p:tnLst>
-      <p:par>
-        <p:cTn id="1" dur="indefinite" restart="never" nodeType="tmRoot"/>
-      </p:par>
-    </p:tnLst>
-  </p:timing>
-</p:sld>
-</file>
-
-<file path=ppt/slides/slide8.xml><?xml version="1.0" encoding="utf-8"?>
-<p:sld xmlns:a="http://schemas.openxmlformats.org/drawingml/2006/main" xmlns:r="http://schemas.openxmlformats.org/officeDocument/2006/relationships" xmlns:p="http://schemas.openxmlformats.org/presentationml/2006/main">
-  <p:cSld>
-    <p:spTree>
-      <p:nvGrpSpPr>
-        <p:cNvPr id="1" name=""/>
-        <p:cNvGrpSpPr/>
-        <p:nvPr/>
-      </p:nvGrpSpPr>
-      <p:grpSpPr>
-        <a:xfrm>
-          <a:off x="0" y="0"/>
-          <a:ext cx="0" cy="0"/>
-          <a:chOff x="0" y="0"/>
-          <a:chExt cx="0" cy="0"/>
-        </a:xfrm>
-      </p:grpSpPr>
-      <p:sp>
-        <p:nvSpPr>
-          <p:cNvPr id="21505" name="標題 1"/>
-          <p:cNvSpPr>
-            <a:spLocks noGrp="1"/>
-          </p:cNvSpPr>
-          <p:nvPr>
-            <p:ph type="title"/>
-          </p:nvPr>
-        </p:nvSpPr>
-        <p:spPr/>
-        <p:txBody>
-          <a:bodyPr/>
-          <a:lstStyle/>
-          <a:p>
-            <a:r>
-              <a:rPr kumimoji="1" lang="zh-TW" altLang="en-US"/>
-              <a:t>平時提醒很貼心</a:t>
-            </a:r>
-          </a:p>
-        </p:txBody>
-      </p:sp>
-      <p:pic>
-        <p:nvPicPr>
-          <p:cNvPr id="21506" name="內容版面配置區 1"/>
-          <p:cNvPicPr>
-            <a:picLocks noChangeAspect="1"/>
-          </p:cNvPicPr>
-          <p:nvPr/>
-        </p:nvPicPr>
-        <p:blipFill>
-          <a:blip r:embed="rId2">
-            <a:extLst>
-              <a:ext uri="{28A0092B-C50C-407E-A947-70E740481C1C}">
-                <a14:useLocalDpi xmlns:a14="http://schemas.microsoft.com/office/drawing/2010/main" val="0"/>
-              </a:ext>
-            </a:extLst>
-          </a:blip>
-          <a:srcRect/>
-          <a:stretch>
-            <a:fillRect/>
-          </a:stretch>
-        </p:blipFill>
-        <p:spPr bwMode="auto">
-          <a:xfrm>
-            <a:off x="1196975" y="2252663"/>
-            <a:ext cx="5805488" cy="4351337"/>
-          </a:xfrm>
-          <a:prstGeom prst="rect">
-            <a:avLst/>
-          </a:prstGeom>
-          <a:noFill/>
-          <a:ln>
-            <a:noFill/>
-          </a:ln>
-          <a:extLst>
-            <a:ext uri="{909E8E84-426E-40DD-AFC4-6F175D3DCCD1}">
-              <a14:hiddenFill xmlns:a14="http://schemas.microsoft.com/office/drawing/2010/main">
-                <a:solidFill>
-                  <a:srgbClr val="FFFFFF"/>
-                </a:solidFill>
-              </a14:hiddenFill>
-            </a:ext>
-            <a:ext uri="{91240B29-F687-4F45-9708-019B960494DF}">
-              <a14:hiddenLine xmlns:a14="http://schemas.microsoft.com/office/drawing/2010/main" w="9525">
-                <a:solidFill>
-                  <a:srgbClr val="000000"/>
-                </a:solidFill>
-                <a:miter lim="800000"/>
-                <a:headEnd/>
-                <a:tailEnd/>
-              </a14:hiddenLine>
-            </a:ext>
-            <a:ext uri="{FAA26D3D-D897-4be2-8F04-BA451C77F1D7}">
-              <ma14:placeholderFlag xmlns:ma14="http://schemas.microsoft.com/office/mac/drawingml/2011/main" val="1"/>
-            </a:ext>
-          </a:extLst>
-        </p:spPr>
-      </p:pic>
-      <p:pic>
-        <p:nvPicPr>
-          <p:cNvPr id="21507" name="圖片 8"/>
-          <p:cNvPicPr>
-            <a:picLocks noChangeAspect="1"/>
-          </p:cNvPicPr>
-          <p:nvPr/>
-        </p:nvPicPr>
-        <p:blipFill>
-          <a:blip r:embed="rId3">
-            <a:extLst>
-              <a:ext uri="{28A0092B-C50C-407E-A947-70E740481C1C}">
-                <a14:useLocalDpi xmlns:a14="http://schemas.microsoft.com/office/drawing/2010/main" val="0"/>
-              </a:ext>
-            </a:extLst>
-          </a:blip>
-          <a:srcRect/>
-          <a:stretch>
-            <a:fillRect/>
-          </a:stretch>
-        </p:blipFill>
-        <p:spPr bwMode="auto">
-          <a:xfrm>
-            <a:off x="6072188" y="3036888"/>
-            <a:ext cx="1860550" cy="2876550"/>
-          </a:xfrm>
-          <a:prstGeom prst="rect">
-            <a:avLst/>
-          </a:prstGeom>
-          <a:noFill/>
-          <a:ln>
-            <a:noFill/>
-          </a:ln>
-          <a:extLst>
-            <a:ext uri="{909E8E84-426E-40DD-AFC4-6F175D3DCCD1}">
-              <a14:hiddenFill xmlns:a14="http://schemas.microsoft.com/office/drawing/2010/main">
-                <a:solidFill>
-                  <a:srgbClr val="FFFFFF"/>
-                </a:solidFill>
-              </a14:hiddenFill>
-            </a:ext>
-            <a:ext uri="{91240B29-F687-4F45-9708-019B960494DF}">
-              <a14:hiddenLine xmlns:a14="http://schemas.microsoft.com/office/drawing/2010/main" w="9525">
-                <a:solidFill>
-                  <a:srgbClr val="000000"/>
-                </a:solidFill>
-                <a:miter lim="800000"/>
-                <a:headEnd/>
-                <a:tailEnd/>
-              </a14:hiddenLine>
-            </a:ext>
-          </a:extLst>
-        </p:spPr>
-      </p:pic>
-      <p:sp>
-        <p:nvSpPr>
-          <p:cNvPr id="10" name="橢圓圖說文字 9"/>
-          <p:cNvSpPr/>
-          <p:nvPr/>
-        </p:nvSpPr>
-        <p:spPr>
-          <a:xfrm>
-            <a:off x="5683250" y="1690688"/>
-            <a:ext cx="3286125" cy="1122362"/>
-          </a:xfrm>
-          <a:prstGeom prst="wedgeEllipseCallout">
-            <a:avLst/>
-          </a:prstGeom>
-        </p:spPr>
-        <p:style>
-          <a:lnRef idx="2">
-            <a:schemeClr val="accent1">
-              <a:shade val="50000"/>
-            </a:schemeClr>
-          </a:lnRef>
-          <a:fillRef idx="1">
-            <a:schemeClr val="accent1"/>
-          </a:fillRef>
-          <a:effectRef idx="0">
-            <a:schemeClr val="accent1"/>
-          </a:effectRef>
-          <a:fontRef idx="minor">
-            <a:schemeClr val="lt1"/>
-          </a:fontRef>
-        </p:style>
-        <p:txBody>
-          <a:bodyPr anchor="ctr"/>
-          <a:lstStyle/>
-          <a:p>
-            <a:pPr algn="ctr">
-              <a:defRPr/>
-            </a:pPr>
-            <a:r>
-              <a:rPr kumimoji="1" lang="zh-TW" altLang="en-US" sz="2800"/>
-              <a:t>啊，馬上量</a:t>
-            </a:r>
-            <a:endParaRPr kumimoji="1" lang="zh-TW" altLang="en-US" sz="2800" dirty="0"/>
-          </a:p>
-        </p:txBody>
-      </p:sp>
-      <p:sp>
-        <p:nvSpPr>
-          <p:cNvPr id="11" name="橢圓圖說文字 10"/>
-          <p:cNvSpPr/>
-          <p:nvPr/>
-        </p:nvSpPr>
-        <p:spPr>
-          <a:xfrm>
-            <a:off x="0" y="1690688"/>
-            <a:ext cx="4170363" cy="1536700"/>
-          </a:xfrm>
-          <a:prstGeom prst="wedgeEllipseCallout">
-            <a:avLst>
-              <a:gd name="adj1" fmla="val 37845"/>
-              <a:gd name="adj2" fmla="val 64834"/>
-            </a:avLst>
-          </a:prstGeom>
-        </p:spPr>
-        <p:style>
-          <a:lnRef idx="2">
-            <a:schemeClr val="accent1">
-              <a:shade val="50000"/>
-            </a:schemeClr>
-          </a:lnRef>
-          <a:fillRef idx="1">
-            <a:schemeClr val="accent1"/>
-          </a:fillRef>
-          <a:effectRef idx="0">
-            <a:schemeClr val="accent1"/>
-          </a:effectRef>
-          <a:fontRef idx="minor">
-            <a:schemeClr val="lt1"/>
-          </a:fontRef>
-        </p:style>
-        <p:txBody>
-          <a:bodyPr anchor="ctr"/>
-          <a:lstStyle/>
-          <a:p>
-            <a:pPr algn="ctr">
-              <a:defRPr/>
-            </a:pPr>
-            <a:r>
-              <a:rPr kumimoji="1" lang="zh-TW" altLang="en-US" sz="3200"/>
-              <a:t>老伴，今天血壓量多少呢？</a:t>
-            </a:r>
-            <a:endParaRPr kumimoji="1" lang="zh-TW" altLang="en-US" sz="3200" dirty="0"/>
-          </a:p>
-        </p:txBody>
-      </p:sp>
-      <p:sp>
-        <p:nvSpPr>
-          <p:cNvPr id="7" name="橢圓圖說文字 6"/>
-          <p:cNvSpPr/>
-          <p:nvPr/>
-        </p:nvSpPr>
-        <p:spPr>
-          <a:xfrm>
-            <a:off x="-71438" y="4552950"/>
-            <a:ext cx="2401888" cy="1536700"/>
-          </a:xfrm>
-          <a:prstGeom prst="wedgeEllipseCallout">
-            <a:avLst>
-              <a:gd name="adj1" fmla="val 61060"/>
-              <a:gd name="adj2" fmla="val -6342"/>
-            </a:avLst>
-          </a:prstGeom>
-        </p:spPr>
-        <p:style>
-          <a:lnRef idx="2">
-            <a:schemeClr val="accent1">
-              <a:shade val="50000"/>
-            </a:schemeClr>
-          </a:lnRef>
-          <a:fillRef idx="1">
-            <a:schemeClr val="accent1"/>
-          </a:fillRef>
-          <a:effectRef idx="0">
-            <a:schemeClr val="accent1"/>
-          </a:effectRef>
-          <a:fontRef idx="minor">
-            <a:schemeClr val="lt1"/>
-          </a:fontRef>
-        </p:style>
-        <p:txBody>
-          <a:bodyPr anchor="ctr"/>
-          <a:lstStyle/>
-          <a:p>
-            <a:pPr algn="ctr">
-              <a:defRPr/>
-            </a:pPr>
-            <a:r>
-              <a:rPr kumimoji="1" lang="zh-TW" altLang="en-US" sz="2400" dirty="0"/>
-              <a:t>紀錄並進行</a:t>
-            </a:r>
-            <a:r>
-              <a:rPr kumimoji="1" lang="zh-TW" altLang="en-US" sz="2400"/>
-              <a:t>異常分析提醒</a:t>
-            </a:r>
-            <a:endParaRPr kumimoji="1" lang="zh-TW" altLang="en-US" sz="2400" dirty="0"/>
-          </a:p>
-        </p:txBody>
-      </p:sp>
-    </p:spTree>
-  </p:cSld>
-  <p:clrMapOvr>
-    <a:masterClrMapping/>
-  </p:clrMapOvr>
-  <p:timing>
-    <p:tnLst>
-      <p:par>
-        <p:cTn id="1" dur="indefinite" restart="never" nodeType="tmRoot"/>
-      </p:par>
-    </p:tnLst>
-  </p:timing>
-</p:sld>
-</file>
-
-<file path=ppt/slides/slide9.xml><?xml version="1.0" encoding="utf-8"?>
-<p:sld xmlns:a="http://schemas.openxmlformats.org/drawingml/2006/main" xmlns:r="http://schemas.openxmlformats.org/officeDocument/2006/relationships" xmlns:p="http://schemas.openxmlformats.org/presentationml/2006/main">
-  <p:cSld>
-    <p:spTree>
-      <p:nvGrpSpPr>
-        <p:cNvPr id="1" name=""/>
-        <p:cNvGrpSpPr/>
-        <p:nvPr/>
-      </p:nvGrpSpPr>
-      <p:grpSpPr>
-        <a:xfrm>
-          <a:off x="0" y="0"/>
-          <a:ext cx="0" cy="0"/>
-          <a:chOff x="0" y="0"/>
-          <a:chExt cx="0" cy="0"/>
-        </a:xfrm>
-      </p:grpSpPr>
       <p:grpSp>
         <p:nvGrpSpPr>
           <p:cNvPr id="3075" name="群組 18"/>
@@ -8318,7 +5989,17 @@
                 <a:latin typeface="Yu Mincho Demibold" panose="02020600000000000000" pitchFamily="18" charset="-128"/>
                 <a:ea typeface="Yu Mincho Demibold" panose="02020600000000000000" pitchFamily="18" charset="-128"/>
               </a:rPr>
-              <a:t>DEMO TIME</a:t>
+              <a:t>DEMO </a:t>
+            </a:r>
+            <a:r>
+              <a:rPr lang="en-US" altLang="zh-TW" sz="6000" kern="0" dirty="0" smtClean="0">
+                <a:solidFill>
+                  <a:prstClr val="black"/>
+                </a:solidFill>
+                <a:latin typeface="Yu Mincho Demibold" panose="02020600000000000000" pitchFamily="18" charset="-128"/>
+                <a:ea typeface="Yu Mincho Demibold" panose="02020600000000000000" pitchFamily="18" charset="-128"/>
+              </a:rPr>
+              <a:t>TIME - 1</a:t>
             </a:r>
             <a:endParaRPr lang="zh-TW" altLang="en-US" sz="6000" kern="0" dirty="0">
               <a:solidFill>
@@ -8503,6 +6184,3204 @@
       </p:par>
     </p:tnLst>
   </p:timing>
+</p:sld>
+</file>
+
+<file path=ppt/slides/slide11.xml><?xml version="1.0" encoding="utf-8"?>
+<p:sld xmlns:a="http://schemas.openxmlformats.org/drawingml/2006/main" xmlns:r="http://schemas.openxmlformats.org/officeDocument/2006/relationships" xmlns:p="http://schemas.openxmlformats.org/presentationml/2006/main">
+  <p:cSld>
+    <p:spTree>
+      <p:nvGrpSpPr>
+        <p:cNvPr id="1" name=""/>
+        <p:cNvGrpSpPr/>
+        <p:nvPr/>
+      </p:nvGrpSpPr>
+      <p:grpSpPr>
+        <a:xfrm>
+          <a:off x="0" y="0"/>
+          <a:ext cx="0" cy="0"/>
+          <a:chOff x="0" y="0"/>
+          <a:chExt cx="0" cy="0"/>
+        </a:xfrm>
+      </p:grpSpPr>
+      <p:grpSp>
+        <p:nvGrpSpPr>
+          <p:cNvPr id="3075" name="群組 18"/>
+          <p:cNvGrpSpPr>
+            <a:grpSpLocks/>
+          </p:cNvGrpSpPr>
+          <p:nvPr/>
+        </p:nvGrpSpPr>
+        <p:grpSpPr bwMode="auto">
+          <a:xfrm>
+            <a:off x="388938" y="1797050"/>
+            <a:ext cx="8366125" cy="284163"/>
+            <a:chOff x="519448" y="3412901"/>
+            <a:chExt cx="11153104" cy="379525"/>
+          </a:xfrm>
+        </p:grpSpPr>
+        <p:sp>
+          <p:nvSpPr>
+            <p:cNvPr id="6" name="矩形 5">
+              <a:extLst>
+                <a:ext uri="{FF2B5EF4-FFF2-40B4-BE49-F238E27FC236}"/>
+              </a:extLst>
+            </p:cNvPr>
+            <p:cNvSpPr/>
+            <p:nvPr/>
+          </p:nvSpPr>
+          <p:spPr>
+            <a:xfrm>
+              <a:off x="519448" y="3412901"/>
+              <a:ext cx="11153104" cy="148417"/>
+            </a:xfrm>
+            <a:prstGeom prst="rect">
+              <a:avLst/>
+            </a:prstGeom>
+            <a:solidFill>
+              <a:srgbClr val="424443"/>
+            </a:solidFill>
+            <a:ln>
+              <a:noFill/>
+            </a:ln>
+          </p:spPr>
+          <p:style>
+            <a:lnRef idx="2">
+              <a:schemeClr val="accent1">
+                <a:shade val="50000"/>
+              </a:schemeClr>
+            </a:lnRef>
+            <a:fillRef idx="1">
+              <a:schemeClr val="accent1"/>
+            </a:fillRef>
+            <a:effectRef idx="0">
+              <a:schemeClr val="accent1"/>
+            </a:effectRef>
+            <a:fontRef idx="minor">
+              <a:schemeClr val="lt1"/>
+            </a:fontRef>
+          </p:style>
+          <p:txBody>
+            <a:bodyPr anchor="ctr"/>
+            <a:lstStyle/>
+            <a:p>
+              <a:pPr algn="ctr" defTabSz="685800" eaLnBrk="1" fontAlgn="auto" hangingPunct="1">
+                <a:spcBef>
+                  <a:spcPts val="0"/>
+                </a:spcBef>
+                <a:spcAft>
+                  <a:spcPts val="0"/>
+                </a:spcAft>
+                <a:defRPr/>
+              </a:pPr>
+              <a:endParaRPr lang="zh-TW" altLang="en-US" sz="1350" kern="0">
+                <a:solidFill>
+                  <a:sysClr val="windowText" lastClr="000000"/>
+                </a:solidFill>
+              </a:endParaRPr>
+            </a:p>
+          </p:txBody>
+        </p:sp>
+        <p:sp>
+          <p:nvSpPr>
+            <p:cNvPr id="8" name="矩形 7">
+              <a:extLst>
+                <a:ext uri="{FF2B5EF4-FFF2-40B4-BE49-F238E27FC236}"/>
+              </a:extLst>
+            </p:cNvPr>
+            <p:cNvSpPr/>
+            <p:nvPr/>
+          </p:nvSpPr>
+          <p:spPr>
+            <a:xfrm>
+              <a:off x="3384970" y="3412901"/>
+              <a:ext cx="5422059" cy="379525"/>
+            </a:xfrm>
+            <a:prstGeom prst="rect">
+              <a:avLst/>
+            </a:prstGeom>
+            <a:solidFill>
+              <a:srgbClr val="F0C32B"/>
+            </a:solidFill>
+            <a:ln>
+              <a:noFill/>
+            </a:ln>
+          </p:spPr>
+          <p:style>
+            <a:lnRef idx="2">
+              <a:schemeClr val="accent1">
+                <a:shade val="50000"/>
+              </a:schemeClr>
+            </a:lnRef>
+            <a:fillRef idx="1">
+              <a:schemeClr val="accent1"/>
+            </a:fillRef>
+            <a:effectRef idx="0">
+              <a:schemeClr val="accent1"/>
+            </a:effectRef>
+            <a:fontRef idx="minor">
+              <a:schemeClr val="lt1"/>
+            </a:fontRef>
+          </p:style>
+          <p:txBody>
+            <a:bodyPr anchor="ctr"/>
+            <a:lstStyle/>
+            <a:p>
+              <a:pPr algn="ctr" defTabSz="685800" eaLnBrk="1" fontAlgn="auto" hangingPunct="1">
+                <a:spcBef>
+                  <a:spcPts val="0"/>
+                </a:spcBef>
+                <a:spcAft>
+                  <a:spcPts val="0"/>
+                </a:spcAft>
+                <a:defRPr/>
+              </a:pPr>
+              <a:endParaRPr lang="zh-TW" altLang="en-US" sz="1350" kern="0">
+                <a:solidFill>
+                  <a:sysClr val="windowText" lastClr="000000"/>
+                </a:solidFill>
+              </a:endParaRPr>
+            </a:p>
+          </p:txBody>
+        </p:sp>
+      </p:grpSp>
+      <p:cxnSp>
+        <p:nvCxnSpPr>
+          <p:cNvPr id="15" name="直線接點 14">
+            <a:extLst>
+              <a:ext uri="{FF2B5EF4-FFF2-40B4-BE49-F238E27FC236}"/>
+            </a:extLst>
+          </p:cNvPr>
+          <p:cNvCxnSpPr/>
+          <p:nvPr/>
+        </p:nvCxnSpPr>
+        <p:spPr>
+          <a:xfrm>
+            <a:off x="6605588" y="4848225"/>
+            <a:ext cx="2149475" cy="0"/>
+          </a:xfrm>
+          <a:prstGeom prst="line">
+            <a:avLst/>
+          </a:prstGeom>
+          <a:ln w="38100">
+            <a:solidFill>
+              <a:srgbClr val="F0C32B"/>
+            </a:solidFill>
+          </a:ln>
+        </p:spPr>
+        <p:style>
+          <a:lnRef idx="1">
+            <a:schemeClr val="accent1"/>
+          </a:lnRef>
+          <a:fillRef idx="0">
+            <a:schemeClr val="accent1"/>
+          </a:fillRef>
+          <a:effectRef idx="0">
+            <a:schemeClr val="accent1"/>
+          </a:effectRef>
+          <a:fontRef idx="minor">
+            <a:schemeClr val="tx1"/>
+          </a:fontRef>
+        </p:style>
+      </p:cxnSp>
+      <p:sp>
+        <p:nvSpPr>
+          <p:cNvPr id="3" name="文字方塊 19">
+            <a:extLst>
+              <a:ext uri="{FF2B5EF4-FFF2-40B4-BE49-F238E27FC236}"/>
+            </a:extLst>
+          </p:cNvPr>
+          <p:cNvSpPr txBox="1">
+            <a:spLocks noChangeArrowheads="1"/>
+          </p:cNvSpPr>
+          <p:nvPr/>
+        </p:nvSpPr>
+        <p:spPr bwMode="auto">
+          <a:xfrm>
+            <a:off x="388938" y="2935288"/>
+            <a:ext cx="8366125" cy="1016000"/>
+          </a:xfrm>
+          <a:prstGeom prst="rect">
+            <a:avLst/>
+          </a:prstGeom>
+          <a:noFill/>
+          <a:ln>
+            <a:noFill/>
+          </a:ln>
+          <a:extLst>
+            <a:ext uri="{909E8E84-426E-40DD-AFC4-6F175D3DCCD1}">
+              <a14:hiddenFill xmlns:a14="http://schemas.microsoft.com/office/drawing/2010/main">
+                <a:solidFill>
+                  <a:srgbClr val="FFFFFF"/>
+                </a:solidFill>
+              </a14:hiddenFill>
+            </a:ext>
+            <a:ext uri="{91240B29-F687-4F45-9708-019B960494DF}">
+              <a14:hiddenLine xmlns:a14="http://schemas.microsoft.com/office/drawing/2010/main" w="9525">
+                <a:solidFill>
+                  <a:srgbClr val="000000"/>
+                </a:solidFill>
+                <a:miter lim="800000"/>
+                <a:headEnd/>
+                <a:tailEnd/>
+              </a14:hiddenLine>
+            </a:ext>
+          </a:extLst>
+        </p:spPr>
+        <p:txBody>
+          <a:bodyPr>
+            <a:spAutoFit/>
+          </a:bodyPr>
+          <a:lstStyle>
+            <a:lvl1pPr>
+              <a:lnSpc>
+                <a:spcPct val="90000"/>
+              </a:lnSpc>
+              <a:spcBef>
+                <a:spcPts val="1000"/>
+              </a:spcBef>
+              <a:buFont typeface="Arial" panose="020B0604020202020204" pitchFamily="34" charset="0"/>
+              <a:buChar char="•"/>
+              <a:defRPr sz="2800">
+                <a:solidFill>
+                  <a:schemeClr val="tx1"/>
+                </a:solidFill>
+                <a:latin typeface="Calibri" panose="020F0502020204030204" pitchFamily="34" charset="0"/>
+                <a:ea typeface="新細明體" panose="02020500000000000000" pitchFamily="18" charset="-120"/>
+              </a:defRPr>
+            </a:lvl1pPr>
+            <a:lvl2pPr marL="742950" indent="-285750">
+              <a:lnSpc>
+                <a:spcPct val="90000"/>
+              </a:lnSpc>
+              <a:spcBef>
+                <a:spcPts val="500"/>
+              </a:spcBef>
+              <a:buFont typeface="Arial" panose="020B0604020202020204" pitchFamily="34" charset="0"/>
+              <a:buChar char="•"/>
+              <a:defRPr sz="2400">
+                <a:solidFill>
+                  <a:schemeClr val="tx1"/>
+                </a:solidFill>
+                <a:latin typeface="Calibri" panose="020F0502020204030204" pitchFamily="34" charset="0"/>
+                <a:ea typeface="新細明體" panose="02020500000000000000" pitchFamily="18" charset="-120"/>
+              </a:defRPr>
+            </a:lvl2pPr>
+            <a:lvl3pPr marL="1143000" indent="-228600">
+              <a:lnSpc>
+                <a:spcPct val="90000"/>
+              </a:lnSpc>
+              <a:spcBef>
+                <a:spcPts val="500"/>
+              </a:spcBef>
+              <a:buFont typeface="Arial" panose="020B0604020202020204" pitchFamily="34" charset="0"/>
+              <a:buChar char="•"/>
+              <a:defRPr sz="2000">
+                <a:solidFill>
+                  <a:schemeClr val="tx1"/>
+                </a:solidFill>
+                <a:latin typeface="Calibri" panose="020F0502020204030204" pitchFamily="34" charset="0"/>
+                <a:ea typeface="新細明體" panose="02020500000000000000" pitchFamily="18" charset="-120"/>
+              </a:defRPr>
+            </a:lvl3pPr>
+            <a:lvl4pPr marL="1600200" indent="-228600">
+              <a:lnSpc>
+                <a:spcPct val="90000"/>
+              </a:lnSpc>
+              <a:spcBef>
+                <a:spcPts val="500"/>
+              </a:spcBef>
+              <a:buFont typeface="Arial" panose="020B0604020202020204" pitchFamily="34" charset="0"/>
+              <a:buChar char="•"/>
+              <a:defRPr>
+                <a:solidFill>
+                  <a:schemeClr val="tx1"/>
+                </a:solidFill>
+                <a:latin typeface="Calibri" panose="020F0502020204030204" pitchFamily="34" charset="0"/>
+                <a:ea typeface="新細明體" panose="02020500000000000000" pitchFamily="18" charset="-120"/>
+              </a:defRPr>
+            </a:lvl4pPr>
+            <a:lvl5pPr marL="2057400" indent="-228600">
+              <a:lnSpc>
+                <a:spcPct val="90000"/>
+              </a:lnSpc>
+              <a:spcBef>
+                <a:spcPts val="500"/>
+              </a:spcBef>
+              <a:buFont typeface="Arial" panose="020B0604020202020204" pitchFamily="34" charset="0"/>
+              <a:buChar char="•"/>
+              <a:defRPr>
+                <a:solidFill>
+                  <a:schemeClr val="tx1"/>
+                </a:solidFill>
+                <a:latin typeface="Calibri" panose="020F0502020204030204" pitchFamily="34" charset="0"/>
+                <a:ea typeface="新細明體" panose="02020500000000000000" pitchFamily="18" charset="-120"/>
+              </a:defRPr>
+            </a:lvl5pPr>
+            <a:lvl6pPr marL="2514600" indent="-228600" eaLnBrk="0" fontAlgn="base" hangingPunct="0">
+              <a:lnSpc>
+                <a:spcPct val="90000"/>
+              </a:lnSpc>
+              <a:spcBef>
+                <a:spcPts val="500"/>
+              </a:spcBef>
+              <a:spcAft>
+                <a:spcPct val="0"/>
+              </a:spcAft>
+              <a:buFont typeface="Arial" panose="020B0604020202020204" pitchFamily="34" charset="0"/>
+              <a:buChar char="•"/>
+              <a:defRPr>
+                <a:solidFill>
+                  <a:schemeClr val="tx1"/>
+                </a:solidFill>
+                <a:latin typeface="Calibri" panose="020F0502020204030204" pitchFamily="34" charset="0"/>
+                <a:ea typeface="新細明體" panose="02020500000000000000" pitchFamily="18" charset="-120"/>
+              </a:defRPr>
+            </a:lvl6pPr>
+            <a:lvl7pPr marL="2971800" indent="-228600" eaLnBrk="0" fontAlgn="base" hangingPunct="0">
+              <a:lnSpc>
+                <a:spcPct val="90000"/>
+              </a:lnSpc>
+              <a:spcBef>
+                <a:spcPts val="500"/>
+              </a:spcBef>
+              <a:spcAft>
+                <a:spcPct val="0"/>
+              </a:spcAft>
+              <a:buFont typeface="Arial" panose="020B0604020202020204" pitchFamily="34" charset="0"/>
+              <a:buChar char="•"/>
+              <a:defRPr>
+                <a:solidFill>
+                  <a:schemeClr val="tx1"/>
+                </a:solidFill>
+                <a:latin typeface="Calibri" panose="020F0502020204030204" pitchFamily="34" charset="0"/>
+                <a:ea typeface="新細明體" panose="02020500000000000000" pitchFamily="18" charset="-120"/>
+              </a:defRPr>
+            </a:lvl7pPr>
+            <a:lvl8pPr marL="3429000" indent="-228600" eaLnBrk="0" fontAlgn="base" hangingPunct="0">
+              <a:lnSpc>
+                <a:spcPct val="90000"/>
+              </a:lnSpc>
+              <a:spcBef>
+                <a:spcPts val="500"/>
+              </a:spcBef>
+              <a:spcAft>
+                <a:spcPct val="0"/>
+              </a:spcAft>
+              <a:buFont typeface="Arial" panose="020B0604020202020204" pitchFamily="34" charset="0"/>
+              <a:buChar char="•"/>
+              <a:defRPr>
+                <a:solidFill>
+                  <a:schemeClr val="tx1"/>
+                </a:solidFill>
+                <a:latin typeface="Calibri" panose="020F0502020204030204" pitchFamily="34" charset="0"/>
+                <a:ea typeface="新細明體" panose="02020500000000000000" pitchFamily="18" charset="-120"/>
+              </a:defRPr>
+            </a:lvl8pPr>
+            <a:lvl9pPr marL="3886200" indent="-228600" eaLnBrk="0" fontAlgn="base" hangingPunct="0">
+              <a:lnSpc>
+                <a:spcPct val="90000"/>
+              </a:lnSpc>
+              <a:spcBef>
+                <a:spcPts val="500"/>
+              </a:spcBef>
+              <a:spcAft>
+                <a:spcPct val="0"/>
+              </a:spcAft>
+              <a:buFont typeface="Arial" panose="020B0604020202020204" pitchFamily="34" charset="0"/>
+              <a:buChar char="•"/>
+              <a:defRPr>
+                <a:solidFill>
+                  <a:schemeClr val="tx1"/>
+                </a:solidFill>
+                <a:latin typeface="Calibri" panose="020F0502020204030204" pitchFamily="34" charset="0"/>
+                <a:ea typeface="新細明體" panose="02020500000000000000" pitchFamily="18" charset="-120"/>
+              </a:defRPr>
+            </a:lvl9pPr>
+          </a:lstStyle>
+          <a:p>
+            <a:pPr algn="ctr" defTabSz="685800" eaLnBrk="1" fontAlgn="auto" hangingPunct="1">
+              <a:lnSpc>
+                <a:spcPct val="100000"/>
+              </a:lnSpc>
+              <a:spcBef>
+                <a:spcPct val="0"/>
+              </a:spcBef>
+              <a:spcAft>
+                <a:spcPts val="0"/>
+              </a:spcAft>
+              <a:buFont typeface="Arial" panose="020B0604020202020204" pitchFamily="34" charset="0"/>
+              <a:buNone/>
+              <a:defRPr/>
+            </a:pPr>
+            <a:r>
+              <a:rPr lang="en-US" altLang="zh-TW" sz="6000" kern="0" dirty="0">
+                <a:solidFill>
+                  <a:prstClr val="black"/>
+                </a:solidFill>
+                <a:latin typeface="Yu Mincho Demibold" panose="02020600000000000000" pitchFamily="18" charset="-128"/>
+                <a:ea typeface="Yu Mincho Demibold" panose="02020600000000000000" pitchFamily="18" charset="-128"/>
+              </a:rPr>
+              <a:t>DEMO </a:t>
+            </a:r>
+            <a:r>
+              <a:rPr lang="en-US" altLang="zh-TW" sz="6000" kern="0" dirty="0" smtClean="0">
+                <a:solidFill>
+                  <a:prstClr val="black"/>
+                </a:solidFill>
+                <a:latin typeface="Yu Mincho Demibold" panose="02020600000000000000" pitchFamily="18" charset="-128"/>
+                <a:ea typeface="Yu Mincho Demibold" panose="02020600000000000000" pitchFamily="18" charset="-128"/>
+              </a:rPr>
+              <a:t>TIME - 2</a:t>
+            </a:r>
+            <a:endParaRPr lang="zh-TW" altLang="en-US" sz="6000" kern="0" dirty="0">
+              <a:solidFill>
+                <a:prstClr val="black"/>
+              </a:solidFill>
+              <a:latin typeface="Yu Mincho Demibold" panose="02020600000000000000" pitchFamily="18" charset="-128"/>
+              <a:ea typeface="Yu Mincho Demibold" panose="02020600000000000000" pitchFamily="18" charset="-128"/>
+            </a:endParaRPr>
+          </a:p>
+        </p:txBody>
+      </p:sp>
+    </p:spTree>
+    <p:extLst>
+      <p:ext uri="{BB962C8B-B14F-4D97-AF65-F5344CB8AC3E}">
+        <p14:creationId xmlns:p14="http://schemas.microsoft.com/office/powerpoint/2010/main" val="1165546671"/>
+      </p:ext>
+    </p:extLst>
+  </p:cSld>
+  <p:clrMapOvr>
+    <a:masterClrMapping/>
+  </p:clrMapOvr>
+  <p:timing>
+    <p:tnLst>
+      <p:par>
+        <p:cTn id="1" dur="indefinite" restart="never" nodeType="tmRoot">
+          <p:childTnLst>
+            <p:seq concurrent="1" nextAc="seek">
+              <p:cTn id="2" dur="indefinite" nodeType="mainSeq">
+                <p:childTnLst>
+                  <p:par>
+                    <p:cTn id="3" fill="hold" nodeType="clickPar">
+                      <p:stCondLst>
+                        <p:cond delay="indefinite"/>
+                        <p:cond evt="onBegin" delay="0">
+                          <p:tn val="2"/>
+                        </p:cond>
+                      </p:stCondLst>
+                      <p:childTnLst>
+                        <p:par>
+                          <p:cTn id="4" fill="hold" nodeType="withGroup">
+                            <p:stCondLst>
+                              <p:cond delay="0"/>
+                            </p:stCondLst>
+                            <p:childTnLst>
+                              <p:par>
+                                <p:cTn id="5" presetID="22" presetClass="entr" presetSubtype="1" fill="hold" nodeType="afterEffect">
+                                  <p:stCondLst>
+                                    <p:cond delay="0"/>
+                                  </p:stCondLst>
+                                  <p:childTnLst>
+                                    <p:set>
+                                      <p:cBhvr>
+                                        <p:cTn id="6" dur="1" fill="hold">
+                                          <p:stCondLst>
+                                            <p:cond delay="0"/>
+                                          </p:stCondLst>
+                                        </p:cTn>
+                                        <p:tgtEl>
+                                          <p:spTgt spid="3075"/>
+                                        </p:tgtEl>
+                                        <p:attrNameLst>
+                                          <p:attrName>style.visibility</p:attrName>
+                                        </p:attrNameLst>
+                                      </p:cBhvr>
+                                      <p:to>
+                                        <p:strVal val="visible"/>
+                                      </p:to>
+                                    </p:set>
+                                    <p:animEffect transition="in" filter="wipe(up)">
+                                      <p:cBhvr>
+                                        <p:cTn id="7" dur="500"/>
+                                        <p:tgtEl>
+                                          <p:spTgt spid="3075"/>
+                                        </p:tgtEl>
+                                      </p:cBhvr>
+                                    </p:animEffect>
+                                  </p:childTnLst>
+                                </p:cTn>
+                              </p:par>
+                            </p:childTnLst>
+                          </p:cTn>
+                        </p:par>
+                        <p:par>
+                          <p:cTn id="8" fill="hold" nodeType="afterGroup">
+                            <p:stCondLst>
+                              <p:cond delay="500"/>
+                            </p:stCondLst>
+                            <p:childTnLst>
+                              <p:par>
+                                <p:cTn id="9" presetID="2" presetClass="entr" presetSubtype="2" fill="hold" nodeType="afterEffect">
+                                  <p:stCondLst>
+                                    <p:cond delay="0"/>
+                                  </p:stCondLst>
+                                  <p:childTnLst>
+                                    <p:set>
+                                      <p:cBhvr>
+                                        <p:cTn id="10" dur="1" fill="hold">
+                                          <p:stCondLst>
+                                            <p:cond delay="0"/>
+                                          </p:stCondLst>
+                                        </p:cTn>
+                                        <p:tgtEl>
+                                          <p:spTgt spid="15"/>
+                                        </p:tgtEl>
+                                        <p:attrNameLst>
+                                          <p:attrName>style.visibility</p:attrName>
+                                        </p:attrNameLst>
+                                      </p:cBhvr>
+                                      <p:to>
+                                        <p:strVal val="visible"/>
+                                      </p:to>
+                                    </p:set>
+                                    <p:anim calcmode="lin" valueType="num">
+                                      <p:cBhvr additive="base">
+                                        <p:cTn id="11" dur="500" fill="hold"/>
+                                        <p:tgtEl>
+                                          <p:spTgt spid="15"/>
+                                        </p:tgtEl>
+                                        <p:attrNameLst>
+                                          <p:attrName>ppt_x</p:attrName>
+                                        </p:attrNameLst>
+                                      </p:cBhvr>
+                                      <p:tavLst>
+                                        <p:tav tm="0">
+                                          <p:val>
+                                            <p:strVal val="1+#ppt_w/2"/>
+                                          </p:val>
+                                        </p:tav>
+                                        <p:tav tm="100000">
+                                          <p:val>
+                                            <p:strVal val="#ppt_x"/>
+                                          </p:val>
+                                        </p:tav>
+                                      </p:tavLst>
+                                    </p:anim>
+                                    <p:anim calcmode="lin" valueType="num">
+                                      <p:cBhvr additive="base">
+                                        <p:cTn id="12" dur="500" fill="hold"/>
+                                        <p:tgtEl>
+                                          <p:spTgt spid="15"/>
+                                        </p:tgtEl>
+                                        <p:attrNameLst>
+                                          <p:attrName>ppt_y</p:attrName>
+                                        </p:attrNameLst>
+                                      </p:cBhvr>
+                                      <p:tavLst>
+                                        <p:tav tm="0">
+                                          <p:val>
+                                            <p:strVal val="#ppt_y"/>
+                                          </p:val>
+                                        </p:tav>
+                                        <p:tav tm="100000">
+                                          <p:val>
+                                            <p:strVal val="#ppt_y"/>
+                                          </p:val>
+                                        </p:tav>
+                                      </p:tavLst>
+                                    </p:anim>
+                                  </p:childTnLst>
+                                </p:cTn>
+                              </p:par>
+                            </p:childTnLst>
+                          </p:cTn>
+                        </p:par>
+                      </p:childTnLst>
+                    </p:cTn>
+                  </p:par>
+                </p:childTnLst>
+              </p:cTn>
+              <p:prevCondLst>
+                <p:cond evt="onPrev" delay="0">
+                  <p:tgtEl>
+                    <p:sldTgt/>
+                  </p:tgtEl>
+                </p:cond>
+              </p:prevCondLst>
+              <p:nextCondLst>
+                <p:cond evt="onNext" delay="0">
+                  <p:tgtEl>
+                    <p:sldTgt/>
+                  </p:tgtEl>
+                </p:cond>
+              </p:nextCondLst>
+            </p:seq>
+          </p:childTnLst>
+        </p:cTn>
+      </p:par>
+    </p:tnLst>
+  </p:timing>
+</p:sld>
+</file>
+
+<file path=ppt/slides/slide12.xml><?xml version="1.0" encoding="utf-8"?>
+<p:sld xmlns:a="http://schemas.openxmlformats.org/drawingml/2006/main" xmlns:r="http://schemas.openxmlformats.org/officeDocument/2006/relationships" xmlns:p="http://schemas.openxmlformats.org/presentationml/2006/main">
+  <p:cSld>
+    <p:spTree>
+      <p:nvGrpSpPr>
+        <p:cNvPr id="1" name=""/>
+        <p:cNvGrpSpPr/>
+        <p:nvPr/>
+      </p:nvGrpSpPr>
+      <p:grpSpPr>
+        <a:xfrm>
+          <a:off x="0" y="0"/>
+          <a:ext cx="0" cy="0"/>
+          <a:chOff x="0" y="0"/>
+          <a:chExt cx="0" cy="0"/>
+        </a:xfrm>
+      </p:grpSpPr>
+      <p:sp>
+        <p:nvSpPr>
+          <p:cNvPr id="4" name="文字方塊 3">
+            <a:extLst>
+              <a:ext uri="{FF2B5EF4-FFF2-40B4-BE49-F238E27FC236}"/>
+            </a:extLst>
+          </p:cNvPr>
+          <p:cNvSpPr txBox="1"/>
+          <p:nvPr/>
+        </p:nvSpPr>
+        <p:spPr>
+          <a:xfrm>
+            <a:off x="2019300" y="2644775"/>
+            <a:ext cx="5867400" cy="1570038"/>
+          </a:xfrm>
+          <a:prstGeom prst="rect">
+            <a:avLst/>
+          </a:prstGeom>
+          <a:noFill/>
+        </p:spPr>
+        <p:txBody>
+          <a:bodyPr>
+            <a:spAutoFit/>
+          </a:bodyPr>
+          <a:lstStyle/>
+          <a:p>
+            <a:pPr>
+              <a:defRPr/>
+            </a:pPr>
+            <a:r>
+              <a:rPr lang="zh-TW" altLang="en-US" sz="9600" dirty="0">
+                <a:solidFill>
+                  <a:schemeClr val="tx2">
+                    <a:lumMod val="50000"/>
+                  </a:schemeClr>
+                </a:solidFill>
+                <a:latin typeface="Yu Mincho Demibold" panose="02020600000000000000" pitchFamily="18" charset="-128"/>
+                <a:ea typeface="Yu Mincho Demibold" panose="02020600000000000000" pitchFamily="18" charset="-128"/>
+              </a:rPr>
+              <a:t>感謝聆聽</a:t>
+            </a:r>
+            <a:endParaRPr lang="zh-TW" altLang="en-US" sz="9600" dirty="0">
+              <a:solidFill>
+                <a:schemeClr val="tx2">
+                  <a:lumMod val="50000"/>
+                </a:schemeClr>
+              </a:solidFill>
+              <a:latin typeface="Yu Mincho Demibold" panose="02020600000000000000" pitchFamily="18" charset="-128"/>
+              <a:ea typeface="Yu Mincho Demibold" panose="02020600000000000000" pitchFamily="18" charset="-128"/>
+            </a:endParaRPr>
+          </a:p>
+        </p:txBody>
+      </p:sp>
+    </p:spTree>
+  </p:cSld>
+  <p:clrMapOvr>
+    <a:masterClrMapping/>
+  </p:clrMapOvr>
+  <p:timing>
+    <p:tnLst>
+      <p:par>
+        <p:cTn id="1" dur="indefinite" restart="never" nodeType="tmRoot"/>
+      </p:par>
+    </p:tnLst>
+  </p:timing>
+</p:sld>
+</file>
+
+<file path=ppt/slides/slide2.xml><?xml version="1.0" encoding="utf-8"?>
+<p:sld xmlns:a="http://schemas.openxmlformats.org/drawingml/2006/main" xmlns:r="http://schemas.openxmlformats.org/officeDocument/2006/relationships" xmlns:p="http://schemas.openxmlformats.org/presentationml/2006/main">
+  <p:cSld>
+    <p:spTree>
+      <p:nvGrpSpPr>
+        <p:cNvPr id="1" name=""/>
+        <p:cNvGrpSpPr/>
+        <p:nvPr/>
+      </p:nvGrpSpPr>
+      <p:grpSpPr>
+        <a:xfrm>
+          <a:off x="0" y="0"/>
+          <a:ext cx="0" cy="0"/>
+          <a:chOff x="0" y="0"/>
+          <a:chExt cx="0" cy="0"/>
+        </a:xfrm>
+      </p:grpSpPr>
+      <p:pic>
+        <p:nvPicPr>
+          <p:cNvPr id="15361" name="內容版面配置區 3"/>
+          <p:cNvPicPr>
+            <a:picLocks noGrp="1" noChangeAspect="1" noChangeArrowheads="1"/>
+          </p:cNvPicPr>
+          <p:nvPr>
+            <p:ph idx="1"/>
+          </p:nvPr>
+        </p:nvPicPr>
+        <p:blipFill>
+          <a:blip r:embed="rId3">
+            <a:extLst>
+              <a:ext uri="{28A0092B-C50C-407E-A947-70E740481C1C}">
+                <a14:useLocalDpi xmlns:a14="http://schemas.microsoft.com/office/drawing/2010/main" val="0"/>
+              </a:ext>
+            </a:extLst>
+          </a:blip>
+          <a:srcRect/>
+          <a:stretch>
+            <a:fillRect/>
+          </a:stretch>
+        </p:blipFill>
+        <p:spPr>
+          <a:xfrm>
+            <a:off x="1319213" y="260350"/>
+            <a:ext cx="6745287" cy="5827713"/>
+          </a:xfrm>
+        </p:spPr>
+      </p:pic>
+      <p:sp>
+        <p:nvSpPr>
+          <p:cNvPr id="15362" name="文字方塊 1"/>
+          <p:cNvSpPr txBox="1">
+            <a:spLocks noChangeArrowheads="1"/>
+          </p:cNvSpPr>
+          <p:nvPr/>
+        </p:nvSpPr>
+        <p:spPr bwMode="auto">
+          <a:xfrm>
+            <a:off x="5308600" y="6457950"/>
+            <a:ext cx="3705225" cy="369888"/>
+          </a:xfrm>
+          <a:prstGeom prst="rect">
+            <a:avLst/>
+          </a:prstGeom>
+          <a:noFill/>
+          <a:ln>
+            <a:noFill/>
+          </a:ln>
+          <a:extLst>
+            <a:ext uri="{909E8E84-426E-40DD-AFC4-6F175D3DCCD1}">
+              <a14:hiddenFill xmlns:a14="http://schemas.microsoft.com/office/drawing/2010/main">
+                <a:solidFill>
+                  <a:srgbClr val="FFFFFF"/>
+                </a:solidFill>
+              </a14:hiddenFill>
+            </a:ext>
+            <a:ext uri="{91240B29-F687-4F45-9708-019B960494DF}">
+              <a14:hiddenLine xmlns:a14="http://schemas.microsoft.com/office/drawing/2010/main" w="9525">
+                <a:solidFill>
+                  <a:srgbClr val="000000"/>
+                </a:solidFill>
+                <a:miter lim="800000"/>
+                <a:headEnd/>
+                <a:tailEnd/>
+              </a14:hiddenLine>
+            </a:ext>
+          </a:extLst>
+        </p:spPr>
+        <p:txBody>
+          <a:bodyPr>
+            <a:spAutoFit/>
+          </a:bodyPr>
+          <a:lstStyle>
+            <a:lvl1pPr>
+              <a:lnSpc>
+                <a:spcPct val="90000"/>
+              </a:lnSpc>
+              <a:spcBef>
+                <a:spcPts val="1000"/>
+              </a:spcBef>
+              <a:buFont typeface="Arial" charset="0"/>
+              <a:buChar char="•"/>
+              <a:defRPr sz="2800">
+                <a:solidFill>
+                  <a:schemeClr val="tx1"/>
+                </a:solidFill>
+                <a:latin typeface="Calibri" charset="0"/>
+                <a:ea typeface="新細明體" charset="-120"/>
+              </a:defRPr>
+            </a:lvl1pPr>
+            <a:lvl2pPr marL="742950" indent="-285750">
+              <a:lnSpc>
+                <a:spcPct val="90000"/>
+              </a:lnSpc>
+              <a:spcBef>
+                <a:spcPts val="500"/>
+              </a:spcBef>
+              <a:buFont typeface="Arial" charset="0"/>
+              <a:buChar char="•"/>
+              <a:defRPr sz="2400">
+                <a:solidFill>
+                  <a:schemeClr val="tx1"/>
+                </a:solidFill>
+                <a:latin typeface="Calibri" charset="0"/>
+                <a:ea typeface="新細明體" charset="-120"/>
+              </a:defRPr>
+            </a:lvl2pPr>
+            <a:lvl3pPr marL="1143000" indent="-228600">
+              <a:lnSpc>
+                <a:spcPct val="90000"/>
+              </a:lnSpc>
+              <a:spcBef>
+                <a:spcPts val="500"/>
+              </a:spcBef>
+              <a:buFont typeface="Arial" charset="0"/>
+              <a:buChar char="•"/>
+              <a:defRPr sz="2000">
+                <a:solidFill>
+                  <a:schemeClr val="tx1"/>
+                </a:solidFill>
+                <a:latin typeface="Calibri" charset="0"/>
+                <a:ea typeface="新細明體" charset="-120"/>
+              </a:defRPr>
+            </a:lvl3pPr>
+            <a:lvl4pPr marL="1600200" indent="-228600">
+              <a:lnSpc>
+                <a:spcPct val="90000"/>
+              </a:lnSpc>
+              <a:spcBef>
+                <a:spcPts val="500"/>
+              </a:spcBef>
+              <a:buFont typeface="Arial" charset="0"/>
+              <a:buChar char="•"/>
+              <a:defRPr>
+                <a:solidFill>
+                  <a:schemeClr val="tx1"/>
+                </a:solidFill>
+                <a:latin typeface="Calibri" charset="0"/>
+                <a:ea typeface="新細明體" charset="-120"/>
+              </a:defRPr>
+            </a:lvl4pPr>
+            <a:lvl5pPr marL="2057400" indent="-228600">
+              <a:lnSpc>
+                <a:spcPct val="90000"/>
+              </a:lnSpc>
+              <a:spcBef>
+                <a:spcPts val="500"/>
+              </a:spcBef>
+              <a:buFont typeface="Arial" charset="0"/>
+              <a:buChar char="•"/>
+              <a:defRPr>
+                <a:solidFill>
+                  <a:schemeClr val="tx1"/>
+                </a:solidFill>
+                <a:latin typeface="Calibri" charset="0"/>
+                <a:ea typeface="新細明體" charset="-120"/>
+              </a:defRPr>
+            </a:lvl5pPr>
+            <a:lvl6pPr marL="2514600" indent="-228600" eaLnBrk="0" fontAlgn="base" hangingPunct="0">
+              <a:lnSpc>
+                <a:spcPct val="90000"/>
+              </a:lnSpc>
+              <a:spcBef>
+                <a:spcPts val="500"/>
+              </a:spcBef>
+              <a:spcAft>
+                <a:spcPct val="0"/>
+              </a:spcAft>
+              <a:buFont typeface="Arial" charset="0"/>
+              <a:buChar char="•"/>
+              <a:defRPr>
+                <a:solidFill>
+                  <a:schemeClr val="tx1"/>
+                </a:solidFill>
+                <a:latin typeface="Calibri" charset="0"/>
+                <a:ea typeface="新細明體" charset="-120"/>
+              </a:defRPr>
+            </a:lvl6pPr>
+            <a:lvl7pPr marL="2971800" indent="-228600" eaLnBrk="0" fontAlgn="base" hangingPunct="0">
+              <a:lnSpc>
+                <a:spcPct val="90000"/>
+              </a:lnSpc>
+              <a:spcBef>
+                <a:spcPts val="500"/>
+              </a:spcBef>
+              <a:spcAft>
+                <a:spcPct val="0"/>
+              </a:spcAft>
+              <a:buFont typeface="Arial" charset="0"/>
+              <a:buChar char="•"/>
+              <a:defRPr>
+                <a:solidFill>
+                  <a:schemeClr val="tx1"/>
+                </a:solidFill>
+                <a:latin typeface="Calibri" charset="0"/>
+                <a:ea typeface="新細明體" charset="-120"/>
+              </a:defRPr>
+            </a:lvl7pPr>
+            <a:lvl8pPr marL="3429000" indent="-228600" eaLnBrk="0" fontAlgn="base" hangingPunct="0">
+              <a:lnSpc>
+                <a:spcPct val="90000"/>
+              </a:lnSpc>
+              <a:spcBef>
+                <a:spcPts val="500"/>
+              </a:spcBef>
+              <a:spcAft>
+                <a:spcPct val="0"/>
+              </a:spcAft>
+              <a:buFont typeface="Arial" charset="0"/>
+              <a:buChar char="•"/>
+              <a:defRPr>
+                <a:solidFill>
+                  <a:schemeClr val="tx1"/>
+                </a:solidFill>
+                <a:latin typeface="Calibri" charset="0"/>
+                <a:ea typeface="新細明體" charset="-120"/>
+              </a:defRPr>
+            </a:lvl8pPr>
+            <a:lvl9pPr marL="3886200" indent="-228600" eaLnBrk="0" fontAlgn="base" hangingPunct="0">
+              <a:lnSpc>
+                <a:spcPct val="90000"/>
+              </a:lnSpc>
+              <a:spcBef>
+                <a:spcPts val="500"/>
+              </a:spcBef>
+              <a:spcAft>
+                <a:spcPct val="0"/>
+              </a:spcAft>
+              <a:buFont typeface="Arial" charset="0"/>
+              <a:buChar char="•"/>
+              <a:defRPr>
+                <a:solidFill>
+                  <a:schemeClr val="tx1"/>
+                </a:solidFill>
+                <a:latin typeface="Calibri" charset="0"/>
+                <a:ea typeface="新細明體" charset="-120"/>
+              </a:defRPr>
+            </a:lvl9pPr>
+          </a:lstStyle>
+          <a:p>
+            <a:pPr>
+              <a:lnSpc>
+                <a:spcPct val="100000"/>
+              </a:lnSpc>
+              <a:spcBef>
+                <a:spcPct val="0"/>
+              </a:spcBef>
+              <a:buFontTx/>
+              <a:buNone/>
+            </a:pPr>
+            <a:r>
+              <a:rPr lang="zh-TW" altLang="en-US" sz="1800"/>
+              <a:t>新聞來源</a:t>
+            </a:r>
+            <a:r>
+              <a:rPr lang="en-US" altLang="zh-TW" sz="1800"/>
+              <a:t>:</a:t>
+            </a:r>
+            <a:r>
+              <a:rPr lang="zh-TW" altLang="en-US" sz="1800"/>
+              <a:t>中時電子報 </a:t>
+            </a:r>
+            <a:r>
+              <a:rPr lang="en-US" altLang="zh-TW" sz="1800"/>
+              <a:t>2017/03/10</a:t>
+            </a:r>
+            <a:endParaRPr lang="zh-TW" altLang="en-US" sz="1800"/>
+          </a:p>
+        </p:txBody>
+      </p:sp>
+      <p:sp>
+        <p:nvSpPr>
+          <p:cNvPr id="15363" name="矩形 2"/>
+          <p:cNvSpPr>
+            <a:spLocks noChangeArrowheads="1"/>
+          </p:cNvSpPr>
+          <p:nvPr/>
+        </p:nvSpPr>
+        <p:spPr bwMode="auto">
+          <a:xfrm>
+            <a:off x="1458913" y="6088063"/>
+            <a:ext cx="7373937" cy="369887"/>
+          </a:xfrm>
+          <a:prstGeom prst="rect">
+            <a:avLst/>
+          </a:prstGeom>
+          <a:noFill/>
+          <a:ln>
+            <a:noFill/>
+          </a:ln>
+          <a:extLst>
+            <a:ext uri="{909E8E84-426E-40DD-AFC4-6F175D3DCCD1}">
+              <a14:hiddenFill xmlns:a14="http://schemas.microsoft.com/office/drawing/2010/main">
+                <a:solidFill>
+                  <a:srgbClr val="FFFFFF"/>
+                </a:solidFill>
+              </a14:hiddenFill>
+            </a:ext>
+            <a:ext uri="{91240B29-F687-4F45-9708-019B960494DF}">
+              <a14:hiddenLine xmlns:a14="http://schemas.microsoft.com/office/drawing/2010/main" w="9525">
+                <a:solidFill>
+                  <a:srgbClr val="000000"/>
+                </a:solidFill>
+                <a:miter lim="800000"/>
+                <a:headEnd/>
+                <a:tailEnd/>
+              </a14:hiddenLine>
+            </a:ext>
+          </a:extLst>
+        </p:spPr>
+        <p:txBody>
+          <a:bodyPr>
+            <a:spAutoFit/>
+          </a:bodyPr>
+          <a:lstStyle>
+            <a:lvl1pPr>
+              <a:lnSpc>
+                <a:spcPct val="90000"/>
+              </a:lnSpc>
+              <a:spcBef>
+                <a:spcPts val="1000"/>
+              </a:spcBef>
+              <a:buFont typeface="Arial" charset="0"/>
+              <a:buChar char="•"/>
+              <a:defRPr sz="2800">
+                <a:solidFill>
+                  <a:schemeClr val="tx1"/>
+                </a:solidFill>
+                <a:latin typeface="Calibri" charset="0"/>
+                <a:ea typeface="新細明體" charset="-120"/>
+              </a:defRPr>
+            </a:lvl1pPr>
+            <a:lvl2pPr marL="742950" indent="-285750">
+              <a:lnSpc>
+                <a:spcPct val="90000"/>
+              </a:lnSpc>
+              <a:spcBef>
+                <a:spcPts val="500"/>
+              </a:spcBef>
+              <a:buFont typeface="Arial" charset="0"/>
+              <a:buChar char="•"/>
+              <a:defRPr sz="2400">
+                <a:solidFill>
+                  <a:schemeClr val="tx1"/>
+                </a:solidFill>
+                <a:latin typeface="Calibri" charset="0"/>
+                <a:ea typeface="新細明體" charset="-120"/>
+              </a:defRPr>
+            </a:lvl2pPr>
+            <a:lvl3pPr marL="1143000" indent="-228600">
+              <a:lnSpc>
+                <a:spcPct val="90000"/>
+              </a:lnSpc>
+              <a:spcBef>
+                <a:spcPts val="500"/>
+              </a:spcBef>
+              <a:buFont typeface="Arial" charset="0"/>
+              <a:buChar char="•"/>
+              <a:defRPr sz="2000">
+                <a:solidFill>
+                  <a:schemeClr val="tx1"/>
+                </a:solidFill>
+                <a:latin typeface="Calibri" charset="0"/>
+                <a:ea typeface="新細明體" charset="-120"/>
+              </a:defRPr>
+            </a:lvl3pPr>
+            <a:lvl4pPr marL="1600200" indent="-228600">
+              <a:lnSpc>
+                <a:spcPct val="90000"/>
+              </a:lnSpc>
+              <a:spcBef>
+                <a:spcPts val="500"/>
+              </a:spcBef>
+              <a:buFont typeface="Arial" charset="0"/>
+              <a:buChar char="•"/>
+              <a:defRPr>
+                <a:solidFill>
+                  <a:schemeClr val="tx1"/>
+                </a:solidFill>
+                <a:latin typeface="Calibri" charset="0"/>
+                <a:ea typeface="新細明體" charset="-120"/>
+              </a:defRPr>
+            </a:lvl4pPr>
+            <a:lvl5pPr marL="2057400" indent="-228600">
+              <a:lnSpc>
+                <a:spcPct val="90000"/>
+              </a:lnSpc>
+              <a:spcBef>
+                <a:spcPts val="500"/>
+              </a:spcBef>
+              <a:buFont typeface="Arial" charset="0"/>
+              <a:buChar char="•"/>
+              <a:defRPr>
+                <a:solidFill>
+                  <a:schemeClr val="tx1"/>
+                </a:solidFill>
+                <a:latin typeface="Calibri" charset="0"/>
+                <a:ea typeface="新細明體" charset="-120"/>
+              </a:defRPr>
+            </a:lvl5pPr>
+            <a:lvl6pPr marL="2514600" indent="-228600" eaLnBrk="0" fontAlgn="base" hangingPunct="0">
+              <a:lnSpc>
+                <a:spcPct val="90000"/>
+              </a:lnSpc>
+              <a:spcBef>
+                <a:spcPts val="500"/>
+              </a:spcBef>
+              <a:spcAft>
+                <a:spcPct val="0"/>
+              </a:spcAft>
+              <a:buFont typeface="Arial" charset="0"/>
+              <a:buChar char="•"/>
+              <a:defRPr>
+                <a:solidFill>
+                  <a:schemeClr val="tx1"/>
+                </a:solidFill>
+                <a:latin typeface="Calibri" charset="0"/>
+                <a:ea typeface="新細明體" charset="-120"/>
+              </a:defRPr>
+            </a:lvl6pPr>
+            <a:lvl7pPr marL="2971800" indent="-228600" eaLnBrk="0" fontAlgn="base" hangingPunct="0">
+              <a:lnSpc>
+                <a:spcPct val="90000"/>
+              </a:lnSpc>
+              <a:spcBef>
+                <a:spcPts val="500"/>
+              </a:spcBef>
+              <a:spcAft>
+                <a:spcPct val="0"/>
+              </a:spcAft>
+              <a:buFont typeface="Arial" charset="0"/>
+              <a:buChar char="•"/>
+              <a:defRPr>
+                <a:solidFill>
+                  <a:schemeClr val="tx1"/>
+                </a:solidFill>
+                <a:latin typeface="Calibri" charset="0"/>
+                <a:ea typeface="新細明體" charset="-120"/>
+              </a:defRPr>
+            </a:lvl7pPr>
+            <a:lvl8pPr marL="3429000" indent="-228600" eaLnBrk="0" fontAlgn="base" hangingPunct="0">
+              <a:lnSpc>
+                <a:spcPct val="90000"/>
+              </a:lnSpc>
+              <a:spcBef>
+                <a:spcPts val="500"/>
+              </a:spcBef>
+              <a:spcAft>
+                <a:spcPct val="0"/>
+              </a:spcAft>
+              <a:buFont typeface="Arial" charset="0"/>
+              <a:buChar char="•"/>
+              <a:defRPr>
+                <a:solidFill>
+                  <a:schemeClr val="tx1"/>
+                </a:solidFill>
+                <a:latin typeface="Calibri" charset="0"/>
+                <a:ea typeface="新細明體" charset="-120"/>
+              </a:defRPr>
+            </a:lvl8pPr>
+            <a:lvl9pPr marL="3886200" indent="-228600" eaLnBrk="0" fontAlgn="base" hangingPunct="0">
+              <a:lnSpc>
+                <a:spcPct val="90000"/>
+              </a:lnSpc>
+              <a:spcBef>
+                <a:spcPts val="500"/>
+              </a:spcBef>
+              <a:spcAft>
+                <a:spcPct val="0"/>
+              </a:spcAft>
+              <a:buFont typeface="Arial" charset="0"/>
+              <a:buChar char="•"/>
+              <a:defRPr>
+                <a:solidFill>
+                  <a:schemeClr val="tx1"/>
+                </a:solidFill>
+                <a:latin typeface="Calibri" charset="0"/>
+                <a:ea typeface="新細明體" charset="-120"/>
+              </a:defRPr>
+            </a:lvl9pPr>
+          </a:lstStyle>
+          <a:p>
+            <a:pPr>
+              <a:lnSpc>
+                <a:spcPct val="100000"/>
+              </a:lnSpc>
+              <a:spcBef>
+                <a:spcPct val="0"/>
+              </a:spcBef>
+              <a:buFontTx/>
+              <a:buNone/>
+            </a:pPr>
+            <a:r>
+              <a:rPr lang="zh-TW" altLang="en-US" sz="1800"/>
+              <a:t>老化指數 </a:t>
+            </a:r>
+            <a:r>
+              <a:rPr lang="en-US" altLang="zh-TW" sz="1800"/>
+              <a:t>(65 </a:t>
+            </a:r>
+            <a:r>
+              <a:rPr lang="zh-TW" altLang="en-US" sz="1800"/>
+              <a:t>歲以上者占 歲以上者占 </a:t>
+            </a:r>
+            <a:r>
+              <a:rPr lang="en-US" altLang="zh-TW" sz="1800"/>
+              <a:t>0</a:t>
+            </a:r>
+            <a:r>
+              <a:rPr lang="zh-TW" altLang="en-US" sz="1800"/>
+              <a:t>至 </a:t>
+            </a:r>
+            <a:r>
+              <a:rPr lang="en-US" altLang="zh-TW" sz="1800"/>
+              <a:t>14 </a:t>
+            </a:r>
+            <a:r>
+              <a:rPr lang="zh-TW" altLang="en-US" sz="1800"/>
+              <a:t>歲者比例 歲者比例 </a:t>
+            </a:r>
+            <a:r>
+              <a:rPr lang="en-US" altLang="zh-TW" sz="1800"/>
+              <a:t>)</a:t>
+            </a:r>
+            <a:endParaRPr lang="zh-TW" altLang="en-US" sz="1800"/>
+          </a:p>
+        </p:txBody>
+      </p:sp>
+    </p:spTree>
+  </p:cSld>
+  <p:clrMapOvr>
+    <a:masterClrMapping/>
+  </p:clrMapOvr>
+  <p:timing>
+    <p:tnLst>
+      <p:par>
+        <p:cTn id="1" dur="indefinite" restart="never" nodeType="tmRoot"/>
+      </p:par>
+    </p:tnLst>
+  </p:timing>
+</p:sld>
+</file>
+
+<file path=ppt/slides/slide3.xml><?xml version="1.0" encoding="utf-8"?>
+<p:sld xmlns:a="http://schemas.openxmlformats.org/drawingml/2006/main" xmlns:r="http://schemas.openxmlformats.org/officeDocument/2006/relationships" xmlns:p="http://schemas.openxmlformats.org/presentationml/2006/main">
+  <p:cSld>
+    <p:spTree>
+      <p:nvGrpSpPr>
+        <p:cNvPr id="1" name=""/>
+        <p:cNvGrpSpPr/>
+        <p:nvPr/>
+      </p:nvGrpSpPr>
+      <p:grpSpPr>
+        <a:xfrm>
+          <a:off x="0" y="0"/>
+          <a:ext cx="0" cy="0"/>
+          <a:chOff x="0" y="0"/>
+          <a:chExt cx="0" cy="0"/>
+        </a:xfrm>
+      </p:grpSpPr>
+      <p:sp>
+        <p:nvSpPr>
+          <p:cNvPr id="17409" name="標題 1"/>
+          <p:cNvSpPr>
+            <a:spLocks noGrp="1"/>
+          </p:cNvSpPr>
+          <p:nvPr>
+            <p:ph type="title"/>
+          </p:nvPr>
+        </p:nvSpPr>
+        <p:spPr/>
+        <p:txBody>
+          <a:bodyPr/>
+          <a:lstStyle/>
+          <a:p>
+            <a:r>
+              <a:rPr kumimoji="1" lang="zh-TW" altLang="en-US"/>
+              <a:t>嘉義市開放資料人口老化趨勢</a:t>
+            </a:r>
+          </a:p>
+        </p:txBody>
+      </p:sp>
+      <p:pic>
+        <p:nvPicPr>
+          <p:cNvPr id="17410" name="內容版面配置區 3"/>
+          <p:cNvPicPr>
+            <a:picLocks noGrp="1" noChangeAspect="1"/>
+          </p:cNvPicPr>
+          <p:nvPr>
+            <p:ph idx="1"/>
+          </p:nvPr>
+        </p:nvPicPr>
+        <p:blipFill>
+          <a:blip r:embed="rId2">
+            <a:extLst>
+              <a:ext uri="{28A0092B-C50C-407E-A947-70E740481C1C}">
+                <a14:useLocalDpi xmlns:a14="http://schemas.microsoft.com/office/drawing/2010/main" val="0"/>
+              </a:ext>
+            </a:extLst>
+          </a:blip>
+          <a:srcRect/>
+          <a:stretch>
+            <a:fillRect/>
+          </a:stretch>
+        </p:blipFill>
+        <p:spPr>
+          <a:xfrm>
+            <a:off x="660400" y="1825625"/>
+            <a:ext cx="7823200" cy="4351338"/>
+          </a:xfrm>
+        </p:spPr>
+      </p:pic>
+      <p:sp>
+        <p:nvSpPr>
+          <p:cNvPr id="17411" name="矩形 2"/>
+          <p:cNvSpPr>
+            <a:spLocks noChangeArrowheads="1"/>
+          </p:cNvSpPr>
+          <p:nvPr/>
+        </p:nvSpPr>
+        <p:spPr bwMode="auto">
+          <a:xfrm>
+            <a:off x="1458913" y="6088063"/>
+            <a:ext cx="7373937" cy="369887"/>
+          </a:xfrm>
+          <a:prstGeom prst="rect">
+            <a:avLst/>
+          </a:prstGeom>
+          <a:noFill/>
+          <a:ln>
+            <a:noFill/>
+          </a:ln>
+          <a:extLst>
+            <a:ext uri="{909E8E84-426E-40DD-AFC4-6F175D3DCCD1}">
+              <a14:hiddenFill xmlns:a14="http://schemas.microsoft.com/office/drawing/2010/main">
+                <a:solidFill>
+                  <a:srgbClr val="FFFFFF"/>
+                </a:solidFill>
+              </a14:hiddenFill>
+            </a:ext>
+            <a:ext uri="{91240B29-F687-4F45-9708-019B960494DF}">
+              <a14:hiddenLine xmlns:a14="http://schemas.microsoft.com/office/drawing/2010/main" w="9525">
+                <a:solidFill>
+                  <a:srgbClr val="000000"/>
+                </a:solidFill>
+                <a:miter lim="800000"/>
+                <a:headEnd/>
+                <a:tailEnd/>
+              </a14:hiddenLine>
+            </a:ext>
+          </a:extLst>
+        </p:spPr>
+        <p:txBody>
+          <a:bodyPr>
+            <a:spAutoFit/>
+          </a:bodyPr>
+          <a:lstStyle>
+            <a:lvl1pPr>
+              <a:lnSpc>
+                <a:spcPct val="90000"/>
+              </a:lnSpc>
+              <a:spcBef>
+                <a:spcPts val="1000"/>
+              </a:spcBef>
+              <a:buFont typeface="Arial" charset="0"/>
+              <a:buChar char="•"/>
+              <a:defRPr sz="2800">
+                <a:solidFill>
+                  <a:schemeClr val="tx1"/>
+                </a:solidFill>
+                <a:latin typeface="Calibri" charset="0"/>
+                <a:ea typeface="新細明體" charset="-120"/>
+              </a:defRPr>
+            </a:lvl1pPr>
+            <a:lvl2pPr marL="742950" indent="-285750">
+              <a:lnSpc>
+                <a:spcPct val="90000"/>
+              </a:lnSpc>
+              <a:spcBef>
+                <a:spcPts val="500"/>
+              </a:spcBef>
+              <a:buFont typeface="Arial" charset="0"/>
+              <a:buChar char="•"/>
+              <a:defRPr sz="2400">
+                <a:solidFill>
+                  <a:schemeClr val="tx1"/>
+                </a:solidFill>
+                <a:latin typeface="Calibri" charset="0"/>
+                <a:ea typeface="新細明體" charset="-120"/>
+              </a:defRPr>
+            </a:lvl2pPr>
+            <a:lvl3pPr marL="1143000" indent="-228600">
+              <a:lnSpc>
+                <a:spcPct val="90000"/>
+              </a:lnSpc>
+              <a:spcBef>
+                <a:spcPts val="500"/>
+              </a:spcBef>
+              <a:buFont typeface="Arial" charset="0"/>
+              <a:buChar char="•"/>
+              <a:defRPr sz="2000">
+                <a:solidFill>
+                  <a:schemeClr val="tx1"/>
+                </a:solidFill>
+                <a:latin typeface="Calibri" charset="0"/>
+                <a:ea typeface="新細明體" charset="-120"/>
+              </a:defRPr>
+            </a:lvl3pPr>
+            <a:lvl4pPr marL="1600200" indent="-228600">
+              <a:lnSpc>
+                <a:spcPct val="90000"/>
+              </a:lnSpc>
+              <a:spcBef>
+                <a:spcPts val="500"/>
+              </a:spcBef>
+              <a:buFont typeface="Arial" charset="0"/>
+              <a:buChar char="•"/>
+              <a:defRPr>
+                <a:solidFill>
+                  <a:schemeClr val="tx1"/>
+                </a:solidFill>
+                <a:latin typeface="Calibri" charset="0"/>
+                <a:ea typeface="新細明體" charset="-120"/>
+              </a:defRPr>
+            </a:lvl4pPr>
+            <a:lvl5pPr marL="2057400" indent="-228600">
+              <a:lnSpc>
+                <a:spcPct val="90000"/>
+              </a:lnSpc>
+              <a:spcBef>
+                <a:spcPts val="500"/>
+              </a:spcBef>
+              <a:buFont typeface="Arial" charset="0"/>
+              <a:buChar char="•"/>
+              <a:defRPr>
+                <a:solidFill>
+                  <a:schemeClr val="tx1"/>
+                </a:solidFill>
+                <a:latin typeface="Calibri" charset="0"/>
+                <a:ea typeface="新細明體" charset="-120"/>
+              </a:defRPr>
+            </a:lvl5pPr>
+            <a:lvl6pPr marL="2514600" indent="-228600" eaLnBrk="0" fontAlgn="base" hangingPunct="0">
+              <a:lnSpc>
+                <a:spcPct val="90000"/>
+              </a:lnSpc>
+              <a:spcBef>
+                <a:spcPts val="500"/>
+              </a:spcBef>
+              <a:spcAft>
+                <a:spcPct val="0"/>
+              </a:spcAft>
+              <a:buFont typeface="Arial" charset="0"/>
+              <a:buChar char="•"/>
+              <a:defRPr>
+                <a:solidFill>
+                  <a:schemeClr val="tx1"/>
+                </a:solidFill>
+                <a:latin typeface="Calibri" charset="0"/>
+                <a:ea typeface="新細明體" charset="-120"/>
+              </a:defRPr>
+            </a:lvl6pPr>
+            <a:lvl7pPr marL="2971800" indent="-228600" eaLnBrk="0" fontAlgn="base" hangingPunct="0">
+              <a:lnSpc>
+                <a:spcPct val="90000"/>
+              </a:lnSpc>
+              <a:spcBef>
+                <a:spcPts val="500"/>
+              </a:spcBef>
+              <a:spcAft>
+                <a:spcPct val="0"/>
+              </a:spcAft>
+              <a:buFont typeface="Arial" charset="0"/>
+              <a:buChar char="•"/>
+              <a:defRPr>
+                <a:solidFill>
+                  <a:schemeClr val="tx1"/>
+                </a:solidFill>
+                <a:latin typeface="Calibri" charset="0"/>
+                <a:ea typeface="新細明體" charset="-120"/>
+              </a:defRPr>
+            </a:lvl7pPr>
+            <a:lvl8pPr marL="3429000" indent="-228600" eaLnBrk="0" fontAlgn="base" hangingPunct="0">
+              <a:lnSpc>
+                <a:spcPct val="90000"/>
+              </a:lnSpc>
+              <a:spcBef>
+                <a:spcPts val="500"/>
+              </a:spcBef>
+              <a:spcAft>
+                <a:spcPct val="0"/>
+              </a:spcAft>
+              <a:buFont typeface="Arial" charset="0"/>
+              <a:buChar char="•"/>
+              <a:defRPr>
+                <a:solidFill>
+                  <a:schemeClr val="tx1"/>
+                </a:solidFill>
+                <a:latin typeface="Calibri" charset="0"/>
+                <a:ea typeface="新細明體" charset="-120"/>
+              </a:defRPr>
+            </a:lvl8pPr>
+            <a:lvl9pPr marL="3886200" indent="-228600" eaLnBrk="0" fontAlgn="base" hangingPunct="0">
+              <a:lnSpc>
+                <a:spcPct val="90000"/>
+              </a:lnSpc>
+              <a:spcBef>
+                <a:spcPts val="500"/>
+              </a:spcBef>
+              <a:spcAft>
+                <a:spcPct val="0"/>
+              </a:spcAft>
+              <a:buFont typeface="Arial" charset="0"/>
+              <a:buChar char="•"/>
+              <a:defRPr>
+                <a:solidFill>
+                  <a:schemeClr val="tx1"/>
+                </a:solidFill>
+                <a:latin typeface="Calibri" charset="0"/>
+                <a:ea typeface="新細明體" charset="-120"/>
+              </a:defRPr>
+            </a:lvl9pPr>
+          </a:lstStyle>
+          <a:p>
+            <a:pPr>
+              <a:lnSpc>
+                <a:spcPct val="100000"/>
+              </a:lnSpc>
+              <a:spcBef>
+                <a:spcPct val="0"/>
+              </a:spcBef>
+              <a:buFontTx/>
+              <a:buNone/>
+            </a:pPr>
+            <a:r>
+              <a:rPr lang="zh-TW" altLang="en-US" sz="1800"/>
+              <a:t>老化指數 </a:t>
+            </a:r>
+            <a:r>
+              <a:rPr lang="en-US" altLang="zh-TW" sz="1800"/>
+              <a:t>(65 </a:t>
+            </a:r>
+            <a:r>
+              <a:rPr lang="zh-TW" altLang="en-US" sz="1800"/>
+              <a:t>歲以上者占 歲以上者占 </a:t>
+            </a:r>
+            <a:r>
+              <a:rPr lang="en-US" altLang="zh-TW" sz="1800"/>
+              <a:t>0</a:t>
+            </a:r>
+            <a:r>
+              <a:rPr lang="zh-TW" altLang="en-US" sz="1800"/>
+              <a:t>至 </a:t>
+            </a:r>
+            <a:r>
+              <a:rPr lang="en-US" altLang="zh-TW" sz="1800"/>
+              <a:t>14 </a:t>
+            </a:r>
+            <a:r>
+              <a:rPr lang="zh-TW" altLang="en-US" sz="1800"/>
+              <a:t>歲者比例 歲者比例 </a:t>
+            </a:r>
+            <a:r>
+              <a:rPr lang="en-US" altLang="zh-TW" sz="1800"/>
+              <a:t>)</a:t>
+            </a:r>
+            <a:endParaRPr lang="zh-TW" altLang="en-US" sz="1800"/>
+          </a:p>
+        </p:txBody>
+      </p:sp>
+    </p:spTree>
+  </p:cSld>
+  <p:clrMapOvr>
+    <a:masterClrMapping/>
+  </p:clrMapOvr>
+</p:sld>
+</file>
+
+<file path=ppt/slides/slide4.xml><?xml version="1.0" encoding="utf-8"?>
+<p:sld xmlns:a="http://schemas.openxmlformats.org/drawingml/2006/main" xmlns:r="http://schemas.openxmlformats.org/officeDocument/2006/relationships" xmlns:p="http://schemas.openxmlformats.org/presentationml/2006/main">
+  <p:cSld>
+    <p:spTree>
+      <p:nvGrpSpPr>
+        <p:cNvPr id="1" name=""/>
+        <p:cNvGrpSpPr/>
+        <p:nvPr/>
+      </p:nvGrpSpPr>
+      <p:grpSpPr>
+        <a:xfrm>
+          <a:off x="0" y="0"/>
+          <a:ext cx="0" cy="0"/>
+          <a:chOff x="0" y="0"/>
+          <a:chExt cx="0" cy="0"/>
+        </a:xfrm>
+      </p:grpSpPr>
+      <p:sp>
+        <p:nvSpPr>
+          <p:cNvPr id="24577" name="標題 1"/>
+          <p:cNvSpPr>
+            <a:spLocks noGrp="1"/>
+          </p:cNvSpPr>
+          <p:nvPr>
+            <p:ph type="title"/>
+          </p:nvPr>
+        </p:nvSpPr>
+        <p:spPr/>
+        <p:txBody>
+          <a:bodyPr/>
+          <a:lstStyle/>
+          <a:p>
+            <a:r>
+              <a:rPr kumimoji="1" lang="zh-TW" altLang="en-US"/>
+              <a:t>老齡化將帶來的衝擊之一</a:t>
+            </a:r>
+          </a:p>
+        </p:txBody>
+      </p:sp>
+      <p:sp>
+        <p:nvSpPr>
+          <p:cNvPr id="24578" name="內容版面配置區 2"/>
+          <p:cNvSpPr>
+            <a:spLocks noGrp="1"/>
+          </p:cNvSpPr>
+          <p:nvPr>
+            <p:ph idx="1"/>
+          </p:nvPr>
+        </p:nvSpPr>
+        <p:spPr/>
+        <p:txBody>
+          <a:bodyPr/>
+          <a:lstStyle/>
+          <a:p>
+            <a:endParaRPr kumimoji="1" lang="en-US" altLang="zh-TW"/>
+          </a:p>
+          <a:p>
+            <a:endParaRPr kumimoji="1" lang="en-US" altLang="zh-TW"/>
+          </a:p>
+          <a:p>
+            <a:r>
+              <a:rPr kumimoji="1" lang="zh-TW" altLang="en-US"/>
+              <a:t>年輕人難以在外工作並同時照顧家中老年人</a:t>
+            </a:r>
+            <a:endParaRPr kumimoji="1" lang="en-US" altLang="zh-TW"/>
+          </a:p>
+          <a:p>
+            <a:r>
+              <a:rPr kumimoji="1" lang="zh-TW" altLang="en-US"/>
+              <a:t>若老年人已有殘疾狀況，僱請看護約</a:t>
+            </a:r>
+            <a:r>
+              <a:rPr kumimoji="1" lang="en-US" altLang="zh-TW"/>
+              <a:t>23K/</a:t>
+            </a:r>
+            <a:r>
+              <a:rPr kumimoji="1" lang="zh-TW" altLang="en-US"/>
+              <a:t>月</a:t>
+            </a:r>
+            <a:endParaRPr kumimoji="1" lang="en-US" altLang="zh-TW"/>
+          </a:p>
+          <a:p>
+            <a:endParaRPr kumimoji="1" lang="en-US" altLang="zh-TW"/>
+          </a:p>
+          <a:p>
+            <a:r>
+              <a:rPr kumimoji="1" lang="zh-TW" altLang="en-US"/>
+              <a:t>年紀老邁但不需看護的長輩，單獨在家還是令人擔憂，孤單寂寞甚至不小心跌倒</a:t>
+            </a:r>
+          </a:p>
+        </p:txBody>
+      </p:sp>
+      <p:sp>
+        <p:nvSpPr>
+          <p:cNvPr id="4" name="文字方塊 3"/>
+          <p:cNvSpPr txBox="1"/>
+          <p:nvPr/>
+        </p:nvSpPr>
+        <p:spPr>
+          <a:xfrm>
+            <a:off x="1398588" y="1647825"/>
+            <a:ext cx="6346825" cy="646113"/>
+          </a:xfrm>
+          <a:prstGeom prst="rect">
+            <a:avLst/>
+          </a:prstGeom>
+        </p:spPr>
+        <p:style>
+          <a:lnRef idx="2">
+            <a:schemeClr val="accent2">
+              <a:shade val="50000"/>
+            </a:schemeClr>
+          </a:lnRef>
+          <a:fillRef idx="1">
+            <a:schemeClr val="accent2"/>
+          </a:fillRef>
+          <a:effectRef idx="0">
+            <a:schemeClr val="accent2"/>
+          </a:effectRef>
+          <a:fontRef idx="minor">
+            <a:schemeClr val="lt1"/>
+          </a:fontRef>
+        </p:style>
+        <p:txBody>
+          <a:bodyPr>
+            <a:spAutoFit/>
+          </a:bodyPr>
+          <a:lstStyle/>
+          <a:p>
+            <a:pPr algn="ctr">
+              <a:defRPr/>
+            </a:pPr>
+            <a:r>
+              <a:rPr kumimoji="1" lang="zh-TW" altLang="en-US" sz="3600" dirty="0"/>
+              <a:t>既然我們不能讓扶老比降低</a:t>
+            </a:r>
+          </a:p>
+        </p:txBody>
+      </p:sp>
+      <p:sp>
+        <p:nvSpPr>
+          <p:cNvPr id="5" name="文字方塊 4"/>
+          <p:cNvSpPr txBox="1"/>
+          <p:nvPr/>
+        </p:nvSpPr>
+        <p:spPr>
+          <a:xfrm>
+            <a:off x="1039813" y="5414963"/>
+            <a:ext cx="7332662" cy="646112"/>
+          </a:xfrm>
+          <a:prstGeom prst="rect">
+            <a:avLst/>
+          </a:prstGeom>
+        </p:spPr>
+        <p:style>
+          <a:lnRef idx="2">
+            <a:schemeClr val="accent2">
+              <a:shade val="50000"/>
+            </a:schemeClr>
+          </a:lnRef>
+          <a:fillRef idx="1">
+            <a:schemeClr val="accent2"/>
+          </a:fillRef>
+          <a:effectRef idx="0">
+            <a:schemeClr val="accent2"/>
+          </a:effectRef>
+          <a:fontRef idx="minor">
+            <a:schemeClr val="lt1"/>
+          </a:fontRef>
+        </p:style>
+        <p:txBody>
+          <a:bodyPr>
+            <a:spAutoFit/>
+          </a:bodyPr>
+          <a:lstStyle/>
+          <a:p>
+            <a:pPr algn="ctr">
+              <a:defRPr/>
+            </a:pPr>
+            <a:r>
+              <a:rPr kumimoji="1" lang="zh-TW" altLang="en-US" sz="3600" dirty="0"/>
+              <a:t>那我們試</a:t>
+            </a:r>
+            <a:r>
+              <a:rPr kumimoji="1" lang="zh-TW" altLang="en-US" sz="3600"/>
+              <a:t>著降低老齡化帶來的衝擊</a:t>
+            </a:r>
+            <a:endParaRPr kumimoji="1" lang="zh-TW" altLang="en-US" sz="3600" dirty="0"/>
+          </a:p>
+        </p:txBody>
+      </p:sp>
+    </p:spTree>
+  </p:cSld>
+  <p:clrMapOvr>
+    <a:masterClrMapping/>
+  </p:clrMapOvr>
+  <p:timing>
+    <p:tnLst>
+      <p:par>
+        <p:cTn id="1" dur="indefinite" restart="never" nodeType="tmRoot"/>
+      </p:par>
+    </p:tnLst>
+  </p:timing>
+</p:sld>
+</file>
+
+<file path=ppt/slides/slide5.xml><?xml version="1.0" encoding="utf-8"?>
+<p:sld xmlns:a="http://schemas.openxmlformats.org/drawingml/2006/main" xmlns:r="http://schemas.openxmlformats.org/officeDocument/2006/relationships" xmlns:p="http://schemas.openxmlformats.org/presentationml/2006/main">
+  <p:cSld>
+    <p:spTree>
+      <p:nvGrpSpPr>
+        <p:cNvPr id="1" name=""/>
+        <p:cNvGrpSpPr/>
+        <p:nvPr/>
+      </p:nvGrpSpPr>
+      <p:grpSpPr>
+        <a:xfrm>
+          <a:off x="0" y="0"/>
+          <a:ext cx="0" cy="0"/>
+          <a:chOff x="0" y="0"/>
+          <a:chExt cx="0" cy="0"/>
+        </a:xfrm>
+      </p:grpSpPr>
+      <p:sp>
+        <p:nvSpPr>
+          <p:cNvPr id="18433" name="標題 3"/>
+          <p:cNvSpPr>
+            <a:spLocks noGrp="1"/>
+          </p:cNvSpPr>
+          <p:nvPr>
+            <p:ph type="title"/>
+          </p:nvPr>
+        </p:nvSpPr>
+        <p:spPr/>
+        <p:txBody>
+          <a:bodyPr/>
+          <a:lstStyle/>
+          <a:p>
+            <a:r>
+              <a:rPr kumimoji="1" lang="zh-TW" altLang="en-US"/>
+              <a:t>寂寞嗎？嘉義盒陪你聊</a:t>
+            </a:r>
+          </a:p>
+        </p:txBody>
+      </p:sp>
+      <p:pic>
+        <p:nvPicPr>
+          <p:cNvPr id="18434" name="內容版面配置區 1"/>
+          <p:cNvPicPr>
+            <a:picLocks noGrp="1" noChangeAspect="1"/>
+          </p:cNvPicPr>
+          <p:nvPr>
+            <p:ph idx="1"/>
+          </p:nvPr>
+        </p:nvPicPr>
+        <p:blipFill>
+          <a:blip r:embed="rId2">
+            <a:extLst>
+              <a:ext uri="{28A0092B-C50C-407E-A947-70E740481C1C}">
+                <a14:useLocalDpi xmlns:a14="http://schemas.microsoft.com/office/drawing/2010/main" val="0"/>
+              </a:ext>
+            </a:extLst>
+          </a:blip>
+          <a:srcRect/>
+          <a:stretch>
+            <a:fillRect/>
+          </a:stretch>
+        </p:blipFill>
+        <p:spPr>
+          <a:xfrm>
+            <a:off x="1196975" y="2252663"/>
+            <a:ext cx="5805488" cy="4351337"/>
+          </a:xfrm>
+        </p:spPr>
+      </p:pic>
+      <p:pic>
+        <p:nvPicPr>
+          <p:cNvPr id="18435" name="圖片 6"/>
+          <p:cNvPicPr>
+            <a:picLocks noChangeAspect="1"/>
+          </p:cNvPicPr>
+          <p:nvPr/>
+        </p:nvPicPr>
+        <p:blipFill>
+          <a:blip r:embed="rId3">
+            <a:extLst>
+              <a:ext uri="{28A0092B-C50C-407E-A947-70E740481C1C}">
+                <a14:useLocalDpi xmlns:a14="http://schemas.microsoft.com/office/drawing/2010/main" val="0"/>
+              </a:ext>
+            </a:extLst>
+          </a:blip>
+          <a:srcRect/>
+          <a:stretch>
+            <a:fillRect/>
+          </a:stretch>
+        </p:blipFill>
+        <p:spPr bwMode="auto">
+          <a:xfrm>
+            <a:off x="6072188" y="3036888"/>
+            <a:ext cx="1860550" cy="2876550"/>
+          </a:xfrm>
+          <a:prstGeom prst="rect">
+            <a:avLst/>
+          </a:prstGeom>
+          <a:noFill/>
+          <a:ln>
+            <a:noFill/>
+          </a:ln>
+          <a:extLst>
+            <a:ext uri="{909E8E84-426E-40DD-AFC4-6F175D3DCCD1}">
+              <a14:hiddenFill xmlns:a14="http://schemas.microsoft.com/office/drawing/2010/main">
+                <a:solidFill>
+                  <a:srgbClr val="FFFFFF"/>
+                </a:solidFill>
+              </a14:hiddenFill>
+            </a:ext>
+            <a:ext uri="{91240B29-F687-4F45-9708-019B960494DF}">
+              <a14:hiddenLine xmlns:a14="http://schemas.microsoft.com/office/drawing/2010/main" w="9525">
+                <a:solidFill>
+                  <a:srgbClr val="000000"/>
+                </a:solidFill>
+                <a:miter lim="800000"/>
+                <a:headEnd/>
+                <a:tailEnd/>
+              </a14:hiddenLine>
+            </a:ext>
+          </a:extLst>
+        </p:spPr>
+      </p:pic>
+      <p:sp>
+        <p:nvSpPr>
+          <p:cNvPr id="8" name="橢圓圖說文字 7"/>
+          <p:cNvSpPr/>
+          <p:nvPr/>
+        </p:nvSpPr>
+        <p:spPr>
+          <a:xfrm>
+            <a:off x="5683250" y="1690688"/>
+            <a:ext cx="3286125" cy="1122362"/>
+          </a:xfrm>
+          <a:prstGeom prst="wedgeEllipseCallout">
+            <a:avLst/>
+          </a:prstGeom>
+        </p:spPr>
+        <p:style>
+          <a:lnRef idx="2">
+            <a:schemeClr val="accent1">
+              <a:shade val="50000"/>
+            </a:schemeClr>
+          </a:lnRef>
+          <a:fillRef idx="1">
+            <a:schemeClr val="accent1"/>
+          </a:fillRef>
+          <a:effectRef idx="0">
+            <a:schemeClr val="accent1"/>
+          </a:effectRef>
+          <a:fontRef idx="minor">
+            <a:schemeClr val="lt1"/>
+          </a:fontRef>
+        </p:style>
+        <p:txBody>
+          <a:bodyPr anchor="ctr"/>
+          <a:lstStyle/>
+          <a:p>
+            <a:pPr algn="ctr">
+              <a:defRPr/>
+            </a:pPr>
+            <a:r>
+              <a:rPr kumimoji="1" lang="zh-TW" altLang="en-US" dirty="0"/>
+              <a:t>小嘉，今天中餐該吃啥呢？</a:t>
+            </a:r>
+            <a:endParaRPr kumimoji="1" lang="zh-TW" altLang="en-US" dirty="0"/>
+          </a:p>
+        </p:txBody>
+      </p:sp>
+      <p:sp>
+        <p:nvSpPr>
+          <p:cNvPr id="9" name="橢圓圖說文字 8"/>
+          <p:cNvSpPr/>
+          <p:nvPr/>
+        </p:nvSpPr>
+        <p:spPr>
+          <a:xfrm>
+            <a:off x="0" y="1690688"/>
+            <a:ext cx="4170363" cy="1536700"/>
+          </a:xfrm>
+          <a:prstGeom prst="wedgeEllipseCallout">
+            <a:avLst>
+              <a:gd name="adj1" fmla="val 37845"/>
+              <a:gd name="adj2" fmla="val 64834"/>
+            </a:avLst>
+          </a:prstGeom>
+        </p:spPr>
+        <p:style>
+          <a:lnRef idx="2">
+            <a:schemeClr val="accent1">
+              <a:shade val="50000"/>
+            </a:schemeClr>
+          </a:lnRef>
+          <a:fillRef idx="1">
+            <a:schemeClr val="accent1"/>
+          </a:fillRef>
+          <a:effectRef idx="0">
+            <a:schemeClr val="accent1"/>
+          </a:effectRef>
+          <a:fontRef idx="minor">
+            <a:schemeClr val="lt1"/>
+          </a:fontRef>
+        </p:style>
+        <p:txBody>
+          <a:bodyPr anchor="ctr"/>
+          <a:lstStyle/>
+          <a:p>
+            <a:pPr algn="ctr">
+              <a:defRPr/>
+            </a:pPr>
+            <a:r>
+              <a:rPr kumimoji="1" lang="zh-TW" altLang="en-US" dirty="0">
+                <a:solidFill>
+                  <a:prstClr val="white"/>
+                </a:solidFill>
+              </a:rPr>
+              <a:t>老伴，昨天吃過人蔘雞了，今天吃絲瓜</a:t>
+            </a:r>
+            <a:r>
+              <a:rPr lang="zh-TW" altLang="en-US" dirty="0">
+                <a:solidFill>
+                  <a:prstClr val="white"/>
+                </a:solidFill>
+              </a:rPr>
+              <a:t>蛤蜊怎麼樣？</a:t>
+            </a:r>
+            <a:endParaRPr kumimoji="1" lang="zh-TW" altLang="en-US" dirty="0">
+              <a:solidFill>
+                <a:prstClr val="white"/>
+              </a:solidFill>
+            </a:endParaRPr>
+          </a:p>
+        </p:txBody>
+      </p:sp>
+    </p:spTree>
+  </p:cSld>
+  <p:clrMapOvr>
+    <a:masterClrMapping/>
+  </p:clrMapOvr>
+  <p:timing>
+    <p:tnLst>
+      <p:par>
+        <p:cTn id="1" dur="indefinite" restart="never" nodeType="tmRoot"/>
+      </p:par>
+    </p:tnLst>
+  </p:timing>
+</p:sld>
+</file>
+
+<file path=ppt/slides/slide6.xml><?xml version="1.0" encoding="utf-8"?>
+<p:sld xmlns:a="http://schemas.openxmlformats.org/drawingml/2006/main" xmlns:r="http://schemas.openxmlformats.org/officeDocument/2006/relationships" xmlns:p="http://schemas.openxmlformats.org/presentationml/2006/main">
+  <p:cSld>
+    <p:spTree>
+      <p:nvGrpSpPr>
+        <p:cNvPr id="1" name=""/>
+        <p:cNvGrpSpPr/>
+        <p:nvPr/>
+      </p:nvGrpSpPr>
+      <p:grpSpPr>
+        <a:xfrm>
+          <a:off x="0" y="0"/>
+          <a:ext cx="0" cy="0"/>
+          <a:chOff x="0" y="0"/>
+          <a:chExt cx="0" cy="0"/>
+        </a:xfrm>
+      </p:grpSpPr>
+      <p:sp>
+        <p:nvSpPr>
+          <p:cNvPr id="19457" name="標題 1"/>
+          <p:cNvSpPr>
+            <a:spLocks noGrp="1"/>
+          </p:cNvSpPr>
+          <p:nvPr>
+            <p:ph type="title"/>
+          </p:nvPr>
+        </p:nvSpPr>
+        <p:spPr/>
+        <p:txBody>
+          <a:bodyPr/>
+          <a:lstStyle/>
+          <a:p>
+            <a:r>
+              <a:rPr kumimoji="1" lang="zh-TW" altLang="en-US"/>
+              <a:t>跟盒子講話，好像耍自閉？</a:t>
+            </a:r>
+          </a:p>
+        </p:txBody>
+      </p:sp>
+      <p:pic>
+        <p:nvPicPr>
+          <p:cNvPr id="19458" name="內容版面配置區 1"/>
+          <p:cNvPicPr>
+            <a:picLocks noChangeAspect="1"/>
+          </p:cNvPicPr>
+          <p:nvPr/>
+        </p:nvPicPr>
+        <p:blipFill>
+          <a:blip r:embed="rId2">
+            <a:extLst>
+              <a:ext uri="{28A0092B-C50C-407E-A947-70E740481C1C}">
+                <a14:useLocalDpi xmlns:a14="http://schemas.microsoft.com/office/drawing/2010/main" val="0"/>
+              </a:ext>
+            </a:extLst>
+          </a:blip>
+          <a:srcRect/>
+          <a:stretch>
+            <a:fillRect/>
+          </a:stretch>
+        </p:blipFill>
+        <p:spPr bwMode="auto">
+          <a:xfrm>
+            <a:off x="1196975" y="2252663"/>
+            <a:ext cx="5805488" cy="4351337"/>
+          </a:xfrm>
+          <a:prstGeom prst="rect">
+            <a:avLst/>
+          </a:prstGeom>
+          <a:noFill/>
+          <a:ln>
+            <a:noFill/>
+          </a:ln>
+          <a:extLst>
+            <a:ext uri="{909E8E84-426E-40DD-AFC4-6F175D3DCCD1}">
+              <a14:hiddenFill xmlns:a14="http://schemas.microsoft.com/office/drawing/2010/main">
+                <a:solidFill>
+                  <a:srgbClr val="FFFFFF"/>
+                </a:solidFill>
+              </a14:hiddenFill>
+            </a:ext>
+            <a:ext uri="{91240B29-F687-4F45-9708-019B960494DF}">
+              <a14:hiddenLine xmlns:a14="http://schemas.microsoft.com/office/drawing/2010/main" w="9525">
+                <a:solidFill>
+                  <a:srgbClr val="000000"/>
+                </a:solidFill>
+                <a:miter lim="800000"/>
+                <a:headEnd/>
+                <a:tailEnd/>
+              </a14:hiddenLine>
+            </a:ext>
+            <a:ext uri="{FAA26D3D-D897-4be2-8F04-BA451C77F1D7}">
+              <ma14:placeholderFlag xmlns:ma14="http://schemas.microsoft.com/office/mac/drawingml/2011/main" val="1"/>
+            </a:ext>
+          </a:extLst>
+        </p:spPr>
+      </p:pic>
+      <p:pic>
+        <p:nvPicPr>
+          <p:cNvPr id="19459" name="圖片 8"/>
+          <p:cNvPicPr>
+            <a:picLocks noChangeAspect="1"/>
+          </p:cNvPicPr>
+          <p:nvPr/>
+        </p:nvPicPr>
+        <p:blipFill>
+          <a:blip r:embed="rId3">
+            <a:extLst>
+              <a:ext uri="{28A0092B-C50C-407E-A947-70E740481C1C}">
+                <a14:useLocalDpi xmlns:a14="http://schemas.microsoft.com/office/drawing/2010/main" val="0"/>
+              </a:ext>
+            </a:extLst>
+          </a:blip>
+          <a:srcRect/>
+          <a:stretch>
+            <a:fillRect/>
+          </a:stretch>
+        </p:blipFill>
+        <p:spPr bwMode="auto">
+          <a:xfrm>
+            <a:off x="6072188" y="3036888"/>
+            <a:ext cx="1860550" cy="2876550"/>
+          </a:xfrm>
+          <a:prstGeom prst="rect">
+            <a:avLst/>
+          </a:prstGeom>
+          <a:noFill/>
+          <a:ln>
+            <a:noFill/>
+          </a:ln>
+          <a:extLst>
+            <a:ext uri="{909E8E84-426E-40DD-AFC4-6F175D3DCCD1}">
+              <a14:hiddenFill xmlns:a14="http://schemas.microsoft.com/office/drawing/2010/main">
+                <a:solidFill>
+                  <a:srgbClr val="FFFFFF"/>
+                </a:solidFill>
+              </a14:hiddenFill>
+            </a:ext>
+            <a:ext uri="{91240B29-F687-4F45-9708-019B960494DF}">
+              <a14:hiddenLine xmlns:a14="http://schemas.microsoft.com/office/drawing/2010/main" w="9525">
+                <a:solidFill>
+                  <a:srgbClr val="000000"/>
+                </a:solidFill>
+                <a:miter lim="800000"/>
+                <a:headEnd/>
+                <a:tailEnd/>
+              </a14:hiddenLine>
+            </a:ext>
+          </a:extLst>
+        </p:spPr>
+      </p:pic>
+      <p:sp>
+        <p:nvSpPr>
+          <p:cNvPr id="10" name="橢圓圖說文字 9"/>
+          <p:cNvSpPr/>
+          <p:nvPr/>
+        </p:nvSpPr>
+        <p:spPr>
+          <a:xfrm>
+            <a:off x="5683250" y="1690688"/>
+            <a:ext cx="3286125" cy="1122362"/>
+          </a:xfrm>
+          <a:prstGeom prst="wedgeEllipseCallout">
+            <a:avLst/>
+          </a:prstGeom>
+        </p:spPr>
+        <p:style>
+          <a:lnRef idx="2">
+            <a:schemeClr val="accent1">
+              <a:shade val="50000"/>
+            </a:schemeClr>
+          </a:lnRef>
+          <a:fillRef idx="1">
+            <a:schemeClr val="accent1"/>
+          </a:fillRef>
+          <a:effectRef idx="0">
+            <a:schemeClr val="accent1"/>
+          </a:effectRef>
+          <a:fontRef idx="minor">
+            <a:schemeClr val="lt1"/>
+          </a:fontRef>
+        </p:style>
+        <p:txBody>
+          <a:bodyPr anchor="ctr"/>
+          <a:lstStyle/>
+          <a:p>
+            <a:pPr algn="ctr">
+              <a:defRPr/>
+            </a:pPr>
+            <a:r>
+              <a:rPr kumimoji="1" lang="mr-IN" altLang="zh-TW" sz="3600" dirty="0"/>
+              <a:t>…</a:t>
+            </a:r>
+            <a:r>
+              <a:rPr kumimoji="1" lang="en-US" altLang="zh-TW" sz="3600" dirty="0"/>
+              <a:t>.</a:t>
+            </a:r>
+            <a:endParaRPr kumimoji="1" lang="zh-TW" altLang="en-US" sz="3600" dirty="0"/>
+          </a:p>
+        </p:txBody>
+      </p:sp>
+      <p:sp>
+        <p:nvSpPr>
+          <p:cNvPr id="11" name="橢圓圖說文字 10"/>
+          <p:cNvSpPr/>
+          <p:nvPr/>
+        </p:nvSpPr>
+        <p:spPr>
+          <a:xfrm>
+            <a:off x="0" y="1690688"/>
+            <a:ext cx="4170363" cy="1536700"/>
+          </a:xfrm>
+          <a:prstGeom prst="wedgeEllipseCallout">
+            <a:avLst>
+              <a:gd name="adj1" fmla="val 37845"/>
+              <a:gd name="adj2" fmla="val 64834"/>
+            </a:avLst>
+          </a:prstGeom>
+        </p:spPr>
+        <p:style>
+          <a:lnRef idx="2">
+            <a:schemeClr val="accent1">
+              <a:shade val="50000"/>
+            </a:schemeClr>
+          </a:lnRef>
+          <a:fillRef idx="1">
+            <a:schemeClr val="accent1"/>
+          </a:fillRef>
+          <a:effectRef idx="0">
+            <a:schemeClr val="accent1"/>
+          </a:effectRef>
+          <a:fontRef idx="minor">
+            <a:schemeClr val="lt1"/>
+          </a:fontRef>
+        </p:style>
+        <p:txBody>
+          <a:bodyPr anchor="ctr"/>
+          <a:lstStyle/>
+          <a:p>
+            <a:pPr algn="ctr">
+              <a:defRPr/>
+            </a:pPr>
+            <a:r>
+              <a:rPr kumimoji="1" lang="mr-IN" altLang="zh-TW" sz="4800" dirty="0"/>
+              <a:t>…</a:t>
+            </a:r>
+            <a:endParaRPr kumimoji="1" lang="zh-TW" altLang="en-US" sz="4800" dirty="0"/>
+          </a:p>
+        </p:txBody>
+      </p:sp>
+    </p:spTree>
+  </p:cSld>
+  <p:clrMapOvr>
+    <a:masterClrMapping/>
+  </p:clrMapOvr>
+  <p:timing>
+    <p:tnLst>
+      <p:par>
+        <p:cTn id="1" dur="indefinite" restart="never" nodeType="tmRoot"/>
+      </p:par>
+    </p:tnLst>
+  </p:timing>
+</p:sld>
+</file>
+
+<file path=ppt/slides/slide7.xml><?xml version="1.0" encoding="utf-8"?>
+<p:sld xmlns:a="http://schemas.openxmlformats.org/drawingml/2006/main" xmlns:r="http://schemas.openxmlformats.org/officeDocument/2006/relationships" xmlns:p="http://schemas.openxmlformats.org/presentationml/2006/main">
+  <p:cSld>
+    <p:spTree>
+      <p:nvGrpSpPr>
+        <p:cNvPr id="1" name=""/>
+        <p:cNvGrpSpPr/>
+        <p:nvPr/>
+      </p:nvGrpSpPr>
+      <p:grpSpPr>
+        <a:xfrm>
+          <a:off x="0" y="0"/>
+          <a:ext cx="0" cy="0"/>
+          <a:chOff x="0" y="0"/>
+          <a:chExt cx="0" cy="0"/>
+        </a:xfrm>
+      </p:grpSpPr>
+      <p:sp>
+        <p:nvSpPr>
+          <p:cNvPr id="20481" name="標題 1"/>
+          <p:cNvSpPr>
+            <a:spLocks noGrp="1"/>
+          </p:cNvSpPr>
+          <p:nvPr>
+            <p:ph type="title"/>
+          </p:nvPr>
+        </p:nvSpPr>
+        <p:spPr/>
+        <p:txBody>
+          <a:bodyPr/>
+          <a:lstStyle/>
+          <a:p>
+            <a:r>
+              <a:rPr kumimoji="1" lang="zh-TW" altLang="en-US"/>
+              <a:t>緊急時刻很關鍵</a:t>
+            </a:r>
+          </a:p>
+        </p:txBody>
+      </p:sp>
+      <p:pic>
+        <p:nvPicPr>
+          <p:cNvPr id="20482" name="內容版面配置區 1"/>
+          <p:cNvPicPr>
+            <a:picLocks noChangeAspect="1"/>
+          </p:cNvPicPr>
+          <p:nvPr/>
+        </p:nvPicPr>
+        <p:blipFill>
+          <a:blip r:embed="rId2">
+            <a:extLst>
+              <a:ext uri="{28A0092B-C50C-407E-A947-70E740481C1C}">
+                <a14:useLocalDpi xmlns:a14="http://schemas.microsoft.com/office/drawing/2010/main" val="0"/>
+              </a:ext>
+            </a:extLst>
+          </a:blip>
+          <a:srcRect/>
+          <a:stretch>
+            <a:fillRect/>
+          </a:stretch>
+        </p:blipFill>
+        <p:spPr bwMode="auto">
+          <a:xfrm>
+            <a:off x="1196975" y="2252663"/>
+            <a:ext cx="5805488" cy="4351337"/>
+          </a:xfrm>
+          <a:prstGeom prst="rect">
+            <a:avLst/>
+          </a:prstGeom>
+          <a:noFill/>
+          <a:ln>
+            <a:noFill/>
+          </a:ln>
+          <a:extLst>
+            <a:ext uri="{909E8E84-426E-40DD-AFC4-6F175D3DCCD1}">
+              <a14:hiddenFill xmlns:a14="http://schemas.microsoft.com/office/drawing/2010/main">
+                <a:solidFill>
+                  <a:srgbClr val="FFFFFF"/>
+                </a:solidFill>
+              </a14:hiddenFill>
+            </a:ext>
+            <a:ext uri="{91240B29-F687-4F45-9708-019B960494DF}">
+              <a14:hiddenLine xmlns:a14="http://schemas.microsoft.com/office/drawing/2010/main" w="9525">
+                <a:solidFill>
+                  <a:srgbClr val="000000"/>
+                </a:solidFill>
+                <a:miter lim="800000"/>
+                <a:headEnd/>
+                <a:tailEnd/>
+              </a14:hiddenLine>
+            </a:ext>
+            <a:ext uri="{FAA26D3D-D897-4be2-8F04-BA451C77F1D7}">
+              <ma14:placeholderFlag xmlns:ma14="http://schemas.microsoft.com/office/mac/drawingml/2011/main" val="1"/>
+            </a:ext>
+          </a:extLst>
+        </p:spPr>
+      </p:pic>
+      <p:pic>
+        <p:nvPicPr>
+          <p:cNvPr id="20483" name="圖片 8"/>
+          <p:cNvPicPr>
+            <a:picLocks noChangeAspect="1"/>
+          </p:cNvPicPr>
+          <p:nvPr/>
+        </p:nvPicPr>
+        <p:blipFill>
+          <a:blip r:embed="rId3">
+            <a:extLst>
+              <a:ext uri="{28A0092B-C50C-407E-A947-70E740481C1C}">
+                <a14:useLocalDpi xmlns:a14="http://schemas.microsoft.com/office/drawing/2010/main" val="0"/>
+              </a:ext>
+            </a:extLst>
+          </a:blip>
+          <a:srcRect/>
+          <a:stretch>
+            <a:fillRect/>
+          </a:stretch>
+        </p:blipFill>
+        <p:spPr bwMode="auto">
+          <a:xfrm rot="-5961430">
+            <a:off x="6324601" y="3556000"/>
+            <a:ext cx="1858962" cy="2878137"/>
+          </a:xfrm>
+          <a:prstGeom prst="rect">
+            <a:avLst/>
+          </a:prstGeom>
+          <a:noFill/>
+          <a:ln>
+            <a:noFill/>
+          </a:ln>
+          <a:extLst>
+            <a:ext uri="{909E8E84-426E-40DD-AFC4-6F175D3DCCD1}">
+              <a14:hiddenFill xmlns:a14="http://schemas.microsoft.com/office/drawing/2010/main">
+                <a:solidFill>
+                  <a:srgbClr val="FFFFFF"/>
+                </a:solidFill>
+              </a14:hiddenFill>
+            </a:ext>
+            <a:ext uri="{91240B29-F687-4F45-9708-019B960494DF}">
+              <a14:hiddenLine xmlns:a14="http://schemas.microsoft.com/office/drawing/2010/main" w="9525">
+                <a:solidFill>
+                  <a:srgbClr val="000000"/>
+                </a:solidFill>
+                <a:miter lim="800000"/>
+                <a:headEnd/>
+                <a:tailEnd/>
+              </a14:hiddenLine>
+            </a:ext>
+          </a:extLst>
+        </p:spPr>
+      </p:pic>
+      <p:sp>
+        <p:nvSpPr>
+          <p:cNvPr id="10" name="橢圓圖說文字 9"/>
+          <p:cNvSpPr/>
+          <p:nvPr/>
+        </p:nvSpPr>
+        <p:spPr>
+          <a:xfrm>
+            <a:off x="5859463" y="2665413"/>
+            <a:ext cx="3284537" cy="1123950"/>
+          </a:xfrm>
+          <a:prstGeom prst="wedgeEllipseCallout">
+            <a:avLst/>
+          </a:prstGeom>
+        </p:spPr>
+        <p:style>
+          <a:lnRef idx="2">
+            <a:schemeClr val="accent1">
+              <a:shade val="50000"/>
+            </a:schemeClr>
+          </a:lnRef>
+          <a:fillRef idx="1">
+            <a:schemeClr val="accent1"/>
+          </a:fillRef>
+          <a:effectRef idx="0">
+            <a:schemeClr val="accent1"/>
+          </a:effectRef>
+          <a:fontRef idx="minor">
+            <a:schemeClr val="lt1"/>
+          </a:fontRef>
+        </p:style>
+        <p:txBody>
+          <a:bodyPr anchor="ctr"/>
+          <a:lstStyle/>
+          <a:p>
+            <a:pPr algn="ctr">
+              <a:defRPr/>
+            </a:pPr>
+            <a:r>
+              <a:rPr kumimoji="1" lang="zh-TW" altLang="en-US" sz="2800" dirty="0"/>
+              <a:t>來人啊救救我</a:t>
+            </a:r>
+          </a:p>
+        </p:txBody>
+      </p:sp>
+      <p:sp>
+        <p:nvSpPr>
+          <p:cNvPr id="11" name="橢圓圖說文字 10"/>
+          <p:cNvSpPr/>
+          <p:nvPr/>
+        </p:nvSpPr>
+        <p:spPr>
+          <a:xfrm>
+            <a:off x="0" y="1690688"/>
+            <a:ext cx="4170363" cy="1536700"/>
+          </a:xfrm>
+          <a:prstGeom prst="wedgeEllipseCallout">
+            <a:avLst>
+              <a:gd name="adj1" fmla="val 37845"/>
+              <a:gd name="adj2" fmla="val 64834"/>
+            </a:avLst>
+          </a:prstGeom>
+        </p:spPr>
+        <p:style>
+          <a:lnRef idx="2">
+            <a:schemeClr val="accent1">
+              <a:shade val="50000"/>
+            </a:schemeClr>
+          </a:lnRef>
+          <a:fillRef idx="1">
+            <a:schemeClr val="accent1"/>
+          </a:fillRef>
+          <a:effectRef idx="0">
+            <a:schemeClr val="accent1"/>
+          </a:effectRef>
+          <a:fontRef idx="minor">
+            <a:schemeClr val="lt1"/>
+          </a:fontRef>
+        </p:style>
+        <p:txBody>
+          <a:bodyPr anchor="ctr"/>
+          <a:lstStyle/>
+          <a:p>
+            <a:pPr algn="ctr">
+              <a:defRPr/>
+            </a:pPr>
+            <a:r>
+              <a:rPr kumimoji="1" lang="zh-TW" altLang="en-US" sz="2000" dirty="0"/>
+              <a:t>好的，請再撐會兒！</a:t>
+            </a:r>
+            <a:endParaRPr kumimoji="1" lang="en-US" altLang="zh-TW" sz="2000" dirty="0"/>
+          </a:p>
+          <a:p>
+            <a:pPr algn="ctr">
+              <a:defRPr/>
+            </a:pPr>
+            <a:r>
+              <a:rPr kumimoji="1" lang="zh-TW" altLang="en-US" sz="2000" dirty="0"/>
+              <a:t>我已經通知您家人與警消醫院。</a:t>
+            </a:r>
+          </a:p>
+        </p:txBody>
+      </p:sp>
+      <p:sp>
+        <p:nvSpPr>
+          <p:cNvPr id="7" name="橢圓圖說文字 6"/>
+          <p:cNvSpPr/>
+          <p:nvPr/>
+        </p:nvSpPr>
+        <p:spPr>
+          <a:xfrm>
+            <a:off x="144463" y="4779963"/>
+            <a:ext cx="2106612" cy="1366837"/>
+          </a:xfrm>
+          <a:prstGeom prst="wedgeEllipseCallout">
+            <a:avLst>
+              <a:gd name="adj1" fmla="val 73590"/>
+              <a:gd name="adj2" fmla="val 535"/>
+            </a:avLst>
+          </a:prstGeom>
+        </p:spPr>
+        <p:style>
+          <a:lnRef idx="2">
+            <a:schemeClr val="accent1">
+              <a:shade val="50000"/>
+            </a:schemeClr>
+          </a:lnRef>
+          <a:fillRef idx="1">
+            <a:schemeClr val="accent1"/>
+          </a:fillRef>
+          <a:effectRef idx="0">
+            <a:schemeClr val="accent1"/>
+          </a:effectRef>
+          <a:fontRef idx="minor">
+            <a:schemeClr val="lt1"/>
+          </a:fontRef>
+        </p:style>
+        <p:txBody>
+          <a:bodyPr anchor="ctr"/>
+          <a:lstStyle/>
+          <a:p>
+            <a:pPr algn="ctr">
+              <a:defRPr/>
+            </a:pPr>
+            <a:r>
+              <a:rPr kumimoji="1" lang="zh-TW" altLang="en-US"/>
+              <a:t>老伴，現在哪裡痛呢？別睡著哦～</a:t>
+            </a:r>
+            <a:endParaRPr kumimoji="1" lang="zh-TW" altLang="en-US" dirty="0"/>
+          </a:p>
+        </p:txBody>
+      </p:sp>
+    </p:spTree>
+  </p:cSld>
+  <p:clrMapOvr>
+    <a:masterClrMapping/>
+  </p:clrMapOvr>
+  <p:timing>
+    <p:tnLst>
+      <p:par>
+        <p:cTn id="1" dur="indefinite" restart="never" nodeType="tmRoot"/>
+      </p:par>
+    </p:tnLst>
+  </p:timing>
+</p:sld>
+</file>
+
+<file path=ppt/slides/slide8.xml><?xml version="1.0" encoding="utf-8"?>
+<p:sld xmlns:a="http://schemas.openxmlformats.org/drawingml/2006/main" xmlns:r="http://schemas.openxmlformats.org/officeDocument/2006/relationships" xmlns:p="http://schemas.openxmlformats.org/presentationml/2006/main">
+  <p:cSld>
+    <p:spTree>
+      <p:nvGrpSpPr>
+        <p:cNvPr id="1" name=""/>
+        <p:cNvGrpSpPr/>
+        <p:nvPr/>
+      </p:nvGrpSpPr>
+      <p:grpSpPr>
+        <a:xfrm>
+          <a:off x="0" y="0"/>
+          <a:ext cx="0" cy="0"/>
+          <a:chOff x="0" y="0"/>
+          <a:chExt cx="0" cy="0"/>
+        </a:xfrm>
+      </p:grpSpPr>
+      <p:sp>
+        <p:nvSpPr>
+          <p:cNvPr id="21505" name="標題 1"/>
+          <p:cNvSpPr>
+            <a:spLocks noGrp="1"/>
+          </p:cNvSpPr>
+          <p:nvPr>
+            <p:ph type="title"/>
+          </p:nvPr>
+        </p:nvSpPr>
+        <p:spPr/>
+        <p:txBody>
+          <a:bodyPr/>
+          <a:lstStyle/>
+          <a:p>
+            <a:r>
+              <a:rPr kumimoji="1" lang="zh-TW" altLang="en-US"/>
+              <a:t>平時提醒很貼心</a:t>
+            </a:r>
+          </a:p>
+        </p:txBody>
+      </p:sp>
+      <p:pic>
+        <p:nvPicPr>
+          <p:cNvPr id="21506" name="內容版面配置區 1"/>
+          <p:cNvPicPr>
+            <a:picLocks noChangeAspect="1"/>
+          </p:cNvPicPr>
+          <p:nvPr/>
+        </p:nvPicPr>
+        <p:blipFill>
+          <a:blip r:embed="rId2">
+            <a:extLst>
+              <a:ext uri="{28A0092B-C50C-407E-A947-70E740481C1C}">
+                <a14:useLocalDpi xmlns:a14="http://schemas.microsoft.com/office/drawing/2010/main" val="0"/>
+              </a:ext>
+            </a:extLst>
+          </a:blip>
+          <a:srcRect/>
+          <a:stretch>
+            <a:fillRect/>
+          </a:stretch>
+        </p:blipFill>
+        <p:spPr bwMode="auto">
+          <a:xfrm>
+            <a:off x="1196975" y="2252663"/>
+            <a:ext cx="5805488" cy="4351337"/>
+          </a:xfrm>
+          <a:prstGeom prst="rect">
+            <a:avLst/>
+          </a:prstGeom>
+          <a:noFill/>
+          <a:ln>
+            <a:noFill/>
+          </a:ln>
+          <a:extLst>
+            <a:ext uri="{909E8E84-426E-40DD-AFC4-6F175D3DCCD1}">
+              <a14:hiddenFill xmlns:a14="http://schemas.microsoft.com/office/drawing/2010/main">
+                <a:solidFill>
+                  <a:srgbClr val="FFFFFF"/>
+                </a:solidFill>
+              </a14:hiddenFill>
+            </a:ext>
+            <a:ext uri="{91240B29-F687-4F45-9708-019B960494DF}">
+              <a14:hiddenLine xmlns:a14="http://schemas.microsoft.com/office/drawing/2010/main" w="9525">
+                <a:solidFill>
+                  <a:srgbClr val="000000"/>
+                </a:solidFill>
+                <a:miter lim="800000"/>
+                <a:headEnd/>
+                <a:tailEnd/>
+              </a14:hiddenLine>
+            </a:ext>
+            <a:ext uri="{FAA26D3D-D897-4be2-8F04-BA451C77F1D7}">
+              <ma14:placeholderFlag xmlns:ma14="http://schemas.microsoft.com/office/mac/drawingml/2011/main" val="1"/>
+            </a:ext>
+          </a:extLst>
+        </p:spPr>
+      </p:pic>
+      <p:pic>
+        <p:nvPicPr>
+          <p:cNvPr id="21507" name="圖片 8"/>
+          <p:cNvPicPr>
+            <a:picLocks noChangeAspect="1"/>
+          </p:cNvPicPr>
+          <p:nvPr/>
+        </p:nvPicPr>
+        <p:blipFill>
+          <a:blip r:embed="rId3">
+            <a:extLst>
+              <a:ext uri="{28A0092B-C50C-407E-A947-70E740481C1C}">
+                <a14:useLocalDpi xmlns:a14="http://schemas.microsoft.com/office/drawing/2010/main" val="0"/>
+              </a:ext>
+            </a:extLst>
+          </a:blip>
+          <a:srcRect/>
+          <a:stretch>
+            <a:fillRect/>
+          </a:stretch>
+        </p:blipFill>
+        <p:spPr bwMode="auto">
+          <a:xfrm>
+            <a:off x="6072188" y="3036888"/>
+            <a:ext cx="1860550" cy="2876550"/>
+          </a:xfrm>
+          <a:prstGeom prst="rect">
+            <a:avLst/>
+          </a:prstGeom>
+          <a:noFill/>
+          <a:ln>
+            <a:noFill/>
+          </a:ln>
+          <a:extLst>
+            <a:ext uri="{909E8E84-426E-40DD-AFC4-6F175D3DCCD1}">
+              <a14:hiddenFill xmlns:a14="http://schemas.microsoft.com/office/drawing/2010/main">
+                <a:solidFill>
+                  <a:srgbClr val="FFFFFF"/>
+                </a:solidFill>
+              </a14:hiddenFill>
+            </a:ext>
+            <a:ext uri="{91240B29-F687-4F45-9708-019B960494DF}">
+              <a14:hiddenLine xmlns:a14="http://schemas.microsoft.com/office/drawing/2010/main" w="9525">
+                <a:solidFill>
+                  <a:srgbClr val="000000"/>
+                </a:solidFill>
+                <a:miter lim="800000"/>
+                <a:headEnd/>
+                <a:tailEnd/>
+              </a14:hiddenLine>
+            </a:ext>
+          </a:extLst>
+        </p:spPr>
+      </p:pic>
+      <p:sp>
+        <p:nvSpPr>
+          <p:cNvPr id="10" name="橢圓圖說文字 9"/>
+          <p:cNvSpPr/>
+          <p:nvPr/>
+        </p:nvSpPr>
+        <p:spPr>
+          <a:xfrm>
+            <a:off x="5683250" y="1690688"/>
+            <a:ext cx="3286125" cy="1122362"/>
+          </a:xfrm>
+          <a:prstGeom prst="wedgeEllipseCallout">
+            <a:avLst/>
+          </a:prstGeom>
+        </p:spPr>
+        <p:style>
+          <a:lnRef idx="2">
+            <a:schemeClr val="accent1">
+              <a:shade val="50000"/>
+            </a:schemeClr>
+          </a:lnRef>
+          <a:fillRef idx="1">
+            <a:schemeClr val="accent1"/>
+          </a:fillRef>
+          <a:effectRef idx="0">
+            <a:schemeClr val="accent1"/>
+          </a:effectRef>
+          <a:fontRef idx="minor">
+            <a:schemeClr val="lt1"/>
+          </a:fontRef>
+        </p:style>
+        <p:txBody>
+          <a:bodyPr anchor="ctr"/>
+          <a:lstStyle/>
+          <a:p>
+            <a:pPr algn="ctr">
+              <a:defRPr/>
+            </a:pPr>
+            <a:r>
+              <a:rPr kumimoji="1" lang="zh-TW" altLang="en-US" sz="2800"/>
+              <a:t>啊，馬上量</a:t>
+            </a:r>
+            <a:endParaRPr kumimoji="1" lang="zh-TW" altLang="en-US" sz="2800" dirty="0"/>
+          </a:p>
+        </p:txBody>
+      </p:sp>
+      <p:sp>
+        <p:nvSpPr>
+          <p:cNvPr id="11" name="橢圓圖說文字 10"/>
+          <p:cNvSpPr/>
+          <p:nvPr/>
+        </p:nvSpPr>
+        <p:spPr>
+          <a:xfrm>
+            <a:off x="0" y="1690688"/>
+            <a:ext cx="4170363" cy="1536700"/>
+          </a:xfrm>
+          <a:prstGeom prst="wedgeEllipseCallout">
+            <a:avLst>
+              <a:gd name="adj1" fmla="val 37845"/>
+              <a:gd name="adj2" fmla="val 64834"/>
+            </a:avLst>
+          </a:prstGeom>
+        </p:spPr>
+        <p:style>
+          <a:lnRef idx="2">
+            <a:schemeClr val="accent1">
+              <a:shade val="50000"/>
+            </a:schemeClr>
+          </a:lnRef>
+          <a:fillRef idx="1">
+            <a:schemeClr val="accent1"/>
+          </a:fillRef>
+          <a:effectRef idx="0">
+            <a:schemeClr val="accent1"/>
+          </a:effectRef>
+          <a:fontRef idx="minor">
+            <a:schemeClr val="lt1"/>
+          </a:fontRef>
+        </p:style>
+        <p:txBody>
+          <a:bodyPr anchor="ctr"/>
+          <a:lstStyle/>
+          <a:p>
+            <a:pPr algn="ctr">
+              <a:defRPr/>
+            </a:pPr>
+            <a:r>
+              <a:rPr kumimoji="1" lang="zh-TW" altLang="en-US" sz="3200"/>
+              <a:t>老伴，今天血壓量多少呢？</a:t>
+            </a:r>
+            <a:endParaRPr kumimoji="1" lang="zh-TW" altLang="en-US" sz="3200" dirty="0"/>
+          </a:p>
+        </p:txBody>
+      </p:sp>
+      <p:sp>
+        <p:nvSpPr>
+          <p:cNvPr id="7" name="橢圓圖說文字 6"/>
+          <p:cNvSpPr/>
+          <p:nvPr/>
+        </p:nvSpPr>
+        <p:spPr>
+          <a:xfrm>
+            <a:off x="-71438" y="4552950"/>
+            <a:ext cx="2922214" cy="1536700"/>
+          </a:xfrm>
+          <a:prstGeom prst="wedgeEllipseCallout">
+            <a:avLst>
+              <a:gd name="adj1" fmla="val 61060"/>
+              <a:gd name="adj2" fmla="val -6342"/>
+            </a:avLst>
+          </a:prstGeom>
+        </p:spPr>
+        <p:style>
+          <a:lnRef idx="2">
+            <a:schemeClr val="accent1">
+              <a:shade val="50000"/>
+            </a:schemeClr>
+          </a:lnRef>
+          <a:fillRef idx="1">
+            <a:schemeClr val="accent1"/>
+          </a:fillRef>
+          <a:effectRef idx="0">
+            <a:schemeClr val="accent1"/>
+          </a:effectRef>
+          <a:fontRef idx="minor">
+            <a:schemeClr val="lt1"/>
+          </a:fontRef>
+        </p:style>
+        <p:txBody>
+          <a:bodyPr anchor="ctr"/>
+          <a:lstStyle/>
+          <a:p>
+            <a:pPr algn="ctr">
+              <a:defRPr/>
+            </a:pPr>
+            <a:r>
+              <a:rPr kumimoji="1" lang="zh-TW" altLang="en-US" sz="2400" dirty="0"/>
+              <a:t>紀錄並進行</a:t>
+            </a:r>
+            <a:r>
+              <a:rPr kumimoji="1" lang="zh-TW" altLang="en-US" sz="2400"/>
+              <a:t>異常分析提醒</a:t>
+            </a:r>
+            <a:endParaRPr kumimoji="1" lang="zh-TW" altLang="en-US" sz="2400" dirty="0"/>
+          </a:p>
+        </p:txBody>
+      </p:sp>
+    </p:spTree>
+  </p:cSld>
+  <p:clrMapOvr>
+    <a:masterClrMapping/>
+  </p:clrMapOvr>
+  <p:timing>
+    <p:tnLst>
+      <p:par>
+        <p:cTn id="1" dur="indefinite" restart="never" nodeType="tmRoot"/>
+      </p:par>
+    </p:tnLst>
+  </p:timing>
+</p:sld>
+</file>
+
+<file path=ppt/slides/slide9.xml><?xml version="1.0" encoding="utf-8"?>
+<p:sld xmlns:a="http://schemas.openxmlformats.org/drawingml/2006/main" xmlns:r="http://schemas.openxmlformats.org/officeDocument/2006/relationships" xmlns:p="http://schemas.openxmlformats.org/presentationml/2006/main">
+  <p:cSld>
+    <p:spTree>
+      <p:nvGrpSpPr>
+        <p:cNvPr id="1" name=""/>
+        <p:cNvGrpSpPr/>
+        <p:nvPr/>
+      </p:nvGrpSpPr>
+      <p:grpSpPr>
+        <a:xfrm>
+          <a:off x="0" y="0"/>
+          <a:ext cx="0" cy="0"/>
+          <a:chOff x="0" y="0"/>
+          <a:chExt cx="0" cy="0"/>
+        </a:xfrm>
+      </p:grpSpPr>
+      <p:sp>
+        <p:nvSpPr>
+          <p:cNvPr id="2" name="標題 1"/>
+          <p:cNvSpPr>
+            <a:spLocks noGrp="1"/>
+          </p:cNvSpPr>
+          <p:nvPr>
+            <p:ph type="title"/>
+          </p:nvPr>
+        </p:nvSpPr>
+        <p:spPr/>
+        <p:txBody>
+          <a:bodyPr/>
+          <a:lstStyle/>
+          <a:p>
+            <a:r>
+              <a:rPr kumimoji="1" lang="zh-TW" altLang="en-US" dirty="0" smtClean="0"/>
+              <a:t>最小可行性產品</a:t>
+            </a:r>
+            <a:endParaRPr kumimoji="1" lang="zh-TW" altLang="en-US" dirty="0"/>
+          </a:p>
+        </p:txBody>
+      </p:sp>
+      <p:pic>
+        <p:nvPicPr>
+          <p:cNvPr id="4" name="內容版面配置區 1"/>
+          <p:cNvPicPr>
+            <a:picLocks noChangeAspect="1"/>
+          </p:cNvPicPr>
+          <p:nvPr/>
+        </p:nvPicPr>
+        <p:blipFill>
+          <a:blip r:embed="rId2">
+            <a:extLst>
+              <a:ext uri="{28A0092B-C50C-407E-A947-70E740481C1C}">
+                <a14:useLocalDpi xmlns:a14="http://schemas.microsoft.com/office/drawing/2010/main" val="0"/>
+              </a:ext>
+            </a:extLst>
+          </a:blip>
+          <a:srcRect/>
+          <a:stretch>
+            <a:fillRect/>
+          </a:stretch>
+        </p:blipFill>
+        <p:spPr bwMode="auto">
+          <a:xfrm>
+            <a:off x="-739402" y="1171345"/>
+            <a:ext cx="5805488" cy="4351337"/>
+          </a:xfrm>
+          <a:prstGeom prst="rect">
+            <a:avLst/>
+          </a:prstGeom>
+          <a:noFill/>
+          <a:ln>
+            <a:noFill/>
+          </a:ln>
+          <a:extLst>
+            <a:ext uri="{909E8E84-426E-40DD-AFC4-6F175D3DCCD1}">
+              <a14:hiddenFill xmlns:a14="http://schemas.microsoft.com/office/drawing/2010/main">
+                <a:solidFill>
+                  <a:srgbClr val="FFFFFF"/>
+                </a:solidFill>
+              </a14:hiddenFill>
+            </a:ext>
+            <a:ext uri="{91240B29-F687-4F45-9708-019B960494DF}">
+              <a14:hiddenLine xmlns:a14="http://schemas.microsoft.com/office/drawing/2010/main" w="9525">
+                <a:solidFill>
+                  <a:srgbClr val="000000"/>
+                </a:solidFill>
+                <a:miter lim="800000"/>
+                <a:headEnd/>
+                <a:tailEnd/>
+              </a14:hiddenLine>
+            </a:ext>
+            <a:ext uri="{FAA26D3D-D897-4be2-8F04-BA451C77F1D7}">
+              <ma14:placeholderFlag xmlns:ma14="http://schemas.microsoft.com/office/mac/drawingml/2011/main" val="1"/>
+            </a:ext>
+          </a:extLst>
+        </p:spPr>
+      </p:pic>
+      <p:sp>
+        <p:nvSpPr>
+          <p:cNvPr id="5" name="文字方塊 4"/>
+          <p:cNvSpPr txBox="1"/>
+          <p:nvPr/>
+        </p:nvSpPr>
+        <p:spPr>
+          <a:xfrm>
+            <a:off x="3298136" y="2297029"/>
+            <a:ext cx="5859296" cy="4031873"/>
+          </a:xfrm>
+          <a:prstGeom prst="rect">
+            <a:avLst/>
+          </a:prstGeom>
+          <a:noFill/>
+        </p:spPr>
+        <p:txBody>
+          <a:bodyPr wrap="none" rtlCol="0">
+            <a:spAutoFit/>
+          </a:bodyPr>
+          <a:lstStyle/>
+          <a:p>
+            <a:pPr marL="285750" indent="-285750">
+              <a:buFont typeface="Arial" charset="0"/>
+              <a:buChar char="•"/>
+            </a:pPr>
+            <a:r>
+              <a:rPr kumimoji="1" lang="zh-TW" altLang="en-US" sz="3200" dirty="0" smtClean="0"/>
+              <a:t>目標：</a:t>
+            </a:r>
+            <a:endParaRPr kumimoji="1" lang="en-US" altLang="zh-TW" sz="3200" dirty="0" smtClean="0"/>
+          </a:p>
+          <a:p>
+            <a:pPr marL="742950" lvl="1" indent="-285750">
+              <a:buFont typeface="Arial" charset="0"/>
+              <a:buChar char="•"/>
+            </a:pPr>
+            <a:r>
+              <a:rPr kumimoji="1" lang="zh-TW" altLang="en-US" sz="3200" dirty="0" smtClean="0"/>
+              <a:t>首先要是個盒子</a:t>
+            </a:r>
+            <a:endParaRPr kumimoji="1" lang="en-US" altLang="zh-TW" sz="3200" dirty="0" smtClean="0"/>
+          </a:p>
+          <a:p>
+            <a:pPr marL="742950" lvl="1" indent="-285750">
+              <a:buFont typeface="Arial" charset="0"/>
+              <a:buChar char="•"/>
+            </a:pPr>
+            <a:r>
+              <a:rPr kumimoji="1" lang="zh-TW" altLang="en-US" sz="3200" dirty="0" smtClean="0"/>
+              <a:t>要能收音</a:t>
+            </a:r>
+            <a:endParaRPr kumimoji="1" lang="en-US" altLang="zh-TW" sz="3200" dirty="0" smtClean="0"/>
+          </a:p>
+          <a:p>
+            <a:pPr marL="742950" lvl="1" indent="-285750">
+              <a:buFont typeface="Arial" charset="0"/>
+              <a:buChar char="•"/>
+            </a:pPr>
+            <a:r>
+              <a:rPr kumimoji="1" lang="zh-TW" altLang="en-US" sz="3200" dirty="0" smtClean="0"/>
+              <a:t>要能播音</a:t>
+            </a:r>
+            <a:endParaRPr kumimoji="1" lang="en-US" altLang="zh-TW" sz="3200" dirty="0" smtClean="0"/>
+          </a:p>
+          <a:p>
+            <a:pPr marL="742950" lvl="1" indent="-285750">
+              <a:buFont typeface="Arial" charset="0"/>
+              <a:buChar char="•"/>
+            </a:pPr>
+            <a:r>
+              <a:rPr kumimoji="1" lang="zh-TW" altLang="en-US" sz="3200" dirty="0" smtClean="0"/>
+              <a:t>要能對話：目前全英文溝通</a:t>
+            </a:r>
+            <a:endParaRPr kumimoji="1" lang="en-US" altLang="zh-TW" sz="3200" dirty="0" smtClean="0"/>
+          </a:p>
+          <a:p>
+            <a:pPr marL="285750" indent="-285750">
+              <a:buFont typeface="Arial" charset="0"/>
+              <a:buChar char="•"/>
+            </a:pPr>
+            <a:r>
+              <a:rPr kumimoji="1" lang="zh-TW" altLang="en-US" sz="3200" dirty="0" smtClean="0"/>
+              <a:t>特點：</a:t>
+            </a:r>
+            <a:endParaRPr kumimoji="1" lang="en-US" altLang="zh-TW" sz="3200" dirty="0" smtClean="0"/>
+          </a:p>
+          <a:p>
+            <a:pPr marL="742950" lvl="1" indent="-285750">
+              <a:buFont typeface="Arial" charset="0"/>
+              <a:buChar char="•"/>
+            </a:pPr>
+            <a:r>
+              <a:rPr kumimoji="1" lang="zh-TW" altLang="en-US" sz="3200" dirty="0" smtClean="0"/>
+              <a:t>便宜，約</a:t>
+            </a:r>
+            <a:r>
+              <a:rPr kumimoji="1" lang="en-US" altLang="zh-TW" sz="3200" dirty="0" smtClean="0"/>
+              <a:t>NT$1500</a:t>
+            </a:r>
+            <a:r>
+              <a:rPr kumimoji="1" lang="zh-TW" altLang="en-US" sz="3200" dirty="0" smtClean="0"/>
+              <a:t>可完成</a:t>
+            </a:r>
+            <a:endParaRPr kumimoji="1" lang="en-US" altLang="zh-TW" sz="3200" dirty="0" smtClean="0"/>
+          </a:p>
+          <a:p>
+            <a:pPr marL="742950" lvl="1" indent="-285750">
+              <a:buFont typeface="Arial" charset="0"/>
+              <a:buChar char="•"/>
+            </a:pPr>
+            <a:r>
+              <a:rPr kumimoji="1" lang="zh-TW" altLang="en-US" sz="3200" dirty="0" smtClean="0"/>
+              <a:t>人工智慧，對話學習</a:t>
+            </a:r>
+            <a:endParaRPr kumimoji="1" lang="zh-TW" altLang="en-US" sz="3200" dirty="0"/>
+          </a:p>
+        </p:txBody>
+      </p:sp>
+    </p:spTree>
+    <p:extLst>
+      <p:ext uri="{BB962C8B-B14F-4D97-AF65-F5344CB8AC3E}">
+        <p14:creationId xmlns:p14="http://schemas.microsoft.com/office/powerpoint/2010/main" val="624418169"/>
+      </p:ext>
+    </p:extLst>
+  </p:cSld>
+  <p:clrMapOvr>
+    <a:masterClrMapping/>
+  </p:clrMapOvr>
 </p:sld>
 </file>
 
